--- a/manu & slides/814.pptx
+++ b/manu & slides/814.pptx
@@ -5,27 +5,28 @@
     <p:sldMasterId id="2147483648" r:id="rId1"/>
   </p:sldMasterIdLst>
   <p:notesMasterIdLst>
-    <p:notesMasterId r:id="rId20"/>
+    <p:notesMasterId r:id="rId21"/>
   </p:notesMasterIdLst>
   <p:sldIdLst>
     <p:sldId id="260" r:id="rId2"/>
-    <p:sldId id="258" r:id="rId3"/>
+    <p:sldId id="285" r:id="rId3"/>
     <p:sldId id="261" r:id="rId4"/>
     <p:sldId id="262" r:id="rId5"/>
-    <p:sldId id="263" r:id="rId6"/>
-    <p:sldId id="265" r:id="rId7"/>
-    <p:sldId id="275" r:id="rId8"/>
-    <p:sldId id="267" r:id="rId9"/>
-    <p:sldId id="268" r:id="rId10"/>
-    <p:sldId id="269" r:id="rId11"/>
-    <p:sldId id="271" r:id="rId12"/>
-    <p:sldId id="276" r:id="rId13"/>
-    <p:sldId id="273" r:id="rId14"/>
-    <p:sldId id="274" r:id="rId15"/>
-    <p:sldId id="270" r:id="rId16"/>
-    <p:sldId id="277" r:id="rId17"/>
-    <p:sldId id="272" r:id="rId18"/>
-    <p:sldId id="259" r:id="rId19"/>
+    <p:sldId id="293" r:id="rId6"/>
+    <p:sldId id="282" r:id="rId7"/>
+    <p:sldId id="278" r:id="rId8"/>
+    <p:sldId id="279" r:id="rId9"/>
+    <p:sldId id="280" r:id="rId10"/>
+    <p:sldId id="281" r:id="rId11"/>
+    <p:sldId id="283" r:id="rId12"/>
+    <p:sldId id="284" r:id="rId13"/>
+    <p:sldId id="286" r:id="rId14"/>
+    <p:sldId id="287" r:id="rId15"/>
+    <p:sldId id="288" r:id="rId16"/>
+    <p:sldId id="290" r:id="rId17"/>
+    <p:sldId id="289" r:id="rId18"/>
+    <p:sldId id="292" r:id="rId19"/>
+    <p:sldId id="291" r:id="rId20"/>
   </p:sldIdLst>
   <p:sldSz cx="9144000" cy="5143500" type="screen16x9"/>
   <p:notesSz cx="6805613" cy="9939338"/>
@@ -230,7 +231,7 @@
             <a:fld id="{2A382978-60B3-41E0-9AD0-2E9E6E8B7873}" type="datetimeFigureOut">
               <a:rPr kumimoji="1" lang="ja-JP" altLang="en-US" smtClean="0"/>
               <a:pPr/>
-              <a:t>2018/7/17</a:t>
+              <a:t>2018/8/14</a:t>
             </a:fld>
             <a:endParaRPr kumimoji="1" lang="ja-JP" altLang="en-US"/>
           </a:p>
@@ -1381,7 +1382,7 @@
             <a:fld id="{0BD03392-274E-4A19-9716-EA1CE8085D71}" type="datetime1">
               <a:rPr kumimoji="1" lang="ja-JP" altLang="en-US" smtClean="0"/>
               <a:pPr/>
-              <a:t>2018/7/17</a:t>
+              <a:t>2018/8/14</a:t>
             </a:fld>
             <a:endParaRPr kumimoji="1" lang="ja-JP" altLang="en-US" dirty="0"/>
           </a:p>
@@ -1702,7 +1703,7 @@
             <a:fld id="{D658E221-2E7A-48BA-8424-2A55A4736B68}" type="datetime1">
               <a:rPr kumimoji="1" lang="ja-JP" altLang="en-US" smtClean="0"/>
               <a:pPr/>
-              <a:t>2018/7/17</a:t>
+              <a:t>2018/8/14</a:t>
             </a:fld>
             <a:endParaRPr kumimoji="1" lang="ja-JP" altLang="en-US"/>
           </a:p>
@@ -1818,7 +1819,7 @@
             <a:fld id="{C245638F-14AB-400C-9AF1-5CEBE1B672A1}" type="datetime1">
               <a:rPr kumimoji="1" lang="ja-JP" altLang="en-US" smtClean="0"/>
               <a:pPr/>
-              <a:t>2018/7/17</a:t>
+              <a:t>2018/8/14</a:t>
             </a:fld>
             <a:endParaRPr kumimoji="1" lang="ja-JP" altLang="en-US"/>
           </a:p>
@@ -2406,7 +2407,7 @@
             <a:fld id="{02A88367-5BB3-4793-B263-C2830A0855E0}" type="datetime1">
               <a:rPr kumimoji="1" lang="ja-JP" altLang="en-US" smtClean="0"/>
               <a:pPr/>
-              <a:t>2018/7/17</a:t>
+              <a:t>2018/8/14</a:t>
             </a:fld>
             <a:endParaRPr kumimoji="1" lang="ja-JP" altLang="en-US" dirty="0"/>
           </a:p>
@@ -3452,7 +3453,7 @@
             <a:fld id="{961A4739-C8B6-4F30-A69C-01268F05198C}" type="datetime1">
               <a:rPr kumimoji="1" lang="ja-JP" altLang="en-US" smtClean="0"/>
               <a:pPr/>
-              <a:t>2018/7/17</a:t>
+              <a:t>2018/8/14</a:t>
             </a:fld>
             <a:endParaRPr kumimoji="1" lang="ja-JP" altLang="en-US" dirty="0"/>
           </a:p>
@@ -4700,7 +4701,7 @@
             <a:fld id="{A55444AB-87B1-4B99-A470-0F837A8A1880}" type="datetime1">
               <a:rPr kumimoji="1" lang="ja-JP" altLang="en-US" smtClean="0"/>
               <a:pPr/>
-              <a:t>2018/7/17</a:t>
+              <a:t>2018/8/14</a:t>
             </a:fld>
             <a:endParaRPr kumimoji="1" lang="ja-JP" altLang="en-US" dirty="0"/>
           </a:p>
@@ -5369,7 +5370,7 @@
             <a:fld id="{C2A19EB9-4440-4736-9A49-939819AB9C89}" type="datetime1">
               <a:rPr kumimoji="1" lang="ja-JP" altLang="en-US" smtClean="0"/>
               <a:pPr/>
-              <a:t>2018/7/17</a:t>
+              <a:t>2018/8/14</a:t>
             </a:fld>
             <a:endParaRPr kumimoji="1" lang="ja-JP" altLang="en-US" dirty="0"/>
           </a:p>
@@ -5700,7 +5701,7 @@
             <a:fld id="{207CE768-5AA7-4F09-BE2B-CECF21207030}" type="datetime1">
               <a:rPr kumimoji="1" lang="ja-JP" altLang="en-US" smtClean="0"/>
               <a:pPr/>
-              <a:t>2018/7/17</a:t>
+              <a:t>2018/8/14</a:t>
             </a:fld>
             <a:endParaRPr kumimoji="1" lang="ja-JP" altLang="en-US" dirty="0"/>
           </a:p>
@@ -5969,7 +5970,7 @@
             <a:fld id="{973F8ED2-2E1E-42CA-8611-E2CA1599FB5D}" type="datetime1">
               <a:rPr kumimoji="1" lang="ja-JP" altLang="en-US" smtClean="0"/>
               <a:pPr/>
-              <a:t>2018/7/17</a:t>
+              <a:t>2018/8/14</a:t>
             </a:fld>
             <a:endParaRPr kumimoji="1" lang="ja-JP" altLang="en-US" dirty="0"/>
           </a:p>
@@ -6446,7 +6447,7 @@
             <a:fld id="{A5182719-F20C-4B32-BD5B-859B9127D393}" type="datetime1">
               <a:rPr lang="ja-JP" altLang="en-US" smtClean="0"/>
               <a:pPr/>
-              <a:t>2018/7/17</a:t>
+              <a:t>2018/8/14</a:t>
             </a:fld>
             <a:endParaRPr lang="ja-JP" altLang="en-US" dirty="0"/>
           </a:p>
@@ -7137,13 +7138,7 @@
       </p:grpSpPr>
       <p:sp>
         <p:nvSpPr>
-          <p:cNvPr id="2" name="Title 1">
-            <a:extLst>
-              <a:ext uri="{FF2B5EF4-FFF2-40B4-BE49-F238E27FC236}">
-                <a16:creationId xmlns:a16="http://schemas.microsoft.com/office/drawing/2014/main" id="{06D5DA9A-9EC9-4ECA-9122-83F63B48B762}"/>
-              </a:ext>
-            </a:extLst>
-          </p:cNvPr>
+          <p:cNvPr id="2" name="Title 1"/>
           <p:cNvSpPr>
             <a:spLocks noGrp="1"/>
           </p:cNvSpPr>
@@ -7157,56 +7152,88 @@
           <a:lstStyle/>
           <a:p>
             <a:r>
-              <a:rPr lang="en-US" dirty="0"/>
-              <a:t>MSE</a:t>
-            </a:r>
-          </a:p>
-        </p:txBody>
-      </p:sp>
-      <p:sp>
-        <p:nvSpPr>
-          <p:cNvPr id="3" name="Text Placeholder 2">
-            <a:extLst>
-              <a:ext uri="{FF2B5EF4-FFF2-40B4-BE49-F238E27FC236}">
-                <a16:creationId xmlns:a16="http://schemas.microsoft.com/office/drawing/2014/main" id="{783A6151-D98E-4ADD-B8D8-7A80912487F3}"/>
-              </a:ext>
-            </a:extLst>
-          </p:cNvPr>
+              <a:rPr lang="en-US" dirty="0" smtClean="0"/>
+              <a:t>Nonzero Interaction Effects Proportion=0.2</a:t>
+            </a:r>
+            <a:endParaRPr lang="en-US" dirty="0"/>
+          </a:p>
+        </p:txBody>
+      </p:sp>
+      <p:sp>
+        <p:nvSpPr>
+          <p:cNvPr id="4" name="Footer Placeholder 3"/>
           <p:cNvSpPr>
             <a:spLocks noGrp="1"/>
           </p:cNvSpPr>
           <p:nvPr>
-            <p:ph type="body" idx="1"/>
+            <p:ph type="ftr" sz="quarter" idx="11"/>
           </p:nvPr>
         </p:nvSpPr>
         <p:spPr/>
         <p:txBody>
-          <a:bodyPr>
-            <a:normAutofit lnSpcReduction="10000"/>
-          </a:bodyPr>
+          <a:bodyPr/>
           <a:lstStyle/>
           <a:p>
             <a:r>
-              <a:rPr lang="en-US" dirty="0"/>
-              <a:t>Genes</a:t>
-            </a:r>
+              <a:rPr lang="ja-JP" altLang="en-US" smtClean="0"/>
+              <a:t>｜</a:t>
+            </a:r>
+            <a:r>
+              <a:rPr lang="en-US" altLang="ja-JP" smtClean="0"/>
+              <a:t>0000</a:t>
+            </a:r>
+            <a:r>
+              <a:rPr lang="ja-JP" altLang="en-US" smtClean="0"/>
+              <a:t>　</a:t>
+            </a:r>
+            <a:r>
+              <a:rPr lang="en-US" altLang="ja-JP" smtClean="0"/>
+              <a:t>|</a:t>
+            </a:r>
+            <a:r>
+              <a:rPr lang="ja-JP" altLang="en-US" smtClean="0"/>
+              <a:t>　　</a:t>
+            </a:r>
+            <a:r>
+              <a:rPr lang="en-US" altLang="ja-JP" smtClean="0"/>
+              <a:t>DDMMYY</a:t>
+            </a:r>
+            <a:endParaRPr lang="ja-JP" altLang="en-US" dirty="0"/>
+          </a:p>
+        </p:txBody>
+      </p:sp>
+      <p:sp>
+        <p:nvSpPr>
+          <p:cNvPr id="5" name="Slide Number Placeholder 4"/>
+          <p:cNvSpPr>
+            <a:spLocks noGrp="1"/>
+          </p:cNvSpPr>
+          <p:nvPr>
+            <p:ph type="sldNum" sz="quarter" idx="12"/>
+          </p:nvPr>
+        </p:nvSpPr>
+        <p:spPr/>
+        <p:txBody>
+          <a:bodyPr/>
+          <a:lstStyle/>
+          <a:p>
+            <a:fld id="{E9B57936-92EF-4126-AE48-1D9D36D15E98}" type="slidenum">
+              <a:rPr kumimoji="1" lang="ja-JP" altLang="en-US" smtClean="0"/>
+              <a:pPr/>
+              <a:t>9</a:t>
+            </a:fld>
+            <a:endParaRPr kumimoji="1" lang="ja-JP" altLang="en-US" dirty="0"/>
           </a:p>
         </p:txBody>
       </p:sp>
       <p:pic>
         <p:nvPicPr>
-          <p:cNvPr id="10" name="Content Placeholder 9">
-            <a:extLst>
-              <a:ext uri="{FF2B5EF4-FFF2-40B4-BE49-F238E27FC236}">
-                <a16:creationId xmlns:a16="http://schemas.microsoft.com/office/drawing/2014/main" id="{4B7BF36C-7B62-4FA8-9C11-7354C9954A56}"/>
-              </a:ext>
-            </a:extLst>
-          </p:cNvPr>
+          <p:cNvPr id="6" name="Content Placeholder 5"/>
           <p:cNvPicPr>
             <a:picLocks noGrp="1" noChangeAspect="1"/>
           </p:cNvPicPr>
           <p:nvPr>
-            <p:ph sz="half" idx="2"/>
+            <p:ph idx="1"/>
           </p:nvPr>
         </p:nvPicPr>
         <p:blipFill>
@@ -7223,160 +7250,15 @@
         </p:blipFill>
         <p:spPr>
           <a:xfrm>
-            <a:off x="404813" y="1732077"/>
-            <a:ext cx="4092575" cy="2306408"/>
+            <a:off x="404813" y="2070497"/>
+            <a:ext cx="8281987" cy="1380331"/>
           </a:xfrm>
         </p:spPr>
       </p:pic>
-      <p:sp>
-        <p:nvSpPr>
-          <p:cNvPr id="5" name="Text Placeholder 4">
-            <a:extLst>
-              <a:ext uri="{FF2B5EF4-FFF2-40B4-BE49-F238E27FC236}">
-                <a16:creationId xmlns:a16="http://schemas.microsoft.com/office/drawing/2014/main" id="{F25B34C4-4E30-4652-8309-EBCAB1918F85}"/>
-              </a:ext>
-            </a:extLst>
-          </p:cNvPr>
-          <p:cNvSpPr>
-            <a:spLocks noGrp="1"/>
-          </p:cNvSpPr>
-          <p:nvPr>
-            <p:ph type="body" sz="quarter" idx="3"/>
-          </p:nvPr>
-        </p:nvSpPr>
-        <p:spPr/>
-        <p:txBody>
-          <a:bodyPr>
-            <a:normAutofit lnSpcReduction="10000"/>
-          </a:bodyPr>
-          <a:lstStyle/>
-          <a:p>
-            <a:r>
-              <a:rPr lang="en-US" dirty="0" err="1"/>
-              <a:t>Genes+baseline</a:t>
-            </a:r>
-            <a:endParaRPr lang="en-US" dirty="0"/>
-          </a:p>
-        </p:txBody>
-      </p:sp>
-      <p:pic>
-        <p:nvPicPr>
-          <p:cNvPr id="12" name="Content Placeholder 11">
-            <a:extLst>
-              <a:ext uri="{FF2B5EF4-FFF2-40B4-BE49-F238E27FC236}">
-                <a16:creationId xmlns:a16="http://schemas.microsoft.com/office/drawing/2014/main" id="{1FB2E42C-2603-4767-9702-959DBB139F9F}"/>
-              </a:ext>
-            </a:extLst>
-          </p:cNvPr>
-          <p:cNvPicPr>
-            <a:picLocks noGrp="1" noChangeAspect="1"/>
-          </p:cNvPicPr>
-          <p:nvPr>
-            <p:ph sz="quarter" idx="4"/>
-          </p:nvPr>
-        </p:nvPicPr>
-        <p:blipFill>
-          <a:blip r:embed="rId3">
-            <a:extLst>
-              <a:ext uri="{28A0092B-C50C-407E-A947-70E740481C1C}">
-                <a14:useLocalDpi xmlns:a14="http://schemas.microsoft.com/office/drawing/2010/main" val="0"/>
-              </a:ext>
-            </a:extLst>
-          </a:blip>
-          <a:stretch>
-            <a:fillRect/>
-          </a:stretch>
-        </p:blipFill>
-        <p:spPr>
-          <a:xfrm>
-            <a:off x="4645025" y="1746392"/>
-            <a:ext cx="4041775" cy="2277779"/>
-          </a:xfrm>
-        </p:spPr>
-      </p:pic>
-      <p:sp>
-        <p:nvSpPr>
-          <p:cNvPr id="7" name="Footer Placeholder 6">
-            <a:extLst>
-              <a:ext uri="{FF2B5EF4-FFF2-40B4-BE49-F238E27FC236}">
-                <a16:creationId xmlns:a16="http://schemas.microsoft.com/office/drawing/2014/main" id="{0A46F92B-BA66-4A4F-A8F1-8F6A06CE1F87}"/>
-              </a:ext>
-            </a:extLst>
-          </p:cNvPr>
-          <p:cNvSpPr>
-            <a:spLocks noGrp="1"/>
-          </p:cNvSpPr>
-          <p:nvPr>
-            <p:ph type="ftr" sz="quarter" idx="11"/>
-          </p:nvPr>
-        </p:nvSpPr>
-        <p:spPr/>
-        <p:txBody>
-          <a:bodyPr/>
-          <a:lstStyle/>
-          <a:p>
-            <a:r>
-              <a:rPr lang="ja-JP" altLang="en-US"/>
-              <a:t>｜</a:t>
-            </a:r>
-            <a:r>
-              <a:rPr lang="en-US" altLang="ja-JP"/>
-              <a:t>0000</a:t>
-            </a:r>
-            <a:r>
-              <a:rPr lang="ja-JP" altLang="en-US"/>
-              <a:t>　</a:t>
-            </a:r>
-            <a:r>
-              <a:rPr lang="en-US" altLang="ja-JP"/>
-              <a:t>|</a:t>
-            </a:r>
-            <a:r>
-              <a:rPr lang="ja-JP" altLang="en-US"/>
-              <a:t>　　</a:t>
-            </a:r>
-            <a:r>
-              <a:rPr lang="en-US" altLang="ja-JP"/>
-              <a:t>DDMMYY</a:t>
-            </a:r>
-            <a:endParaRPr lang="ja-JP" altLang="en-US" dirty="0"/>
-          </a:p>
-        </p:txBody>
-      </p:sp>
-      <p:sp>
-        <p:nvSpPr>
-          <p:cNvPr id="8" name="Slide Number Placeholder 7">
-            <a:extLst>
-              <a:ext uri="{FF2B5EF4-FFF2-40B4-BE49-F238E27FC236}">
-                <a16:creationId xmlns:a16="http://schemas.microsoft.com/office/drawing/2014/main" id="{16D4CC7B-BFE7-46A0-B159-52F158EC7311}"/>
-              </a:ext>
-            </a:extLst>
-          </p:cNvPr>
-          <p:cNvSpPr>
-            <a:spLocks noGrp="1"/>
-          </p:cNvSpPr>
-          <p:nvPr>
-            <p:ph type="sldNum" sz="quarter" idx="12"/>
-          </p:nvPr>
-        </p:nvSpPr>
-        <p:spPr/>
-        <p:txBody>
-          <a:bodyPr/>
-          <a:lstStyle/>
-          <a:p>
-            <a:fld id="{E9B57936-92EF-4126-AE48-1D9D36D15E98}" type="slidenum">
-              <a:rPr kumimoji="1" lang="ja-JP" altLang="en-US" smtClean="0"/>
-              <a:pPr/>
-              <a:t>9</a:t>
-            </a:fld>
-            <a:endParaRPr kumimoji="1" lang="ja-JP" altLang="en-US" dirty="0"/>
-          </a:p>
-        </p:txBody>
-      </p:sp>
     </p:spTree>
     <p:extLst>
       <p:ext uri="{BB962C8B-B14F-4D97-AF65-F5344CB8AC3E}">
-        <p14:creationId xmlns:p14="http://schemas.microsoft.com/office/powerpoint/2010/main" val="3064189714"/>
+        <p14:creationId xmlns:p14="http://schemas.microsoft.com/office/powerpoint/2010/main" val="1975738470"/>
       </p:ext>
     </p:extLst>
   </p:cSld>
@@ -7405,18 +7287,12 @@
       </p:grpSpPr>
       <p:sp>
         <p:nvSpPr>
-          <p:cNvPr id="2" name="Title 1">
-            <a:extLst>
-              <a:ext uri="{FF2B5EF4-FFF2-40B4-BE49-F238E27FC236}">
-                <a16:creationId xmlns:a16="http://schemas.microsoft.com/office/drawing/2014/main" id="{06D5DA9A-9EC9-4ECA-9122-83F63B48B762}"/>
-              </a:ext>
-            </a:extLst>
-          </p:cNvPr>
+          <p:cNvPr id="2" name="Text Placeholder 1"/>
           <p:cNvSpPr>
             <a:spLocks noGrp="1"/>
           </p:cNvSpPr>
           <p:nvPr>
-            <p:ph type="title"/>
+            <p:ph type="body" sz="quarter" idx="10"/>
           </p:nvPr>
         </p:nvSpPr>
         <p:spPr/>
@@ -7425,605 +7301,17 @@
           <a:lstStyle/>
           <a:p>
             <a:r>
-              <a:rPr lang="en-US" dirty="0"/>
-              <a:t>Strong/Weak Signal</a:t>
-            </a:r>
-          </a:p>
-        </p:txBody>
-      </p:sp>
-      <p:sp>
-        <p:nvSpPr>
-          <p:cNvPr id="3" name="Text Placeholder 2">
-            <a:extLst>
-              <a:ext uri="{FF2B5EF4-FFF2-40B4-BE49-F238E27FC236}">
-                <a16:creationId xmlns:a16="http://schemas.microsoft.com/office/drawing/2014/main" id="{783A6151-D98E-4ADD-B8D8-7A80912487F3}"/>
-              </a:ext>
-            </a:extLst>
-          </p:cNvPr>
-          <p:cNvSpPr>
-            <a:spLocks noGrp="1"/>
-          </p:cNvSpPr>
-          <p:nvPr>
-            <p:ph type="body" idx="1"/>
-          </p:nvPr>
-        </p:nvSpPr>
-        <p:spPr/>
-        <p:txBody>
-          <a:bodyPr>
-            <a:normAutofit lnSpcReduction="10000"/>
-          </a:bodyPr>
-          <a:lstStyle/>
-          <a:p>
-            <a:r>
-              <a:rPr lang="en-US" dirty="0"/>
-              <a:t>Main Effects Correct Rate</a:t>
-            </a:r>
-          </a:p>
-        </p:txBody>
-      </p:sp>
-      <p:graphicFrame>
-        <p:nvGraphicFramePr>
-          <p:cNvPr id="9" name="Content Placeholder 8">
-            <a:extLst>
-              <a:ext uri="{FF2B5EF4-FFF2-40B4-BE49-F238E27FC236}">
-                <a16:creationId xmlns:a16="http://schemas.microsoft.com/office/drawing/2014/main" id="{24566B66-33AC-4913-8235-44437D9B1959}"/>
-              </a:ext>
-            </a:extLst>
-          </p:cNvPr>
-          <p:cNvGraphicFramePr>
-            <a:graphicFrameLocks noGrp="1"/>
-          </p:cNvGraphicFramePr>
-          <p:nvPr>
-            <p:ph sz="half" idx="2"/>
-            <p:extLst>
-              <p:ext uri="{D42A27DB-BD31-4B8C-83A1-F6EECF244321}">
-                <p14:modId xmlns:p14="http://schemas.microsoft.com/office/powerpoint/2010/main" val="2867415376"/>
-              </p:ext>
-            </p:extLst>
-          </p:nvPr>
-        </p:nvGraphicFramePr>
-        <p:xfrm>
-          <a:off x="179513" y="1403350"/>
-          <a:ext cx="4317875" cy="741680"/>
-        </p:xfrm>
-        <a:graphic>
-          <a:graphicData uri="http://schemas.openxmlformats.org/drawingml/2006/table">
-            <a:tbl>
-              <a:tblPr firstRow="1" bandRow="1">
-                <a:tableStyleId>{5C22544A-7EE6-4342-B048-85BDC9FD1C3A}</a:tableStyleId>
-              </a:tblPr>
-              <a:tblGrid>
-                <a:gridCol w="863575">
-                  <a:extLst>
-                    <a:ext uri="{9D8B030D-6E8A-4147-A177-3AD203B41FA5}">
-                      <a16:colId xmlns:a16="http://schemas.microsoft.com/office/drawing/2014/main" val="1183227820"/>
-                    </a:ext>
-                  </a:extLst>
-                </a:gridCol>
-                <a:gridCol w="863575">
-                  <a:extLst>
-                    <a:ext uri="{9D8B030D-6E8A-4147-A177-3AD203B41FA5}">
-                      <a16:colId xmlns:a16="http://schemas.microsoft.com/office/drawing/2014/main" val="2339914069"/>
-                    </a:ext>
-                  </a:extLst>
-                </a:gridCol>
-                <a:gridCol w="863575">
-                  <a:extLst>
-                    <a:ext uri="{9D8B030D-6E8A-4147-A177-3AD203B41FA5}">
-                      <a16:colId xmlns:a16="http://schemas.microsoft.com/office/drawing/2014/main" val="3524143497"/>
-                    </a:ext>
-                  </a:extLst>
-                </a:gridCol>
-                <a:gridCol w="863575">
-                  <a:extLst>
-                    <a:ext uri="{9D8B030D-6E8A-4147-A177-3AD203B41FA5}">
-                      <a16:colId xmlns:a16="http://schemas.microsoft.com/office/drawing/2014/main" val="1468789111"/>
-                    </a:ext>
-                  </a:extLst>
-                </a:gridCol>
-                <a:gridCol w="863575">
-                  <a:extLst>
-                    <a:ext uri="{9D8B030D-6E8A-4147-A177-3AD203B41FA5}">
-                      <a16:colId xmlns:a16="http://schemas.microsoft.com/office/drawing/2014/main" val="3259249874"/>
-                    </a:ext>
-                  </a:extLst>
-                </a:gridCol>
-              </a:tblGrid>
-              <a:tr h="370840">
-                <a:tc>
-                  <a:txBody>
-                    <a:bodyPr/>
-                    <a:lstStyle/>
-                    <a:p>
-                      <a:endParaRPr lang="en-US" dirty="0"/>
-                    </a:p>
-                  </a:txBody>
-                  <a:tcPr/>
-                </a:tc>
-                <a:tc>
-                  <a:txBody>
-                    <a:bodyPr/>
-                    <a:lstStyle/>
-                    <a:p>
-                      <a:r>
-                        <a:rPr lang="en-US" dirty="0"/>
-                        <a:t>1</a:t>
-                      </a:r>
-                    </a:p>
-                  </a:txBody>
-                  <a:tcPr/>
-                </a:tc>
-                <a:tc>
-                  <a:txBody>
-                    <a:bodyPr/>
-                    <a:lstStyle/>
-                    <a:p>
-                      <a:r>
-                        <a:rPr lang="en-US" dirty="0"/>
-                        <a:t>2</a:t>
-                      </a:r>
-                    </a:p>
-                  </a:txBody>
-                  <a:tcPr/>
-                </a:tc>
-                <a:tc>
-                  <a:txBody>
-                    <a:bodyPr/>
-                    <a:lstStyle/>
-                    <a:p>
-                      <a:r>
-                        <a:rPr lang="en-US" dirty="0"/>
-                        <a:t>3</a:t>
-                      </a:r>
-                    </a:p>
-                  </a:txBody>
-                  <a:tcPr/>
-                </a:tc>
-                <a:tc>
-                  <a:txBody>
-                    <a:bodyPr/>
-                    <a:lstStyle/>
-                    <a:p>
-                      <a:r>
-                        <a:rPr lang="en-US" dirty="0"/>
-                        <a:t>4</a:t>
-                      </a:r>
-                    </a:p>
-                  </a:txBody>
-                  <a:tcPr/>
-                </a:tc>
-                <a:extLst>
-                  <a:ext uri="{0D108BD9-81ED-4DB2-BD59-A6C34878D82A}">
-                    <a16:rowId xmlns:a16="http://schemas.microsoft.com/office/drawing/2014/main" val="2211568318"/>
-                  </a:ext>
-                </a:extLst>
-              </a:tr>
-              <a:tr h="370840">
-                <a:tc>
-                  <a:txBody>
-                    <a:bodyPr/>
-                    <a:lstStyle/>
-                    <a:p>
-                      <a:r>
-                        <a:rPr lang="en-US" dirty="0"/>
-                        <a:t>mean</a:t>
-                      </a:r>
-                    </a:p>
-                  </a:txBody>
-                  <a:tcPr/>
-                </a:tc>
-                <a:tc>
-                  <a:txBody>
-                    <a:bodyPr/>
-                    <a:lstStyle/>
-                    <a:p>
-                      <a:r>
-                        <a:rPr lang="en-US" dirty="0">
-                          <a:effectLst/>
-                        </a:rPr>
-                        <a:t>0.402</a:t>
-                      </a:r>
-                      <a:endParaRPr lang="en-US" dirty="0"/>
-                    </a:p>
-                  </a:txBody>
-                  <a:tcPr/>
-                </a:tc>
-                <a:tc>
-                  <a:txBody>
-                    <a:bodyPr/>
-                    <a:lstStyle/>
-                    <a:p>
-                      <a:r>
-                        <a:rPr lang="en-US" dirty="0">
-                          <a:effectLst/>
-                        </a:rPr>
-                        <a:t>0.675</a:t>
-                      </a:r>
-                      <a:endParaRPr lang="en-US" dirty="0"/>
-                    </a:p>
-                  </a:txBody>
-                  <a:tcPr/>
-                </a:tc>
-                <a:tc>
-                  <a:txBody>
-                    <a:bodyPr/>
-                    <a:lstStyle/>
-                    <a:p>
-                      <a:r>
-                        <a:rPr lang="en-US" dirty="0">
-                          <a:effectLst/>
-                        </a:rPr>
-                        <a:t>0.862</a:t>
-                      </a:r>
-                      <a:endParaRPr lang="en-US" dirty="0"/>
-                    </a:p>
-                  </a:txBody>
-                  <a:tcPr/>
-                </a:tc>
-                <a:tc>
-                  <a:txBody>
-                    <a:bodyPr/>
-                    <a:lstStyle/>
-                    <a:p>
-                      <a:r>
-                        <a:rPr lang="en-US" dirty="0">
-                          <a:effectLst/>
-                        </a:rPr>
-                        <a:t>0.966</a:t>
-                      </a:r>
-                      <a:endParaRPr lang="en-US" dirty="0"/>
-                    </a:p>
-                  </a:txBody>
-                  <a:tcPr/>
-                </a:tc>
-                <a:extLst>
-                  <a:ext uri="{0D108BD9-81ED-4DB2-BD59-A6C34878D82A}">
-                    <a16:rowId xmlns:a16="http://schemas.microsoft.com/office/drawing/2014/main" val="2979660210"/>
-                  </a:ext>
-                </a:extLst>
-              </a:tr>
-            </a:tbl>
-          </a:graphicData>
-        </a:graphic>
-      </p:graphicFrame>
-      <p:sp>
-        <p:nvSpPr>
-          <p:cNvPr id="5" name="Text Placeholder 4">
-            <a:extLst>
-              <a:ext uri="{FF2B5EF4-FFF2-40B4-BE49-F238E27FC236}">
-                <a16:creationId xmlns:a16="http://schemas.microsoft.com/office/drawing/2014/main" id="{F25B34C4-4E30-4652-8309-EBCAB1918F85}"/>
-              </a:ext>
-            </a:extLst>
-          </p:cNvPr>
-          <p:cNvSpPr>
-            <a:spLocks noGrp="1"/>
-          </p:cNvSpPr>
-          <p:nvPr>
-            <p:ph type="body" sz="quarter" idx="3"/>
-          </p:nvPr>
-        </p:nvSpPr>
-        <p:spPr/>
-        <p:txBody>
-          <a:bodyPr>
-            <a:normAutofit lnSpcReduction="10000"/>
-          </a:bodyPr>
-          <a:lstStyle/>
-          <a:p>
-            <a:r>
-              <a:rPr lang="en-US" dirty="0"/>
-              <a:t>Interaction Effects Correct Rate</a:t>
-            </a:r>
-          </a:p>
-        </p:txBody>
-      </p:sp>
-      <p:graphicFrame>
-        <p:nvGraphicFramePr>
-          <p:cNvPr id="10" name="Content Placeholder 9">
-            <a:extLst>
-              <a:ext uri="{FF2B5EF4-FFF2-40B4-BE49-F238E27FC236}">
-                <a16:creationId xmlns:a16="http://schemas.microsoft.com/office/drawing/2014/main" id="{8BEDEB1C-1D76-48D6-83F2-CD9E55E5CA8C}"/>
-              </a:ext>
-            </a:extLst>
-          </p:cNvPr>
-          <p:cNvGraphicFramePr>
-            <a:graphicFrameLocks noGrp="1"/>
-          </p:cNvGraphicFramePr>
-          <p:nvPr>
-            <p:ph sz="quarter" idx="4"/>
-            <p:extLst>
-              <p:ext uri="{D42A27DB-BD31-4B8C-83A1-F6EECF244321}">
-                <p14:modId xmlns:p14="http://schemas.microsoft.com/office/powerpoint/2010/main" val="332892917"/>
-              </p:ext>
-            </p:extLst>
-          </p:nvPr>
-        </p:nvGraphicFramePr>
-        <p:xfrm>
-          <a:off x="4645025" y="1403350"/>
-          <a:ext cx="4041775" cy="741680"/>
-        </p:xfrm>
-        <a:graphic>
-          <a:graphicData uri="http://schemas.openxmlformats.org/drawingml/2006/table">
-            <a:tbl>
-              <a:tblPr firstRow="1" bandRow="1">
-                <a:tableStyleId>{5C22544A-7EE6-4342-B048-85BDC9FD1C3A}</a:tableStyleId>
-              </a:tblPr>
-              <a:tblGrid>
-                <a:gridCol w="808355">
-                  <a:extLst>
-                    <a:ext uri="{9D8B030D-6E8A-4147-A177-3AD203B41FA5}">
-                      <a16:colId xmlns:a16="http://schemas.microsoft.com/office/drawing/2014/main" val="3418444687"/>
-                    </a:ext>
-                  </a:extLst>
-                </a:gridCol>
-                <a:gridCol w="808355">
-                  <a:extLst>
-                    <a:ext uri="{9D8B030D-6E8A-4147-A177-3AD203B41FA5}">
-                      <a16:colId xmlns:a16="http://schemas.microsoft.com/office/drawing/2014/main" val="1482317519"/>
-                    </a:ext>
-                  </a:extLst>
-                </a:gridCol>
-                <a:gridCol w="808355">
-                  <a:extLst>
-                    <a:ext uri="{9D8B030D-6E8A-4147-A177-3AD203B41FA5}">
-                      <a16:colId xmlns:a16="http://schemas.microsoft.com/office/drawing/2014/main" val="2635170354"/>
-                    </a:ext>
-                  </a:extLst>
-                </a:gridCol>
-                <a:gridCol w="808355">
-                  <a:extLst>
-                    <a:ext uri="{9D8B030D-6E8A-4147-A177-3AD203B41FA5}">
-                      <a16:colId xmlns:a16="http://schemas.microsoft.com/office/drawing/2014/main" val="4196413062"/>
-                    </a:ext>
-                  </a:extLst>
-                </a:gridCol>
-                <a:gridCol w="808355">
-                  <a:extLst>
-                    <a:ext uri="{9D8B030D-6E8A-4147-A177-3AD203B41FA5}">
-                      <a16:colId xmlns:a16="http://schemas.microsoft.com/office/drawing/2014/main" val="1594189032"/>
-                    </a:ext>
-                  </a:extLst>
-                </a:gridCol>
-              </a:tblGrid>
-              <a:tr h="370840">
-                <a:tc>
-                  <a:txBody>
-                    <a:bodyPr/>
-                    <a:lstStyle/>
-                    <a:p>
-                      <a:endParaRPr lang="en-US" dirty="0"/>
-                    </a:p>
-                  </a:txBody>
-                  <a:tcPr/>
-                </a:tc>
-                <a:tc>
-                  <a:txBody>
-                    <a:bodyPr/>
-                    <a:lstStyle/>
-                    <a:p>
-                      <a:r>
-                        <a:rPr lang="en-US" dirty="0"/>
-                        <a:t>1</a:t>
-                      </a:r>
-                    </a:p>
-                  </a:txBody>
-                  <a:tcPr/>
-                </a:tc>
-                <a:tc>
-                  <a:txBody>
-                    <a:bodyPr/>
-                    <a:lstStyle/>
-                    <a:p>
-                      <a:r>
-                        <a:rPr lang="en-US" dirty="0"/>
-                        <a:t>2</a:t>
-                      </a:r>
-                    </a:p>
-                  </a:txBody>
-                  <a:tcPr/>
-                </a:tc>
-                <a:tc>
-                  <a:txBody>
-                    <a:bodyPr/>
-                    <a:lstStyle/>
-                    <a:p>
-                      <a:r>
-                        <a:rPr lang="en-US" dirty="0"/>
-                        <a:t>3</a:t>
-                      </a:r>
-                    </a:p>
-                  </a:txBody>
-                  <a:tcPr/>
-                </a:tc>
-                <a:tc>
-                  <a:txBody>
-                    <a:bodyPr/>
-                    <a:lstStyle/>
-                    <a:p>
-                      <a:r>
-                        <a:rPr lang="en-US" dirty="0"/>
-                        <a:t>4</a:t>
-                      </a:r>
-                    </a:p>
-                  </a:txBody>
-                  <a:tcPr/>
-                </a:tc>
-                <a:extLst>
-                  <a:ext uri="{0D108BD9-81ED-4DB2-BD59-A6C34878D82A}">
-                    <a16:rowId xmlns:a16="http://schemas.microsoft.com/office/drawing/2014/main" val="1984294394"/>
-                  </a:ext>
-                </a:extLst>
-              </a:tr>
-              <a:tr h="370840">
-                <a:tc>
-                  <a:txBody>
-                    <a:bodyPr/>
-                    <a:lstStyle/>
-                    <a:p>
-                      <a:r>
-                        <a:rPr lang="en-US" dirty="0"/>
-                        <a:t>mean</a:t>
-                      </a:r>
-                    </a:p>
-                  </a:txBody>
-                  <a:tcPr/>
-                </a:tc>
-                <a:tc>
-                  <a:txBody>
-                    <a:bodyPr/>
-                    <a:lstStyle/>
-                    <a:p>
-                      <a:r>
-                        <a:rPr lang="en-US" dirty="0">
-                          <a:effectLst/>
-                        </a:rPr>
-                        <a:t>0.349</a:t>
-                      </a:r>
-                      <a:endParaRPr lang="en-US" dirty="0"/>
-                    </a:p>
-                  </a:txBody>
-                  <a:tcPr/>
-                </a:tc>
-                <a:tc>
-                  <a:txBody>
-                    <a:bodyPr/>
-                    <a:lstStyle/>
-                    <a:p>
-                      <a:r>
-                        <a:rPr lang="en-US" dirty="0">
-                          <a:effectLst/>
-                        </a:rPr>
-                        <a:t>0.576</a:t>
-                      </a:r>
-                      <a:endParaRPr lang="en-US" dirty="0"/>
-                    </a:p>
-                  </a:txBody>
-                  <a:tcPr/>
-                </a:tc>
-                <a:tc>
-                  <a:txBody>
-                    <a:bodyPr/>
-                    <a:lstStyle/>
-                    <a:p>
-                      <a:r>
-                        <a:rPr lang="en-US" dirty="0">
-                          <a:effectLst/>
-                        </a:rPr>
-                        <a:t>0.825</a:t>
-                      </a:r>
-                      <a:endParaRPr lang="en-US" dirty="0"/>
-                    </a:p>
-                  </a:txBody>
-                  <a:tcPr/>
-                </a:tc>
-                <a:tc>
-                  <a:txBody>
-                    <a:bodyPr/>
-                    <a:lstStyle/>
-                    <a:p>
-                      <a:r>
-                        <a:rPr lang="en-US" dirty="0">
-                          <a:effectLst/>
-                        </a:rPr>
-                        <a:t>0.951</a:t>
-                      </a:r>
-                      <a:endParaRPr lang="en-US" dirty="0"/>
-                    </a:p>
-                  </a:txBody>
-                  <a:tcPr/>
-                </a:tc>
-                <a:extLst>
-                  <a:ext uri="{0D108BD9-81ED-4DB2-BD59-A6C34878D82A}">
-                    <a16:rowId xmlns:a16="http://schemas.microsoft.com/office/drawing/2014/main" val="33640178"/>
-                  </a:ext>
-                </a:extLst>
-              </a:tr>
-            </a:tbl>
-          </a:graphicData>
-        </a:graphic>
-      </p:graphicFrame>
-      <p:sp>
-        <p:nvSpPr>
-          <p:cNvPr id="7" name="Footer Placeholder 6">
-            <a:extLst>
-              <a:ext uri="{FF2B5EF4-FFF2-40B4-BE49-F238E27FC236}">
-                <a16:creationId xmlns:a16="http://schemas.microsoft.com/office/drawing/2014/main" id="{0A46F92B-BA66-4A4F-A8F1-8F6A06CE1F87}"/>
-              </a:ext>
-            </a:extLst>
-          </p:cNvPr>
-          <p:cNvSpPr>
-            <a:spLocks noGrp="1"/>
-          </p:cNvSpPr>
-          <p:nvPr>
-            <p:ph type="ftr" sz="quarter" idx="11"/>
-          </p:nvPr>
-        </p:nvSpPr>
-        <p:spPr/>
-        <p:txBody>
-          <a:bodyPr/>
-          <a:lstStyle/>
-          <a:p>
-            <a:r>
-              <a:rPr lang="ja-JP" altLang="en-US"/>
-              <a:t>｜</a:t>
-            </a:r>
-            <a:r>
-              <a:rPr lang="en-US" altLang="ja-JP"/>
-              <a:t>0000</a:t>
-            </a:r>
-            <a:r>
-              <a:rPr lang="ja-JP" altLang="en-US"/>
-              <a:t>　</a:t>
-            </a:r>
-            <a:r>
-              <a:rPr lang="en-US" altLang="ja-JP"/>
-              <a:t>|</a:t>
-            </a:r>
-            <a:r>
-              <a:rPr lang="ja-JP" altLang="en-US"/>
-              <a:t>　　</a:t>
-            </a:r>
-            <a:r>
-              <a:rPr lang="en-US" altLang="ja-JP"/>
-              <a:t>DDMMYY</a:t>
-            </a:r>
-            <a:endParaRPr lang="ja-JP" altLang="en-US" dirty="0"/>
-          </a:p>
-        </p:txBody>
-      </p:sp>
-      <p:sp>
-        <p:nvSpPr>
-          <p:cNvPr id="8" name="Slide Number Placeholder 7">
-            <a:extLst>
-              <a:ext uri="{FF2B5EF4-FFF2-40B4-BE49-F238E27FC236}">
-                <a16:creationId xmlns:a16="http://schemas.microsoft.com/office/drawing/2014/main" id="{16D4CC7B-BFE7-46A0-B159-52F158EC7311}"/>
-              </a:ext>
-            </a:extLst>
-          </p:cNvPr>
-          <p:cNvSpPr>
-            <a:spLocks noGrp="1"/>
-          </p:cNvSpPr>
-          <p:nvPr>
-            <p:ph type="sldNum" sz="quarter" idx="12"/>
-          </p:nvPr>
-        </p:nvSpPr>
-        <p:spPr/>
-        <p:txBody>
-          <a:bodyPr/>
-          <a:lstStyle/>
-          <a:p>
-            <a:fld id="{E9B57936-92EF-4126-AE48-1D9D36D15E98}" type="slidenum">
-              <a:rPr kumimoji="1" lang="ja-JP" altLang="en-US" smtClean="0"/>
-              <a:pPr/>
-              <a:t>10</a:t>
-            </a:fld>
-            <a:endParaRPr kumimoji="1" lang="ja-JP" altLang="en-US" dirty="0"/>
+              <a:rPr lang="en-US" altLang="zh-CN" dirty="0" smtClean="0"/>
+              <a:t>SNR</a:t>
+            </a:r>
+            <a:endParaRPr lang="en-US" dirty="0"/>
           </a:p>
         </p:txBody>
       </p:sp>
     </p:spTree>
     <p:extLst>
       <p:ext uri="{BB962C8B-B14F-4D97-AF65-F5344CB8AC3E}">
-        <p14:creationId xmlns:p14="http://schemas.microsoft.com/office/powerpoint/2010/main" val="3462720451"/>
+        <p14:creationId xmlns:p14="http://schemas.microsoft.com/office/powerpoint/2010/main" val="1403057419"/>
       </p:ext>
     </p:extLst>
   </p:cSld>
@@ -8052,18 +7340,12 @@
       </p:grpSpPr>
       <p:sp>
         <p:nvSpPr>
-          <p:cNvPr id="2" name="Text Placeholder 1">
-            <a:extLst>
-              <a:ext uri="{FF2B5EF4-FFF2-40B4-BE49-F238E27FC236}">
-                <a16:creationId xmlns:a16="http://schemas.microsoft.com/office/drawing/2014/main" id="{EB859995-F7B2-4582-81FF-B7F7DD3FABED}"/>
-              </a:ext>
-            </a:extLst>
-          </p:cNvPr>
+          <p:cNvPr id="2" name="Title 1"/>
           <p:cNvSpPr>
             <a:spLocks noGrp="1"/>
           </p:cNvSpPr>
           <p:nvPr>
-            <p:ph type="body" sz="quarter" idx="10"/>
+            <p:ph type="title"/>
           </p:nvPr>
         </p:nvSpPr>
         <p:spPr/>
@@ -8072,16 +7354,113 @@
           <a:lstStyle/>
           <a:p>
             <a:r>
-              <a:rPr lang="en-US" dirty="0"/>
-              <a:t>100 genes</a:t>
-            </a:r>
-          </a:p>
-        </p:txBody>
-      </p:sp>
+              <a:rPr lang="en-US" dirty="0" smtClean="0"/>
+              <a:t>SNR=1</a:t>
+            </a:r>
+            <a:endParaRPr lang="en-US" dirty="0"/>
+          </a:p>
+        </p:txBody>
+      </p:sp>
+      <p:sp>
+        <p:nvSpPr>
+          <p:cNvPr id="4" name="Footer Placeholder 3"/>
+          <p:cNvSpPr>
+            <a:spLocks noGrp="1"/>
+          </p:cNvSpPr>
+          <p:nvPr>
+            <p:ph type="ftr" sz="quarter" idx="11"/>
+          </p:nvPr>
+        </p:nvSpPr>
+        <p:spPr/>
+        <p:txBody>
+          <a:bodyPr/>
+          <a:lstStyle/>
+          <a:p>
+            <a:r>
+              <a:rPr lang="ja-JP" altLang="en-US" smtClean="0"/>
+              <a:t>｜</a:t>
+            </a:r>
+            <a:r>
+              <a:rPr lang="en-US" altLang="ja-JP" smtClean="0"/>
+              <a:t>0000</a:t>
+            </a:r>
+            <a:r>
+              <a:rPr lang="ja-JP" altLang="en-US" smtClean="0"/>
+              <a:t>　</a:t>
+            </a:r>
+            <a:r>
+              <a:rPr lang="en-US" altLang="ja-JP" smtClean="0"/>
+              <a:t>|</a:t>
+            </a:r>
+            <a:r>
+              <a:rPr lang="ja-JP" altLang="en-US" smtClean="0"/>
+              <a:t>　　</a:t>
+            </a:r>
+            <a:r>
+              <a:rPr lang="en-US" altLang="ja-JP" smtClean="0"/>
+              <a:t>DDMMYY</a:t>
+            </a:r>
+            <a:endParaRPr lang="ja-JP" altLang="en-US" dirty="0"/>
+          </a:p>
+        </p:txBody>
+      </p:sp>
+      <p:sp>
+        <p:nvSpPr>
+          <p:cNvPr id="5" name="Slide Number Placeholder 4"/>
+          <p:cNvSpPr>
+            <a:spLocks noGrp="1"/>
+          </p:cNvSpPr>
+          <p:nvPr>
+            <p:ph type="sldNum" sz="quarter" idx="12"/>
+          </p:nvPr>
+        </p:nvSpPr>
+        <p:spPr/>
+        <p:txBody>
+          <a:bodyPr/>
+          <a:lstStyle/>
+          <a:p>
+            <a:fld id="{E9B57936-92EF-4126-AE48-1D9D36D15E98}" type="slidenum">
+              <a:rPr kumimoji="1" lang="ja-JP" altLang="en-US" smtClean="0"/>
+              <a:pPr/>
+              <a:t>11</a:t>
+            </a:fld>
+            <a:endParaRPr kumimoji="1" lang="ja-JP" altLang="en-US" dirty="0"/>
+          </a:p>
+        </p:txBody>
+      </p:sp>
+      <p:pic>
+        <p:nvPicPr>
+          <p:cNvPr id="8" name="Content Placeholder 7"/>
+          <p:cNvPicPr>
+            <a:picLocks noGrp="1" noChangeAspect="1"/>
+          </p:cNvPicPr>
+          <p:nvPr>
+            <p:ph idx="1"/>
+          </p:nvPr>
+        </p:nvPicPr>
+        <p:blipFill>
+          <a:blip r:embed="rId2">
+            <a:extLst>
+              <a:ext uri="{28A0092B-C50C-407E-A947-70E740481C1C}">
+                <a14:useLocalDpi xmlns:a14="http://schemas.microsoft.com/office/drawing/2010/main" val="0"/>
+              </a:ext>
+            </a:extLst>
+          </a:blip>
+          <a:stretch>
+            <a:fillRect/>
+          </a:stretch>
+        </p:blipFill>
+        <p:spPr>
+          <a:xfrm>
+            <a:off x="404813" y="2070497"/>
+            <a:ext cx="8281987" cy="1380331"/>
+          </a:xfrm>
+        </p:spPr>
+      </p:pic>
     </p:spTree>
     <p:extLst>
       <p:ext uri="{BB962C8B-B14F-4D97-AF65-F5344CB8AC3E}">
-        <p14:creationId xmlns:p14="http://schemas.microsoft.com/office/powerpoint/2010/main" val="1747183869"/>
+        <p14:creationId xmlns:p14="http://schemas.microsoft.com/office/powerpoint/2010/main" val="1794932398"/>
       </p:ext>
     </p:extLst>
   </p:cSld>
@@ -8110,13 +7489,7 @@
       </p:grpSpPr>
       <p:sp>
         <p:nvSpPr>
-          <p:cNvPr id="2" name="Title 1">
-            <a:extLst>
-              <a:ext uri="{FF2B5EF4-FFF2-40B4-BE49-F238E27FC236}">
-                <a16:creationId xmlns:a16="http://schemas.microsoft.com/office/drawing/2014/main" id="{06D5DA9A-9EC9-4ECA-9122-83F63B48B762}"/>
-              </a:ext>
-            </a:extLst>
-          </p:cNvPr>
+          <p:cNvPr id="2" name="Title 1"/>
           <p:cNvSpPr>
             <a:spLocks noGrp="1"/>
           </p:cNvSpPr>
@@ -8130,56 +7503,88 @@
           <a:lstStyle/>
           <a:p>
             <a:r>
-              <a:rPr lang="en-US" dirty="0"/>
-              <a:t>FDR</a:t>
-            </a:r>
-          </a:p>
-        </p:txBody>
-      </p:sp>
-      <p:sp>
-        <p:nvSpPr>
-          <p:cNvPr id="3" name="Text Placeholder 2">
-            <a:extLst>
-              <a:ext uri="{FF2B5EF4-FFF2-40B4-BE49-F238E27FC236}">
-                <a16:creationId xmlns:a16="http://schemas.microsoft.com/office/drawing/2014/main" id="{783A6151-D98E-4ADD-B8D8-7A80912487F3}"/>
-              </a:ext>
-            </a:extLst>
-          </p:cNvPr>
+              <a:rPr lang="en-US" dirty="0" smtClean="0"/>
+              <a:t>SNR=5</a:t>
+            </a:r>
+            <a:endParaRPr lang="en-US" dirty="0"/>
+          </a:p>
+        </p:txBody>
+      </p:sp>
+      <p:sp>
+        <p:nvSpPr>
+          <p:cNvPr id="4" name="Footer Placeholder 3"/>
           <p:cNvSpPr>
             <a:spLocks noGrp="1"/>
           </p:cNvSpPr>
           <p:nvPr>
-            <p:ph type="body" idx="1"/>
+            <p:ph type="ftr" sz="quarter" idx="11"/>
           </p:nvPr>
         </p:nvSpPr>
         <p:spPr/>
         <p:txBody>
-          <a:bodyPr>
-            <a:normAutofit lnSpcReduction="10000"/>
-          </a:bodyPr>
+          <a:bodyPr/>
           <a:lstStyle/>
           <a:p>
             <a:r>
-              <a:rPr lang="en-US" dirty="0"/>
-              <a:t>Main</a:t>
-            </a:r>
+              <a:rPr lang="ja-JP" altLang="en-US" smtClean="0"/>
+              <a:t>｜</a:t>
+            </a:r>
+            <a:r>
+              <a:rPr lang="en-US" altLang="ja-JP" smtClean="0"/>
+              <a:t>0000</a:t>
+            </a:r>
+            <a:r>
+              <a:rPr lang="ja-JP" altLang="en-US" smtClean="0"/>
+              <a:t>　</a:t>
+            </a:r>
+            <a:r>
+              <a:rPr lang="en-US" altLang="ja-JP" smtClean="0"/>
+              <a:t>|</a:t>
+            </a:r>
+            <a:r>
+              <a:rPr lang="ja-JP" altLang="en-US" smtClean="0"/>
+              <a:t>　　</a:t>
+            </a:r>
+            <a:r>
+              <a:rPr lang="en-US" altLang="ja-JP" smtClean="0"/>
+              <a:t>DDMMYY</a:t>
+            </a:r>
+            <a:endParaRPr lang="ja-JP" altLang="en-US" dirty="0"/>
+          </a:p>
+        </p:txBody>
+      </p:sp>
+      <p:sp>
+        <p:nvSpPr>
+          <p:cNvPr id="5" name="Slide Number Placeholder 4"/>
+          <p:cNvSpPr>
+            <a:spLocks noGrp="1"/>
+          </p:cNvSpPr>
+          <p:nvPr>
+            <p:ph type="sldNum" sz="quarter" idx="12"/>
+          </p:nvPr>
+        </p:nvSpPr>
+        <p:spPr/>
+        <p:txBody>
+          <a:bodyPr/>
+          <a:lstStyle/>
+          <a:p>
+            <a:fld id="{E9B57936-92EF-4126-AE48-1D9D36D15E98}" type="slidenum">
+              <a:rPr kumimoji="1" lang="ja-JP" altLang="en-US" smtClean="0"/>
+              <a:pPr/>
+              <a:t>12</a:t>
+            </a:fld>
+            <a:endParaRPr kumimoji="1" lang="ja-JP" altLang="en-US" dirty="0"/>
           </a:p>
         </p:txBody>
       </p:sp>
       <p:pic>
         <p:nvPicPr>
-          <p:cNvPr id="10" name="Content Placeholder 9">
-            <a:extLst>
-              <a:ext uri="{FF2B5EF4-FFF2-40B4-BE49-F238E27FC236}">
-                <a16:creationId xmlns:a16="http://schemas.microsoft.com/office/drawing/2014/main" id="{D3A45ABD-4299-4F37-A7F2-C9D36B8B6192}"/>
-              </a:ext>
-            </a:extLst>
-          </p:cNvPr>
+          <p:cNvPr id="9" name="Content Placeholder 8"/>
           <p:cNvPicPr>
             <a:picLocks noGrp="1" noChangeAspect="1"/>
           </p:cNvPicPr>
           <p:nvPr>
-            <p:ph sz="half" idx="2"/>
+            <p:ph idx="1"/>
           </p:nvPr>
         </p:nvPicPr>
         <p:blipFill>
@@ -8196,159 +7601,15 @@
         </p:blipFill>
         <p:spPr>
           <a:xfrm>
-            <a:off x="404813" y="1559116"/>
-            <a:ext cx="4092575" cy="2652330"/>
+            <a:off x="404813" y="2070497"/>
+            <a:ext cx="8281987" cy="1380331"/>
           </a:xfrm>
         </p:spPr>
       </p:pic>
-      <p:sp>
-        <p:nvSpPr>
-          <p:cNvPr id="5" name="Text Placeholder 4">
-            <a:extLst>
-              <a:ext uri="{FF2B5EF4-FFF2-40B4-BE49-F238E27FC236}">
-                <a16:creationId xmlns:a16="http://schemas.microsoft.com/office/drawing/2014/main" id="{F25B34C4-4E30-4652-8309-EBCAB1918F85}"/>
-              </a:ext>
-            </a:extLst>
-          </p:cNvPr>
-          <p:cNvSpPr>
-            <a:spLocks noGrp="1"/>
-          </p:cNvSpPr>
-          <p:nvPr>
-            <p:ph type="body" sz="quarter" idx="3"/>
-          </p:nvPr>
-        </p:nvSpPr>
-        <p:spPr/>
-        <p:txBody>
-          <a:bodyPr>
-            <a:normAutofit lnSpcReduction="10000"/>
-          </a:bodyPr>
-          <a:lstStyle/>
-          <a:p>
-            <a:r>
-              <a:rPr lang="en-US" dirty="0"/>
-              <a:t>Interaction</a:t>
-            </a:r>
-          </a:p>
-        </p:txBody>
-      </p:sp>
-      <p:pic>
-        <p:nvPicPr>
-          <p:cNvPr id="12" name="Content Placeholder 11">
-            <a:extLst>
-              <a:ext uri="{FF2B5EF4-FFF2-40B4-BE49-F238E27FC236}">
-                <a16:creationId xmlns:a16="http://schemas.microsoft.com/office/drawing/2014/main" id="{CC64676E-89C0-4AD5-8CA5-78B03D2CEFE1}"/>
-              </a:ext>
-            </a:extLst>
-          </p:cNvPr>
-          <p:cNvPicPr>
-            <a:picLocks noGrp="1" noChangeAspect="1"/>
-          </p:cNvPicPr>
-          <p:nvPr>
-            <p:ph sz="quarter" idx="4"/>
-          </p:nvPr>
-        </p:nvPicPr>
-        <p:blipFill>
-          <a:blip r:embed="rId3">
-            <a:extLst>
-              <a:ext uri="{28A0092B-C50C-407E-A947-70E740481C1C}">
-                <a14:useLocalDpi xmlns:a14="http://schemas.microsoft.com/office/drawing/2010/main" val="0"/>
-              </a:ext>
-            </a:extLst>
-          </a:blip>
-          <a:stretch>
-            <a:fillRect/>
-          </a:stretch>
-        </p:blipFill>
-        <p:spPr>
-          <a:xfrm>
-            <a:off x="4645025" y="1575577"/>
-            <a:ext cx="4041775" cy="2619408"/>
-          </a:xfrm>
-        </p:spPr>
-      </p:pic>
-      <p:sp>
-        <p:nvSpPr>
-          <p:cNvPr id="7" name="Footer Placeholder 6">
-            <a:extLst>
-              <a:ext uri="{FF2B5EF4-FFF2-40B4-BE49-F238E27FC236}">
-                <a16:creationId xmlns:a16="http://schemas.microsoft.com/office/drawing/2014/main" id="{0A46F92B-BA66-4A4F-A8F1-8F6A06CE1F87}"/>
-              </a:ext>
-            </a:extLst>
-          </p:cNvPr>
-          <p:cNvSpPr>
-            <a:spLocks noGrp="1"/>
-          </p:cNvSpPr>
-          <p:nvPr>
-            <p:ph type="ftr" sz="quarter" idx="11"/>
-          </p:nvPr>
-        </p:nvSpPr>
-        <p:spPr/>
-        <p:txBody>
-          <a:bodyPr/>
-          <a:lstStyle/>
-          <a:p>
-            <a:r>
-              <a:rPr lang="ja-JP" altLang="en-US"/>
-              <a:t>｜</a:t>
-            </a:r>
-            <a:r>
-              <a:rPr lang="en-US" altLang="ja-JP"/>
-              <a:t>0000</a:t>
-            </a:r>
-            <a:r>
-              <a:rPr lang="ja-JP" altLang="en-US"/>
-              <a:t>　</a:t>
-            </a:r>
-            <a:r>
-              <a:rPr lang="en-US" altLang="ja-JP"/>
-              <a:t>|</a:t>
-            </a:r>
-            <a:r>
-              <a:rPr lang="ja-JP" altLang="en-US"/>
-              <a:t>　　</a:t>
-            </a:r>
-            <a:r>
-              <a:rPr lang="en-US" altLang="ja-JP"/>
-              <a:t>DDMMYY</a:t>
-            </a:r>
-            <a:endParaRPr lang="ja-JP" altLang="en-US" dirty="0"/>
-          </a:p>
-        </p:txBody>
-      </p:sp>
-      <p:sp>
-        <p:nvSpPr>
-          <p:cNvPr id="8" name="Slide Number Placeholder 7">
-            <a:extLst>
-              <a:ext uri="{FF2B5EF4-FFF2-40B4-BE49-F238E27FC236}">
-                <a16:creationId xmlns:a16="http://schemas.microsoft.com/office/drawing/2014/main" id="{16D4CC7B-BFE7-46A0-B159-52F158EC7311}"/>
-              </a:ext>
-            </a:extLst>
-          </p:cNvPr>
-          <p:cNvSpPr>
-            <a:spLocks noGrp="1"/>
-          </p:cNvSpPr>
-          <p:nvPr>
-            <p:ph type="sldNum" sz="quarter" idx="12"/>
-          </p:nvPr>
-        </p:nvSpPr>
-        <p:spPr/>
-        <p:txBody>
-          <a:bodyPr/>
-          <a:lstStyle/>
-          <a:p>
-            <a:fld id="{E9B57936-92EF-4126-AE48-1D9D36D15E98}" type="slidenum">
-              <a:rPr kumimoji="1" lang="ja-JP" altLang="en-US" smtClean="0"/>
-              <a:pPr/>
-              <a:t>12</a:t>
-            </a:fld>
-            <a:endParaRPr kumimoji="1" lang="ja-JP" altLang="en-US" dirty="0"/>
-          </a:p>
-        </p:txBody>
-      </p:sp>
     </p:spTree>
     <p:extLst>
       <p:ext uri="{BB962C8B-B14F-4D97-AF65-F5344CB8AC3E}">
-        <p14:creationId xmlns:p14="http://schemas.microsoft.com/office/powerpoint/2010/main" val="1462854165"/>
+        <p14:creationId xmlns:p14="http://schemas.microsoft.com/office/powerpoint/2010/main" val="697795617"/>
       </p:ext>
     </p:extLst>
   </p:cSld>
@@ -8377,13 +7638,7 @@
       </p:grpSpPr>
       <p:sp>
         <p:nvSpPr>
-          <p:cNvPr id="2" name="Title 1">
-            <a:extLst>
-              <a:ext uri="{FF2B5EF4-FFF2-40B4-BE49-F238E27FC236}">
-                <a16:creationId xmlns:a16="http://schemas.microsoft.com/office/drawing/2014/main" id="{06D5DA9A-9EC9-4ECA-9122-83F63B48B762}"/>
-              </a:ext>
-            </a:extLst>
-          </p:cNvPr>
+          <p:cNvPr id="2" name="Title 1"/>
           <p:cNvSpPr>
             <a:spLocks noGrp="1"/>
           </p:cNvSpPr>
@@ -8397,56 +7652,88 @@
           <a:lstStyle/>
           <a:p>
             <a:r>
-              <a:rPr lang="en-US" dirty="0"/>
-              <a:t>FNR</a:t>
-            </a:r>
-          </a:p>
-        </p:txBody>
-      </p:sp>
-      <p:sp>
-        <p:nvSpPr>
-          <p:cNvPr id="3" name="Text Placeholder 2">
-            <a:extLst>
-              <a:ext uri="{FF2B5EF4-FFF2-40B4-BE49-F238E27FC236}">
-                <a16:creationId xmlns:a16="http://schemas.microsoft.com/office/drawing/2014/main" id="{783A6151-D98E-4ADD-B8D8-7A80912487F3}"/>
-              </a:ext>
-            </a:extLst>
-          </p:cNvPr>
+              <a:rPr lang="en-US" dirty="0" smtClean="0"/>
+              <a:t>SNR=10</a:t>
+            </a:r>
+            <a:endParaRPr lang="en-US" dirty="0"/>
+          </a:p>
+        </p:txBody>
+      </p:sp>
+      <p:sp>
+        <p:nvSpPr>
+          <p:cNvPr id="4" name="Footer Placeholder 3"/>
           <p:cNvSpPr>
             <a:spLocks noGrp="1"/>
           </p:cNvSpPr>
           <p:nvPr>
-            <p:ph type="body" idx="1"/>
+            <p:ph type="ftr" sz="quarter" idx="11"/>
           </p:nvPr>
         </p:nvSpPr>
         <p:spPr/>
         <p:txBody>
-          <a:bodyPr>
-            <a:normAutofit lnSpcReduction="10000"/>
-          </a:bodyPr>
+          <a:bodyPr/>
           <a:lstStyle/>
           <a:p>
             <a:r>
-              <a:rPr lang="en-US" dirty="0"/>
-              <a:t>Main</a:t>
-            </a:r>
+              <a:rPr lang="ja-JP" altLang="en-US" smtClean="0"/>
+              <a:t>｜</a:t>
+            </a:r>
+            <a:r>
+              <a:rPr lang="en-US" altLang="ja-JP" smtClean="0"/>
+              <a:t>0000</a:t>
+            </a:r>
+            <a:r>
+              <a:rPr lang="ja-JP" altLang="en-US" smtClean="0"/>
+              <a:t>　</a:t>
+            </a:r>
+            <a:r>
+              <a:rPr lang="en-US" altLang="ja-JP" smtClean="0"/>
+              <a:t>|</a:t>
+            </a:r>
+            <a:r>
+              <a:rPr lang="ja-JP" altLang="en-US" smtClean="0"/>
+              <a:t>　　</a:t>
+            </a:r>
+            <a:r>
+              <a:rPr lang="en-US" altLang="ja-JP" smtClean="0"/>
+              <a:t>DDMMYY</a:t>
+            </a:r>
+            <a:endParaRPr lang="ja-JP" altLang="en-US" dirty="0"/>
+          </a:p>
+        </p:txBody>
+      </p:sp>
+      <p:sp>
+        <p:nvSpPr>
+          <p:cNvPr id="5" name="Slide Number Placeholder 4"/>
+          <p:cNvSpPr>
+            <a:spLocks noGrp="1"/>
+          </p:cNvSpPr>
+          <p:nvPr>
+            <p:ph type="sldNum" sz="quarter" idx="12"/>
+          </p:nvPr>
+        </p:nvSpPr>
+        <p:spPr/>
+        <p:txBody>
+          <a:bodyPr/>
+          <a:lstStyle/>
+          <a:p>
+            <a:fld id="{E9B57936-92EF-4126-AE48-1D9D36D15E98}" type="slidenum">
+              <a:rPr kumimoji="1" lang="ja-JP" altLang="en-US" smtClean="0"/>
+              <a:pPr/>
+              <a:t>13</a:t>
+            </a:fld>
+            <a:endParaRPr kumimoji="1" lang="ja-JP" altLang="en-US" dirty="0"/>
           </a:p>
         </p:txBody>
       </p:sp>
       <p:pic>
         <p:nvPicPr>
-          <p:cNvPr id="10" name="Content Placeholder 9">
-            <a:extLst>
-              <a:ext uri="{FF2B5EF4-FFF2-40B4-BE49-F238E27FC236}">
-                <a16:creationId xmlns:a16="http://schemas.microsoft.com/office/drawing/2014/main" id="{AC5CE7F1-5E0F-4C53-B379-5F887A59AEEA}"/>
-              </a:ext>
-            </a:extLst>
-          </p:cNvPr>
+          <p:cNvPr id="9" name="Content Placeholder 8"/>
           <p:cNvPicPr>
             <a:picLocks noGrp="1" noChangeAspect="1"/>
           </p:cNvPicPr>
           <p:nvPr>
-            <p:ph sz="half" idx="2"/>
+            <p:ph idx="1"/>
           </p:nvPr>
         </p:nvPicPr>
         <p:blipFill>
@@ -8463,159 +7750,15 @@
         </p:blipFill>
         <p:spPr>
           <a:xfrm>
-            <a:off x="404813" y="1559116"/>
-            <a:ext cx="4092575" cy="2652330"/>
+            <a:off x="404813" y="2070497"/>
+            <a:ext cx="8281987" cy="1380331"/>
           </a:xfrm>
         </p:spPr>
       </p:pic>
-      <p:sp>
-        <p:nvSpPr>
-          <p:cNvPr id="5" name="Text Placeholder 4">
-            <a:extLst>
-              <a:ext uri="{FF2B5EF4-FFF2-40B4-BE49-F238E27FC236}">
-                <a16:creationId xmlns:a16="http://schemas.microsoft.com/office/drawing/2014/main" id="{F25B34C4-4E30-4652-8309-EBCAB1918F85}"/>
-              </a:ext>
-            </a:extLst>
-          </p:cNvPr>
-          <p:cNvSpPr>
-            <a:spLocks noGrp="1"/>
-          </p:cNvSpPr>
-          <p:nvPr>
-            <p:ph type="body" sz="quarter" idx="3"/>
-          </p:nvPr>
-        </p:nvSpPr>
-        <p:spPr/>
-        <p:txBody>
-          <a:bodyPr>
-            <a:normAutofit lnSpcReduction="10000"/>
-          </a:bodyPr>
-          <a:lstStyle/>
-          <a:p>
-            <a:r>
-              <a:rPr lang="en-US" dirty="0"/>
-              <a:t>Interaction</a:t>
-            </a:r>
-          </a:p>
-        </p:txBody>
-      </p:sp>
-      <p:pic>
-        <p:nvPicPr>
-          <p:cNvPr id="12" name="Content Placeholder 11">
-            <a:extLst>
-              <a:ext uri="{FF2B5EF4-FFF2-40B4-BE49-F238E27FC236}">
-                <a16:creationId xmlns:a16="http://schemas.microsoft.com/office/drawing/2014/main" id="{A3821917-1969-4203-A7A1-1F6B7AEE6221}"/>
-              </a:ext>
-            </a:extLst>
-          </p:cNvPr>
-          <p:cNvPicPr>
-            <a:picLocks noGrp="1" noChangeAspect="1"/>
-          </p:cNvPicPr>
-          <p:nvPr>
-            <p:ph sz="quarter" idx="4"/>
-          </p:nvPr>
-        </p:nvPicPr>
-        <p:blipFill>
-          <a:blip r:embed="rId3">
-            <a:extLst>
-              <a:ext uri="{28A0092B-C50C-407E-A947-70E740481C1C}">
-                <a14:useLocalDpi xmlns:a14="http://schemas.microsoft.com/office/drawing/2010/main" val="0"/>
-              </a:ext>
-            </a:extLst>
-          </a:blip>
-          <a:stretch>
-            <a:fillRect/>
-          </a:stretch>
-        </p:blipFill>
-        <p:spPr>
-          <a:xfrm>
-            <a:off x="4645025" y="1575577"/>
-            <a:ext cx="4041775" cy="2619408"/>
-          </a:xfrm>
-        </p:spPr>
-      </p:pic>
-      <p:sp>
-        <p:nvSpPr>
-          <p:cNvPr id="7" name="Footer Placeholder 6">
-            <a:extLst>
-              <a:ext uri="{FF2B5EF4-FFF2-40B4-BE49-F238E27FC236}">
-                <a16:creationId xmlns:a16="http://schemas.microsoft.com/office/drawing/2014/main" id="{0A46F92B-BA66-4A4F-A8F1-8F6A06CE1F87}"/>
-              </a:ext>
-            </a:extLst>
-          </p:cNvPr>
-          <p:cNvSpPr>
-            <a:spLocks noGrp="1"/>
-          </p:cNvSpPr>
-          <p:nvPr>
-            <p:ph type="ftr" sz="quarter" idx="11"/>
-          </p:nvPr>
-        </p:nvSpPr>
-        <p:spPr/>
-        <p:txBody>
-          <a:bodyPr/>
-          <a:lstStyle/>
-          <a:p>
-            <a:r>
-              <a:rPr lang="ja-JP" altLang="en-US"/>
-              <a:t>｜</a:t>
-            </a:r>
-            <a:r>
-              <a:rPr lang="en-US" altLang="ja-JP"/>
-              <a:t>0000</a:t>
-            </a:r>
-            <a:r>
-              <a:rPr lang="ja-JP" altLang="en-US"/>
-              <a:t>　</a:t>
-            </a:r>
-            <a:r>
-              <a:rPr lang="en-US" altLang="ja-JP"/>
-              <a:t>|</a:t>
-            </a:r>
-            <a:r>
-              <a:rPr lang="ja-JP" altLang="en-US"/>
-              <a:t>　　</a:t>
-            </a:r>
-            <a:r>
-              <a:rPr lang="en-US" altLang="ja-JP"/>
-              <a:t>DDMMYY</a:t>
-            </a:r>
-            <a:endParaRPr lang="ja-JP" altLang="en-US" dirty="0"/>
-          </a:p>
-        </p:txBody>
-      </p:sp>
-      <p:sp>
-        <p:nvSpPr>
-          <p:cNvPr id="8" name="Slide Number Placeholder 7">
-            <a:extLst>
-              <a:ext uri="{FF2B5EF4-FFF2-40B4-BE49-F238E27FC236}">
-                <a16:creationId xmlns:a16="http://schemas.microsoft.com/office/drawing/2014/main" id="{16D4CC7B-BFE7-46A0-B159-52F158EC7311}"/>
-              </a:ext>
-            </a:extLst>
-          </p:cNvPr>
-          <p:cNvSpPr>
-            <a:spLocks noGrp="1"/>
-          </p:cNvSpPr>
-          <p:nvPr>
-            <p:ph type="sldNum" sz="quarter" idx="12"/>
-          </p:nvPr>
-        </p:nvSpPr>
-        <p:spPr/>
-        <p:txBody>
-          <a:bodyPr/>
-          <a:lstStyle/>
-          <a:p>
-            <a:fld id="{E9B57936-92EF-4126-AE48-1D9D36D15E98}" type="slidenum">
-              <a:rPr kumimoji="1" lang="ja-JP" altLang="en-US" smtClean="0"/>
-              <a:pPr/>
-              <a:t>13</a:t>
-            </a:fld>
-            <a:endParaRPr kumimoji="1" lang="ja-JP" altLang="en-US" dirty="0"/>
-          </a:p>
-        </p:txBody>
-      </p:sp>
     </p:spTree>
     <p:extLst>
       <p:ext uri="{BB962C8B-B14F-4D97-AF65-F5344CB8AC3E}">
-        <p14:creationId xmlns:p14="http://schemas.microsoft.com/office/powerpoint/2010/main" val="3818089561"/>
+        <p14:creationId xmlns:p14="http://schemas.microsoft.com/office/powerpoint/2010/main" val="442738652"/>
       </p:ext>
     </p:extLst>
   </p:cSld>
@@ -8644,13 +7787,7 @@
       </p:grpSpPr>
       <p:sp>
         <p:nvSpPr>
-          <p:cNvPr id="2" name="Title 1">
-            <a:extLst>
-              <a:ext uri="{FF2B5EF4-FFF2-40B4-BE49-F238E27FC236}">
-                <a16:creationId xmlns:a16="http://schemas.microsoft.com/office/drawing/2014/main" id="{06D5DA9A-9EC9-4ECA-9122-83F63B48B762}"/>
-              </a:ext>
-            </a:extLst>
-          </p:cNvPr>
+          <p:cNvPr id="2" name="Title 1"/>
           <p:cNvSpPr>
             <a:spLocks noGrp="1"/>
           </p:cNvSpPr>
@@ -8664,56 +7801,88 @@
           <a:lstStyle/>
           <a:p>
             <a:r>
-              <a:rPr lang="en-US" dirty="0"/>
-              <a:t>MSE</a:t>
-            </a:r>
-          </a:p>
-        </p:txBody>
-      </p:sp>
-      <p:sp>
-        <p:nvSpPr>
-          <p:cNvPr id="3" name="Text Placeholder 2">
-            <a:extLst>
-              <a:ext uri="{FF2B5EF4-FFF2-40B4-BE49-F238E27FC236}">
-                <a16:creationId xmlns:a16="http://schemas.microsoft.com/office/drawing/2014/main" id="{783A6151-D98E-4ADD-B8D8-7A80912487F3}"/>
-              </a:ext>
-            </a:extLst>
-          </p:cNvPr>
+              <a:rPr lang="en-US" dirty="0" smtClean="0"/>
+              <a:t>SNR=100</a:t>
+            </a:r>
+            <a:endParaRPr lang="en-US" dirty="0"/>
+          </a:p>
+        </p:txBody>
+      </p:sp>
+      <p:sp>
+        <p:nvSpPr>
+          <p:cNvPr id="4" name="Footer Placeholder 3"/>
           <p:cNvSpPr>
             <a:spLocks noGrp="1"/>
           </p:cNvSpPr>
           <p:nvPr>
-            <p:ph type="body" idx="1"/>
+            <p:ph type="ftr" sz="quarter" idx="11"/>
           </p:nvPr>
         </p:nvSpPr>
         <p:spPr/>
         <p:txBody>
-          <a:bodyPr>
-            <a:normAutofit lnSpcReduction="10000"/>
-          </a:bodyPr>
+          <a:bodyPr/>
           <a:lstStyle/>
           <a:p>
             <a:r>
-              <a:rPr lang="en-US" dirty="0"/>
-              <a:t>Genes</a:t>
-            </a:r>
+              <a:rPr lang="ja-JP" altLang="en-US" smtClean="0"/>
+              <a:t>｜</a:t>
+            </a:r>
+            <a:r>
+              <a:rPr lang="en-US" altLang="ja-JP" smtClean="0"/>
+              <a:t>0000</a:t>
+            </a:r>
+            <a:r>
+              <a:rPr lang="ja-JP" altLang="en-US" smtClean="0"/>
+              <a:t>　</a:t>
+            </a:r>
+            <a:r>
+              <a:rPr lang="en-US" altLang="ja-JP" smtClean="0"/>
+              <a:t>|</a:t>
+            </a:r>
+            <a:r>
+              <a:rPr lang="ja-JP" altLang="en-US" smtClean="0"/>
+              <a:t>　　</a:t>
+            </a:r>
+            <a:r>
+              <a:rPr lang="en-US" altLang="ja-JP" smtClean="0"/>
+              <a:t>DDMMYY</a:t>
+            </a:r>
+            <a:endParaRPr lang="ja-JP" altLang="en-US" dirty="0"/>
+          </a:p>
+        </p:txBody>
+      </p:sp>
+      <p:sp>
+        <p:nvSpPr>
+          <p:cNvPr id="5" name="Slide Number Placeholder 4"/>
+          <p:cNvSpPr>
+            <a:spLocks noGrp="1"/>
+          </p:cNvSpPr>
+          <p:nvPr>
+            <p:ph type="sldNum" sz="quarter" idx="12"/>
+          </p:nvPr>
+        </p:nvSpPr>
+        <p:spPr/>
+        <p:txBody>
+          <a:bodyPr/>
+          <a:lstStyle/>
+          <a:p>
+            <a:fld id="{E9B57936-92EF-4126-AE48-1D9D36D15E98}" type="slidenum">
+              <a:rPr kumimoji="1" lang="ja-JP" altLang="en-US" smtClean="0"/>
+              <a:pPr/>
+              <a:t>14</a:t>
+            </a:fld>
+            <a:endParaRPr kumimoji="1" lang="ja-JP" altLang="en-US" dirty="0"/>
           </a:p>
         </p:txBody>
       </p:sp>
       <p:pic>
         <p:nvPicPr>
-          <p:cNvPr id="10" name="Content Placeholder 9">
-            <a:extLst>
-              <a:ext uri="{FF2B5EF4-FFF2-40B4-BE49-F238E27FC236}">
-                <a16:creationId xmlns:a16="http://schemas.microsoft.com/office/drawing/2014/main" id="{F67516E7-EE7A-45DA-9DAE-FCF9D528BE74}"/>
-              </a:ext>
-            </a:extLst>
-          </p:cNvPr>
+          <p:cNvPr id="9" name="Content Placeholder 8"/>
           <p:cNvPicPr>
             <a:picLocks noGrp="1" noChangeAspect="1"/>
           </p:cNvPicPr>
           <p:nvPr>
-            <p:ph sz="half" idx="2"/>
+            <p:ph idx="1"/>
           </p:nvPr>
         </p:nvPicPr>
         <p:blipFill>
@@ -8730,160 +7899,15 @@
         </p:blipFill>
         <p:spPr>
           <a:xfrm>
-            <a:off x="404813" y="1559116"/>
-            <a:ext cx="4092575" cy="2652330"/>
+            <a:off x="404813" y="2070497"/>
+            <a:ext cx="8281987" cy="1380331"/>
           </a:xfrm>
         </p:spPr>
       </p:pic>
-      <p:sp>
-        <p:nvSpPr>
-          <p:cNvPr id="5" name="Text Placeholder 4">
-            <a:extLst>
-              <a:ext uri="{FF2B5EF4-FFF2-40B4-BE49-F238E27FC236}">
-                <a16:creationId xmlns:a16="http://schemas.microsoft.com/office/drawing/2014/main" id="{F25B34C4-4E30-4652-8309-EBCAB1918F85}"/>
-              </a:ext>
-            </a:extLst>
-          </p:cNvPr>
-          <p:cNvSpPr>
-            <a:spLocks noGrp="1"/>
-          </p:cNvSpPr>
-          <p:nvPr>
-            <p:ph type="body" sz="quarter" idx="3"/>
-          </p:nvPr>
-        </p:nvSpPr>
-        <p:spPr/>
-        <p:txBody>
-          <a:bodyPr>
-            <a:normAutofit lnSpcReduction="10000"/>
-          </a:bodyPr>
-          <a:lstStyle/>
-          <a:p>
-            <a:r>
-              <a:rPr lang="en-US" dirty="0" err="1"/>
-              <a:t>Genes+baseline</a:t>
-            </a:r>
-            <a:endParaRPr lang="en-US" dirty="0"/>
-          </a:p>
-        </p:txBody>
-      </p:sp>
-      <p:pic>
-        <p:nvPicPr>
-          <p:cNvPr id="12" name="Content Placeholder 11">
-            <a:extLst>
-              <a:ext uri="{FF2B5EF4-FFF2-40B4-BE49-F238E27FC236}">
-                <a16:creationId xmlns:a16="http://schemas.microsoft.com/office/drawing/2014/main" id="{89165352-A90B-43D5-B92C-AEA6D160A79D}"/>
-              </a:ext>
-            </a:extLst>
-          </p:cNvPr>
-          <p:cNvPicPr>
-            <a:picLocks noGrp="1" noChangeAspect="1"/>
-          </p:cNvPicPr>
-          <p:nvPr>
-            <p:ph sz="quarter" idx="4"/>
-          </p:nvPr>
-        </p:nvPicPr>
-        <p:blipFill>
-          <a:blip r:embed="rId3">
-            <a:extLst>
-              <a:ext uri="{28A0092B-C50C-407E-A947-70E740481C1C}">
-                <a14:useLocalDpi xmlns:a14="http://schemas.microsoft.com/office/drawing/2010/main" val="0"/>
-              </a:ext>
-            </a:extLst>
-          </a:blip>
-          <a:stretch>
-            <a:fillRect/>
-          </a:stretch>
-        </p:blipFill>
-        <p:spPr>
-          <a:xfrm>
-            <a:off x="4645025" y="1575577"/>
-            <a:ext cx="4041775" cy="2619408"/>
-          </a:xfrm>
-        </p:spPr>
-      </p:pic>
-      <p:sp>
-        <p:nvSpPr>
-          <p:cNvPr id="7" name="Footer Placeholder 6">
-            <a:extLst>
-              <a:ext uri="{FF2B5EF4-FFF2-40B4-BE49-F238E27FC236}">
-                <a16:creationId xmlns:a16="http://schemas.microsoft.com/office/drawing/2014/main" id="{0A46F92B-BA66-4A4F-A8F1-8F6A06CE1F87}"/>
-              </a:ext>
-            </a:extLst>
-          </p:cNvPr>
-          <p:cNvSpPr>
-            <a:spLocks noGrp="1"/>
-          </p:cNvSpPr>
-          <p:nvPr>
-            <p:ph type="ftr" sz="quarter" idx="11"/>
-          </p:nvPr>
-        </p:nvSpPr>
-        <p:spPr/>
-        <p:txBody>
-          <a:bodyPr/>
-          <a:lstStyle/>
-          <a:p>
-            <a:r>
-              <a:rPr lang="ja-JP" altLang="en-US"/>
-              <a:t>｜</a:t>
-            </a:r>
-            <a:r>
-              <a:rPr lang="en-US" altLang="ja-JP"/>
-              <a:t>0000</a:t>
-            </a:r>
-            <a:r>
-              <a:rPr lang="ja-JP" altLang="en-US"/>
-              <a:t>　</a:t>
-            </a:r>
-            <a:r>
-              <a:rPr lang="en-US" altLang="ja-JP"/>
-              <a:t>|</a:t>
-            </a:r>
-            <a:r>
-              <a:rPr lang="ja-JP" altLang="en-US"/>
-              <a:t>　　</a:t>
-            </a:r>
-            <a:r>
-              <a:rPr lang="en-US" altLang="ja-JP"/>
-              <a:t>DDMMYY</a:t>
-            </a:r>
-            <a:endParaRPr lang="ja-JP" altLang="en-US" dirty="0"/>
-          </a:p>
-        </p:txBody>
-      </p:sp>
-      <p:sp>
-        <p:nvSpPr>
-          <p:cNvPr id="8" name="Slide Number Placeholder 7">
-            <a:extLst>
-              <a:ext uri="{FF2B5EF4-FFF2-40B4-BE49-F238E27FC236}">
-                <a16:creationId xmlns:a16="http://schemas.microsoft.com/office/drawing/2014/main" id="{16D4CC7B-BFE7-46A0-B159-52F158EC7311}"/>
-              </a:ext>
-            </a:extLst>
-          </p:cNvPr>
-          <p:cNvSpPr>
-            <a:spLocks noGrp="1"/>
-          </p:cNvSpPr>
-          <p:nvPr>
-            <p:ph type="sldNum" sz="quarter" idx="12"/>
-          </p:nvPr>
-        </p:nvSpPr>
-        <p:spPr/>
-        <p:txBody>
-          <a:bodyPr/>
-          <a:lstStyle/>
-          <a:p>
-            <a:fld id="{E9B57936-92EF-4126-AE48-1D9D36D15E98}" type="slidenum">
-              <a:rPr kumimoji="1" lang="ja-JP" altLang="en-US" smtClean="0"/>
-              <a:pPr/>
-              <a:t>14</a:t>
-            </a:fld>
-            <a:endParaRPr kumimoji="1" lang="ja-JP" altLang="en-US" dirty="0"/>
-          </a:p>
-        </p:txBody>
-      </p:sp>
     </p:spTree>
     <p:extLst>
       <p:ext uri="{BB962C8B-B14F-4D97-AF65-F5344CB8AC3E}">
-        <p14:creationId xmlns:p14="http://schemas.microsoft.com/office/powerpoint/2010/main" val="2548467260"/>
+        <p14:creationId xmlns:p14="http://schemas.microsoft.com/office/powerpoint/2010/main" val="77687309"/>
       </p:ext>
     </p:extLst>
   </p:cSld>
@@ -8912,18 +7936,12 @@
       </p:grpSpPr>
       <p:sp>
         <p:nvSpPr>
-          <p:cNvPr id="2" name="Title 1">
-            <a:extLst>
-              <a:ext uri="{FF2B5EF4-FFF2-40B4-BE49-F238E27FC236}">
-                <a16:creationId xmlns:a16="http://schemas.microsoft.com/office/drawing/2014/main" id="{06D5DA9A-9EC9-4ECA-9122-83F63B48B762}"/>
-              </a:ext>
-            </a:extLst>
-          </p:cNvPr>
+          <p:cNvPr id="2" name="Text Placeholder 1"/>
           <p:cNvSpPr>
             <a:spLocks noGrp="1"/>
           </p:cNvSpPr>
           <p:nvPr>
-            <p:ph type="title"/>
+            <p:ph type="body" sz="quarter" idx="10"/>
           </p:nvPr>
         </p:nvSpPr>
         <p:spPr/>
@@ -8932,1065 +7950,17 @@
           <a:lstStyle/>
           <a:p>
             <a:r>
-              <a:rPr lang="en-US" dirty="0"/>
-              <a:t>Strong/Weak Signal</a:t>
-            </a:r>
-          </a:p>
-        </p:txBody>
-      </p:sp>
-      <p:sp>
-        <p:nvSpPr>
-          <p:cNvPr id="3" name="Text Placeholder 2">
-            <a:extLst>
-              <a:ext uri="{FF2B5EF4-FFF2-40B4-BE49-F238E27FC236}">
-                <a16:creationId xmlns:a16="http://schemas.microsoft.com/office/drawing/2014/main" id="{783A6151-D98E-4ADD-B8D8-7A80912487F3}"/>
-              </a:ext>
-            </a:extLst>
-          </p:cNvPr>
-          <p:cNvSpPr>
-            <a:spLocks noGrp="1"/>
-          </p:cNvSpPr>
-          <p:nvPr>
-            <p:ph type="body" idx="1"/>
-          </p:nvPr>
-        </p:nvSpPr>
-        <p:spPr/>
-        <p:txBody>
-          <a:bodyPr>
-            <a:normAutofit lnSpcReduction="10000"/>
-          </a:bodyPr>
-          <a:lstStyle/>
-          <a:p>
-            <a:r>
-              <a:rPr lang="en-US" dirty="0"/>
-              <a:t>Main Effects Correct Rate</a:t>
-            </a:r>
-          </a:p>
-        </p:txBody>
-      </p:sp>
-      <p:graphicFrame>
-        <p:nvGraphicFramePr>
-          <p:cNvPr id="9" name="Content Placeholder 8">
-            <a:extLst>
-              <a:ext uri="{FF2B5EF4-FFF2-40B4-BE49-F238E27FC236}">
-                <a16:creationId xmlns:a16="http://schemas.microsoft.com/office/drawing/2014/main" id="{24566B66-33AC-4913-8235-44437D9B1959}"/>
-              </a:ext>
-            </a:extLst>
-          </p:cNvPr>
-          <p:cNvGraphicFramePr>
-            <a:graphicFrameLocks noGrp="1"/>
-          </p:cNvGraphicFramePr>
-          <p:nvPr>
-            <p:ph sz="half" idx="2"/>
-            <p:extLst>
-              <p:ext uri="{D42A27DB-BD31-4B8C-83A1-F6EECF244321}">
-                <p14:modId xmlns:p14="http://schemas.microsoft.com/office/powerpoint/2010/main" val="1131600721"/>
-              </p:ext>
-            </p:extLst>
-          </p:nvPr>
-        </p:nvGraphicFramePr>
-        <p:xfrm>
-          <a:off x="179513" y="2590265"/>
-          <a:ext cx="4317875" cy="1010920"/>
-        </p:xfrm>
-        <a:graphic>
-          <a:graphicData uri="http://schemas.openxmlformats.org/drawingml/2006/table">
-            <a:tbl>
-              <a:tblPr firstRow="1" bandRow="1">
-                <a:tableStyleId>{5C22544A-7EE6-4342-B048-85BDC9FD1C3A}</a:tableStyleId>
-              </a:tblPr>
-              <a:tblGrid>
-                <a:gridCol w="863575">
-                  <a:extLst>
-                    <a:ext uri="{9D8B030D-6E8A-4147-A177-3AD203B41FA5}">
-                      <a16:colId xmlns:a16="http://schemas.microsoft.com/office/drawing/2014/main" val="1183227820"/>
-                    </a:ext>
-                  </a:extLst>
-                </a:gridCol>
-                <a:gridCol w="863575">
-                  <a:extLst>
-                    <a:ext uri="{9D8B030D-6E8A-4147-A177-3AD203B41FA5}">
-                      <a16:colId xmlns:a16="http://schemas.microsoft.com/office/drawing/2014/main" val="2339914069"/>
-                    </a:ext>
-                  </a:extLst>
-                </a:gridCol>
-                <a:gridCol w="863575">
-                  <a:extLst>
-                    <a:ext uri="{9D8B030D-6E8A-4147-A177-3AD203B41FA5}">
-                      <a16:colId xmlns:a16="http://schemas.microsoft.com/office/drawing/2014/main" val="3524143497"/>
-                    </a:ext>
-                  </a:extLst>
-                </a:gridCol>
-                <a:gridCol w="863575">
-                  <a:extLst>
-                    <a:ext uri="{9D8B030D-6E8A-4147-A177-3AD203B41FA5}">
-                      <a16:colId xmlns:a16="http://schemas.microsoft.com/office/drawing/2014/main" val="1468789111"/>
-                    </a:ext>
-                  </a:extLst>
-                </a:gridCol>
-                <a:gridCol w="863575">
-                  <a:extLst>
-                    <a:ext uri="{9D8B030D-6E8A-4147-A177-3AD203B41FA5}">
-                      <a16:colId xmlns:a16="http://schemas.microsoft.com/office/drawing/2014/main" val="3259249874"/>
-                    </a:ext>
-                  </a:extLst>
-                </a:gridCol>
-              </a:tblGrid>
-              <a:tr h="370840">
-                <a:tc>
-                  <a:txBody>
-                    <a:bodyPr/>
-                    <a:lstStyle/>
-                    <a:p>
-                      <a:r>
-                        <a:rPr lang="en-US" dirty="0"/>
-                        <a:t>100 genes</a:t>
-                      </a:r>
-                    </a:p>
-                  </a:txBody>
-                  <a:tcPr/>
-                </a:tc>
-                <a:tc>
-                  <a:txBody>
-                    <a:bodyPr/>
-                    <a:lstStyle/>
-                    <a:p>
-                      <a:r>
-                        <a:rPr lang="en-US" dirty="0"/>
-                        <a:t>1</a:t>
-                      </a:r>
-                    </a:p>
-                  </a:txBody>
-                  <a:tcPr/>
-                </a:tc>
-                <a:tc>
-                  <a:txBody>
-                    <a:bodyPr/>
-                    <a:lstStyle/>
-                    <a:p>
-                      <a:r>
-                        <a:rPr lang="en-US" dirty="0"/>
-                        <a:t>2</a:t>
-                      </a:r>
-                    </a:p>
-                  </a:txBody>
-                  <a:tcPr/>
-                </a:tc>
-                <a:tc>
-                  <a:txBody>
-                    <a:bodyPr/>
-                    <a:lstStyle/>
-                    <a:p>
-                      <a:r>
-                        <a:rPr lang="en-US" dirty="0"/>
-                        <a:t>3</a:t>
-                      </a:r>
-                    </a:p>
-                  </a:txBody>
-                  <a:tcPr/>
-                </a:tc>
-                <a:tc>
-                  <a:txBody>
-                    <a:bodyPr/>
-                    <a:lstStyle/>
-                    <a:p>
-                      <a:r>
-                        <a:rPr lang="en-US" dirty="0"/>
-                        <a:t>4</a:t>
-                      </a:r>
-                    </a:p>
-                  </a:txBody>
-                  <a:tcPr/>
-                </a:tc>
-                <a:extLst>
-                  <a:ext uri="{0D108BD9-81ED-4DB2-BD59-A6C34878D82A}">
-                    <a16:rowId xmlns:a16="http://schemas.microsoft.com/office/drawing/2014/main" val="2211568318"/>
-                  </a:ext>
-                </a:extLst>
-              </a:tr>
-              <a:tr h="370840">
-                <a:tc>
-                  <a:txBody>
-                    <a:bodyPr/>
-                    <a:lstStyle/>
-                    <a:p>
-                      <a:r>
-                        <a:rPr lang="en-US" dirty="0"/>
-                        <a:t>mean</a:t>
-                      </a:r>
-                    </a:p>
-                  </a:txBody>
-                  <a:tcPr/>
-                </a:tc>
-                <a:tc>
-                  <a:txBody>
-                    <a:bodyPr/>
-                    <a:lstStyle/>
-                    <a:p>
-                      <a:r>
-                        <a:rPr lang="en-US" dirty="0">
-                          <a:effectLst/>
-                        </a:rPr>
-                        <a:t>0.386</a:t>
-                      </a:r>
-                      <a:endParaRPr lang="en-US" dirty="0"/>
-                    </a:p>
-                  </a:txBody>
-                  <a:tcPr/>
-                </a:tc>
-                <a:tc>
-                  <a:txBody>
-                    <a:bodyPr/>
-                    <a:lstStyle/>
-                    <a:p>
-                      <a:r>
-                        <a:rPr lang="en-US" dirty="0">
-                          <a:effectLst/>
-                        </a:rPr>
-                        <a:t>0.740</a:t>
-                      </a:r>
-                      <a:endParaRPr lang="en-US" dirty="0"/>
-                    </a:p>
-                  </a:txBody>
-                  <a:tcPr/>
-                </a:tc>
-                <a:tc>
-                  <a:txBody>
-                    <a:bodyPr/>
-                    <a:lstStyle/>
-                    <a:p>
-                      <a:r>
-                        <a:rPr lang="en-US" dirty="0">
-                          <a:effectLst/>
-                        </a:rPr>
-                        <a:t>0.910</a:t>
-                      </a:r>
-                      <a:endParaRPr lang="en-US" dirty="0"/>
-                    </a:p>
-                  </a:txBody>
-                  <a:tcPr/>
-                </a:tc>
-                <a:tc>
-                  <a:txBody>
-                    <a:bodyPr/>
-                    <a:lstStyle/>
-                    <a:p>
-                      <a:r>
-                        <a:rPr lang="en-US" dirty="0">
-                          <a:effectLst/>
-                        </a:rPr>
-                        <a:t>0.983</a:t>
-                      </a:r>
-                      <a:endParaRPr lang="en-US" dirty="0"/>
-                    </a:p>
-                  </a:txBody>
-                  <a:tcPr/>
-                </a:tc>
-                <a:extLst>
-                  <a:ext uri="{0D108BD9-81ED-4DB2-BD59-A6C34878D82A}">
-                    <a16:rowId xmlns:a16="http://schemas.microsoft.com/office/drawing/2014/main" val="2979660210"/>
-                  </a:ext>
-                </a:extLst>
-              </a:tr>
-            </a:tbl>
-          </a:graphicData>
-        </a:graphic>
-      </p:graphicFrame>
-      <p:sp>
-        <p:nvSpPr>
-          <p:cNvPr id="5" name="Text Placeholder 4">
-            <a:extLst>
-              <a:ext uri="{FF2B5EF4-FFF2-40B4-BE49-F238E27FC236}">
-                <a16:creationId xmlns:a16="http://schemas.microsoft.com/office/drawing/2014/main" id="{F25B34C4-4E30-4652-8309-EBCAB1918F85}"/>
-              </a:ext>
-            </a:extLst>
-          </p:cNvPr>
-          <p:cNvSpPr>
-            <a:spLocks noGrp="1"/>
-          </p:cNvSpPr>
-          <p:nvPr>
-            <p:ph type="body" sz="quarter" idx="3"/>
-          </p:nvPr>
-        </p:nvSpPr>
-        <p:spPr/>
-        <p:txBody>
-          <a:bodyPr>
-            <a:normAutofit lnSpcReduction="10000"/>
-          </a:bodyPr>
-          <a:lstStyle/>
-          <a:p>
-            <a:r>
-              <a:rPr lang="en-US" dirty="0"/>
-              <a:t>Interaction Effects Correct Rate</a:t>
-            </a:r>
-          </a:p>
-        </p:txBody>
-      </p:sp>
-      <p:graphicFrame>
-        <p:nvGraphicFramePr>
-          <p:cNvPr id="10" name="Content Placeholder 9">
-            <a:extLst>
-              <a:ext uri="{FF2B5EF4-FFF2-40B4-BE49-F238E27FC236}">
-                <a16:creationId xmlns:a16="http://schemas.microsoft.com/office/drawing/2014/main" id="{8BEDEB1C-1D76-48D6-83F2-CD9E55E5CA8C}"/>
-              </a:ext>
-            </a:extLst>
-          </p:cNvPr>
-          <p:cNvGraphicFramePr>
-            <a:graphicFrameLocks noGrp="1"/>
-          </p:cNvGraphicFramePr>
-          <p:nvPr>
-            <p:ph sz="quarter" idx="4"/>
-            <p:extLst>
-              <p:ext uri="{D42A27DB-BD31-4B8C-83A1-F6EECF244321}">
-                <p14:modId xmlns:p14="http://schemas.microsoft.com/office/powerpoint/2010/main" val="1421937925"/>
-              </p:ext>
-            </p:extLst>
-          </p:nvPr>
-        </p:nvGraphicFramePr>
-        <p:xfrm>
-          <a:off x="4645025" y="2590265"/>
-          <a:ext cx="4175447" cy="1010920"/>
-        </p:xfrm>
-        <a:graphic>
-          <a:graphicData uri="http://schemas.openxmlformats.org/drawingml/2006/table">
-            <a:tbl>
-              <a:tblPr firstRow="1" bandRow="1">
-                <a:tableStyleId>{5C22544A-7EE6-4342-B048-85BDC9FD1C3A}</a:tableStyleId>
-              </a:tblPr>
-              <a:tblGrid>
-                <a:gridCol w="935087">
-                  <a:extLst>
-                    <a:ext uri="{9D8B030D-6E8A-4147-A177-3AD203B41FA5}">
-                      <a16:colId xmlns:a16="http://schemas.microsoft.com/office/drawing/2014/main" val="3418444687"/>
-                    </a:ext>
-                  </a:extLst>
-                </a:gridCol>
-                <a:gridCol w="792088">
-                  <a:extLst>
-                    <a:ext uri="{9D8B030D-6E8A-4147-A177-3AD203B41FA5}">
-                      <a16:colId xmlns:a16="http://schemas.microsoft.com/office/drawing/2014/main" val="1482317519"/>
-                    </a:ext>
-                  </a:extLst>
-                </a:gridCol>
-                <a:gridCol w="864096">
-                  <a:extLst>
-                    <a:ext uri="{9D8B030D-6E8A-4147-A177-3AD203B41FA5}">
-                      <a16:colId xmlns:a16="http://schemas.microsoft.com/office/drawing/2014/main" val="2635170354"/>
-                    </a:ext>
-                  </a:extLst>
-                </a:gridCol>
-                <a:gridCol w="792088">
-                  <a:extLst>
-                    <a:ext uri="{9D8B030D-6E8A-4147-A177-3AD203B41FA5}">
-                      <a16:colId xmlns:a16="http://schemas.microsoft.com/office/drawing/2014/main" val="4196413062"/>
-                    </a:ext>
-                  </a:extLst>
-                </a:gridCol>
-                <a:gridCol w="792088">
-                  <a:extLst>
-                    <a:ext uri="{9D8B030D-6E8A-4147-A177-3AD203B41FA5}">
-                      <a16:colId xmlns:a16="http://schemas.microsoft.com/office/drawing/2014/main" val="1594189032"/>
-                    </a:ext>
-                  </a:extLst>
-                </a:gridCol>
-              </a:tblGrid>
-              <a:tr h="370840">
-                <a:tc>
-                  <a:txBody>
-                    <a:bodyPr/>
-                    <a:lstStyle/>
-                    <a:p>
-                      <a:r>
-                        <a:rPr lang="en-US" dirty="0"/>
-                        <a:t>100 genes</a:t>
-                      </a:r>
-                    </a:p>
-                  </a:txBody>
-                  <a:tcPr/>
-                </a:tc>
-                <a:tc>
-                  <a:txBody>
-                    <a:bodyPr/>
-                    <a:lstStyle/>
-                    <a:p>
-                      <a:r>
-                        <a:rPr lang="en-US" dirty="0"/>
-                        <a:t>1</a:t>
-                      </a:r>
-                    </a:p>
-                  </a:txBody>
-                  <a:tcPr/>
-                </a:tc>
-                <a:tc>
-                  <a:txBody>
-                    <a:bodyPr/>
-                    <a:lstStyle/>
-                    <a:p>
-                      <a:r>
-                        <a:rPr lang="en-US" dirty="0"/>
-                        <a:t>2</a:t>
-                      </a:r>
-                    </a:p>
-                  </a:txBody>
-                  <a:tcPr/>
-                </a:tc>
-                <a:tc>
-                  <a:txBody>
-                    <a:bodyPr/>
-                    <a:lstStyle/>
-                    <a:p>
-                      <a:r>
-                        <a:rPr lang="en-US" dirty="0"/>
-                        <a:t>3</a:t>
-                      </a:r>
-                    </a:p>
-                  </a:txBody>
-                  <a:tcPr/>
-                </a:tc>
-                <a:tc>
-                  <a:txBody>
-                    <a:bodyPr/>
-                    <a:lstStyle/>
-                    <a:p>
-                      <a:r>
-                        <a:rPr lang="en-US" dirty="0"/>
-                        <a:t>4</a:t>
-                      </a:r>
-                    </a:p>
-                  </a:txBody>
-                  <a:tcPr/>
-                </a:tc>
-                <a:extLst>
-                  <a:ext uri="{0D108BD9-81ED-4DB2-BD59-A6C34878D82A}">
-                    <a16:rowId xmlns:a16="http://schemas.microsoft.com/office/drawing/2014/main" val="1984294394"/>
-                  </a:ext>
-                </a:extLst>
-              </a:tr>
-              <a:tr h="370840">
-                <a:tc>
-                  <a:txBody>
-                    <a:bodyPr/>
-                    <a:lstStyle/>
-                    <a:p>
-                      <a:r>
-                        <a:rPr lang="en-US" dirty="0"/>
-                        <a:t>mean</a:t>
-                      </a:r>
-                    </a:p>
-                  </a:txBody>
-                  <a:tcPr/>
-                </a:tc>
-                <a:tc>
-                  <a:txBody>
-                    <a:bodyPr/>
-                    <a:lstStyle/>
-                    <a:p>
-                      <a:r>
-                        <a:rPr lang="en-US" dirty="0">
-                          <a:effectLst/>
-                        </a:rPr>
-                        <a:t>0.307</a:t>
-                      </a:r>
-                      <a:endParaRPr lang="en-US" dirty="0"/>
-                    </a:p>
-                  </a:txBody>
-                  <a:tcPr/>
-                </a:tc>
-                <a:tc>
-                  <a:txBody>
-                    <a:bodyPr/>
-                    <a:lstStyle/>
-                    <a:p>
-                      <a:r>
-                        <a:rPr lang="en-US" dirty="0">
-                          <a:effectLst/>
-                        </a:rPr>
-                        <a:t>0.633</a:t>
-                      </a:r>
-                      <a:endParaRPr lang="en-US" dirty="0"/>
-                    </a:p>
-                  </a:txBody>
-                  <a:tcPr/>
-                </a:tc>
-                <a:tc>
-                  <a:txBody>
-                    <a:bodyPr/>
-                    <a:lstStyle/>
-                    <a:p>
-                      <a:r>
-                        <a:rPr lang="en-US" dirty="0">
-                          <a:effectLst/>
-                        </a:rPr>
-                        <a:t>0.863</a:t>
-                      </a:r>
-                      <a:endParaRPr lang="en-US" dirty="0"/>
-                    </a:p>
-                  </a:txBody>
-                  <a:tcPr/>
-                </a:tc>
-                <a:tc>
-                  <a:txBody>
-                    <a:bodyPr/>
-                    <a:lstStyle/>
-                    <a:p>
-                      <a:r>
-                        <a:rPr lang="en-US" dirty="0">
-                          <a:effectLst/>
-                        </a:rPr>
-                        <a:t>0.976</a:t>
-                      </a:r>
-                      <a:endParaRPr lang="en-US" dirty="0"/>
-                    </a:p>
-                  </a:txBody>
-                  <a:tcPr/>
-                </a:tc>
-                <a:extLst>
-                  <a:ext uri="{0D108BD9-81ED-4DB2-BD59-A6C34878D82A}">
-                    <a16:rowId xmlns:a16="http://schemas.microsoft.com/office/drawing/2014/main" val="33640178"/>
-                  </a:ext>
-                </a:extLst>
-              </a:tr>
-            </a:tbl>
-          </a:graphicData>
-        </a:graphic>
-      </p:graphicFrame>
-      <p:sp>
-        <p:nvSpPr>
-          <p:cNvPr id="7" name="Footer Placeholder 6">
-            <a:extLst>
-              <a:ext uri="{FF2B5EF4-FFF2-40B4-BE49-F238E27FC236}">
-                <a16:creationId xmlns:a16="http://schemas.microsoft.com/office/drawing/2014/main" id="{0A46F92B-BA66-4A4F-A8F1-8F6A06CE1F87}"/>
-              </a:ext>
-            </a:extLst>
-          </p:cNvPr>
-          <p:cNvSpPr>
-            <a:spLocks noGrp="1"/>
-          </p:cNvSpPr>
-          <p:nvPr>
-            <p:ph type="ftr" sz="quarter" idx="11"/>
-          </p:nvPr>
-        </p:nvSpPr>
-        <p:spPr/>
-        <p:txBody>
-          <a:bodyPr/>
-          <a:lstStyle/>
-          <a:p>
-            <a:r>
-              <a:rPr lang="ja-JP" altLang="en-US"/>
-              <a:t>｜</a:t>
-            </a:r>
-            <a:r>
-              <a:rPr lang="en-US" altLang="ja-JP"/>
-              <a:t>0000</a:t>
-            </a:r>
-            <a:r>
-              <a:rPr lang="ja-JP" altLang="en-US"/>
-              <a:t>　</a:t>
-            </a:r>
-            <a:r>
-              <a:rPr lang="en-US" altLang="ja-JP"/>
-              <a:t>|</a:t>
-            </a:r>
-            <a:r>
-              <a:rPr lang="ja-JP" altLang="en-US"/>
-              <a:t>　　</a:t>
-            </a:r>
-            <a:r>
-              <a:rPr lang="en-US" altLang="ja-JP"/>
-              <a:t>DDMMYY</a:t>
-            </a:r>
-            <a:endParaRPr lang="ja-JP" altLang="en-US" dirty="0"/>
-          </a:p>
-        </p:txBody>
-      </p:sp>
-      <p:sp>
-        <p:nvSpPr>
-          <p:cNvPr id="8" name="Slide Number Placeholder 7">
-            <a:extLst>
-              <a:ext uri="{FF2B5EF4-FFF2-40B4-BE49-F238E27FC236}">
-                <a16:creationId xmlns:a16="http://schemas.microsoft.com/office/drawing/2014/main" id="{16D4CC7B-BFE7-46A0-B159-52F158EC7311}"/>
-              </a:ext>
-            </a:extLst>
-          </p:cNvPr>
-          <p:cNvSpPr>
-            <a:spLocks noGrp="1"/>
-          </p:cNvSpPr>
-          <p:nvPr>
-            <p:ph type="sldNum" sz="quarter" idx="12"/>
-          </p:nvPr>
-        </p:nvSpPr>
-        <p:spPr/>
-        <p:txBody>
-          <a:bodyPr/>
-          <a:lstStyle/>
-          <a:p>
-            <a:fld id="{E9B57936-92EF-4126-AE48-1D9D36D15E98}" type="slidenum">
-              <a:rPr kumimoji="1" lang="ja-JP" altLang="en-US" smtClean="0"/>
-              <a:pPr/>
-              <a:t>15</a:t>
-            </a:fld>
-            <a:endParaRPr kumimoji="1" lang="ja-JP" altLang="en-US" dirty="0"/>
-          </a:p>
-        </p:txBody>
-      </p:sp>
-      <p:graphicFrame>
-        <p:nvGraphicFramePr>
-          <p:cNvPr id="11" name="Content Placeholder 8">
-            <a:extLst>
-              <a:ext uri="{FF2B5EF4-FFF2-40B4-BE49-F238E27FC236}">
-                <a16:creationId xmlns:a16="http://schemas.microsoft.com/office/drawing/2014/main" id="{89379936-210F-4E5B-A3EB-7C9C3DDC878C}"/>
-              </a:ext>
-            </a:extLst>
-          </p:cNvPr>
-          <p:cNvGraphicFramePr>
-            <a:graphicFrameLocks/>
-          </p:cNvGraphicFramePr>
-          <p:nvPr>
-            <p:extLst>
-              <p:ext uri="{D42A27DB-BD31-4B8C-83A1-F6EECF244321}">
-                <p14:modId xmlns:p14="http://schemas.microsoft.com/office/powerpoint/2010/main" val="2499456854"/>
-              </p:ext>
-            </p:extLst>
-          </p:nvPr>
-        </p:nvGraphicFramePr>
-        <p:xfrm>
-          <a:off x="179513" y="1438393"/>
-          <a:ext cx="4317875" cy="1010920"/>
-        </p:xfrm>
-        <a:graphic>
-          <a:graphicData uri="http://schemas.openxmlformats.org/drawingml/2006/table">
-            <a:tbl>
-              <a:tblPr firstRow="1" bandRow="1">
-                <a:tableStyleId>{5C22544A-7EE6-4342-B048-85BDC9FD1C3A}</a:tableStyleId>
-              </a:tblPr>
-              <a:tblGrid>
-                <a:gridCol w="863575">
-                  <a:extLst>
-                    <a:ext uri="{9D8B030D-6E8A-4147-A177-3AD203B41FA5}">
-                      <a16:colId xmlns:a16="http://schemas.microsoft.com/office/drawing/2014/main" val="1183227820"/>
-                    </a:ext>
-                  </a:extLst>
-                </a:gridCol>
-                <a:gridCol w="863575">
-                  <a:extLst>
-                    <a:ext uri="{9D8B030D-6E8A-4147-A177-3AD203B41FA5}">
-                      <a16:colId xmlns:a16="http://schemas.microsoft.com/office/drawing/2014/main" val="2339914069"/>
-                    </a:ext>
-                  </a:extLst>
-                </a:gridCol>
-                <a:gridCol w="863575">
-                  <a:extLst>
-                    <a:ext uri="{9D8B030D-6E8A-4147-A177-3AD203B41FA5}">
-                      <a16:colId xmlns:a16="http://schemas.microsoft.com/office/drawing/2014/main" val="3524143497"/>
-                    </a:ext>
-                  </a:extLst>
-                </a:gridCol>
-                <a:gridCol w="863575">
-                  <a:extLst>
-                    <a:ext uri="{9D8B030D-6E8A-4147-A177-3AD203B41FA5}">
-                      <a16:colId xmlns:a16="http://schemas.microsoft.com/office/drawing/2014/main" val="1468789111"/>
-                    </a:ext>
-                  </a:extLst>
-                </a:gridCol>
-                <a:gridCol w="863575">
-                  <a:extLst>
-                    <a:ext uri="{9D8B030D-6E8A-4147-A177-3AD203B41FA5}">
-                      <a16:colId xmlns:a16="http://schemas.microsoft.com/office/drawing/2014/main" val="3259249874"/>
-                    </a:ext>
-                  </a:extLst>
-                </a:gridCol>
-              </a:tblGrid>
-              <a:tr h="370840">
-                <a:tc>
-                  <a:txBody>
-                    <a:bodyPr/>
-                    <a:lstStyle/>
-                    <a:p>
-                      <a:r>
-                        <a:rPr lang="en-US" dirty="0"/>
-                        <a:t>30 genes</a:t>
-                      </a:r>
-                    </a:p>
-                  </a:txBody>
-                  <a:tcPr/>
-                </a:tc>
-                <a:tc>
-                  <a:txBody>
-                    <a:bodyPr/>
-                    <a:lstStyle/>
-                    <a:p>
-                      <a:r>
-                        <a:rPr lang="en-US" dirty="0"/>
-                        <a:t>1</a:t>
-                      </a:r>
-                    </a:p>
-                  </a:txBody>
-                  <a:tcPr/>
-                </a:tc>
-                <a:tc>
-                  <a:txBody>
-                    <a:bodyPr/>
-                    <a:lstStyle/>
-                    <a:p>
-                      <a:r>
-                        <a:rPr lang="en-US" dirty="0"/>
-                        <a:t>2</a:t>
-                      </a:r>
-                    </a:p>
-                  </a:txBody>
-                  <a:tcPr/>
-                </a:tc>
-                <a:tc>
-                  <a:txBody>
-                    <a:bodyPr/>
-                    <a:lstStyle/>
-                    <a:p>
-                      <a:r>
-                        <a:rPr lang="en-US" dirty="0"/>
-                        <a:t>3</a:t>
-                      </a:r>
-                    </a:p>
-                  </a:txBody>
-                  <a:tcPr/>
-                </a:tc>
-                <a:tc>
-                  <a:txBody>
-                    <a:bodyPr/>
-                    <a:lstStyle/>
-                    <a:p>
-                      <a:r>
-                        <a:rPr lang="en-US" dirty="0"/>
-                        <a:t>4</a:t>
-                      </a:r>
-                    </a:p>
-                  </a:txBody>
-                  <a:tcPr/>
-                </a:tc>
-                <a:extLst>
-                  <a:ext uri="{0D108BD9-81ED-4DB2-BD59-A6C34878D82A}">
-                    <a16:rowId xmlns:a16="http://schemas.microsoft.com/office/drawing/2014/main" val="2211568318"/>
-                  </a:ext>
-                </a:extLst>
-              </a:tr>
-              <a:tr h="370840">
-                <a:tc>
-                  <a:txBody>
-                    <a:bodyPr/>
-                    <a:lstStyle/>
-                    <a:p>
-                      <a:r>
-                        <a:rPr lang="en-US" dirty="0"/>
-                        <a:t>mean</a:t>
-                      </a:r>
-                    </a:p>
-                  </a:txBody>
-                  <a:tcPr/>
-                </a:tc>
-                <a:tc>
-                  <a:txBody>
-                    <a:bodyPr/>
-                    <a:lstStyle/>
-                    <a:p>
-                      <a:r>
-                        <a:rPr lang="en-US" dirty="0">
-                          <a:effectLst/>
-                        </a:rPr>
-                        <a:t>0.402</a:t>
-                      </a:r>
-                      <a:endParaRPr lang="en-US" dirty="0"/>
-                    </a:p>
-                  </a:txBody>
-                  <a:tcPr/>
-                </a:tc>
-                <a:tc>
-                  <a:txBody>
-                    <a:bodyPr/>
-                    <a:lstStyle/>
-                    <a:p>
-                      <a:r>
-                        <a:rPr lang="en-US" dirty="0">
-                          <a:effectLst/>
-                        </a:rPr>
-                        <a:t>0.675</a:t>
-                      </a:r>
-                      <a:endParaRPr lang="en-US" dirty="0"/>
-                    </a:p>
-                  </a:txBody>
-                  <a:tcPr/>
-                </a:tc>
-                <a:tc>
-                  <a:txBody>
-                    <a:bodyPr/>
-                    <a:lstStyle/>
-                    <a:p>
-                      <a:r>
-                        <a:rPr lang="en-US" dirty="0">
-                          <a:effectLst/>
-                        </a:rPr>
-                        <a:t>0.862</a:t>
-                      </a:r>
-                      <a:endParaRPr lang="en-US" dirty="0"/>
-                    </a:p>
-                  </a:txBody>
-                  <a:tcPr/>
-                </a:tc>
-                <a:tc>
-                  <a:txBody>
-                    <a:bodyPr/>
-                    <a:lstStyle/>
-                    <a:p>
-                      <a:r>
-                        <a:rPr lang="en-US" dirty="0">
-                          <a:effectLst/>
-                        </a:rPr>
-                        <a:t>0.966</a:t>
-                      </a:r>
-                      <a:endParaRPr lang="en-US" dirty="0"/>
-                    </a:p>
-                  </a:txBody>
-                  <a:tcPr/>
-                </a:tc>
-                <a:extLst>
-                  <a:ext uri="{0D108BD9-81ED-4DB2-BD59-A6C34878D82A}">
-                    <a16:rowId xmlns:a16="http://schemas.microsoft.com/office/drawing/2014/main" val="2979660210"/>
-                  </a:ext>
-                </a:extLst>
-              </a:tr>
-            </a:tbl>
-          </a:graphicData>
-        </a:graphic>
-      </p:graphicFrame>
-      <p:graphicFrame>
-        <p:nvGraphicFramePr>
-          <p:cNvPr id="12" name="Content Placeholder 9">
-            <a:extLst>
-              <a:ext uri="{FF2B5EF4-FFF2-40B4-BE49-F238E27FC236}">
-                <a16:creationId xmlns:a16="http://schemas.microsoft.com/office/drawing/2014/main" id="{0630DE03-8F0C-452E-B071-78985765C28B}"/>
-              </a:ext>
-            </a:extLst>
-          </p:cNvPr>
-          <p:cNvGraphicFramePr>
-            <a:graphicFrameLocks/>
-          </p:cNvGraphicFramePr>
-          <p:nvPr>
-            <p:extLst>
-              <p:ext uri="{D42A27DB-BD31-4B8C-83A1-F6EECF244321}">
-                <p14:modId xmlns:p14="http://schemas.microsoft.com/office/powerpoint/2010/main" val="50096958"/>
-              </p:ext>
-            </p:extLst>
-          </p:nvPr>
-        </p:nvGraphicFramePr>
-        <p:xfrm>
-          <a:off x="4645024" y="1438393"/>
-          <a:ext cx="4175448" cy="1010920"/>
-        </p:xfrm>
-        <a:graphic>
-          <a:graphicData uri="http://schemas.openxmlformats.org/drawingml/2006/table">
-            <a:tbl>
-              <a:tblPr firstRow="1" bandRow="1">
-                <a:tableStyleId>{5C22544A-7EE6-4342-B048-85BDC9FD1C3A}</a:tableStyleId>
-              </a:tblPr>
-              <a:tblGrid>
-                <a:gridCol w="935087">
-                  <a:extLst>
-                    <a:ext uri="{9D8B030D-6E8A-4147-A177-3AD203B41FA5}">
-                      <a16:colId xmlns:a16="http://schemas.microsoft.com/office/drawing/2014/main" val="3418444687"/>
-                    </a:ext>
-                  </a:extLst>
-                </a:gridCol>
-                <a:gridCol w="792089">
-                  <a:extLst>
-                    <a:ext uri="{9D8B030D-6E8A-4147-A177-3AD203B41FA5}">
-                      <a16:colId xmlns:a16="http://schemas.microsoft.com/office/drawing/2014/main" val="1482317519"/>
-                    </a:ext>
-                  </a:extLst>
-                </a:gridCol>
-                <a:gridCol w="864096">
-                  <a:extLst>
-                    <a:ext uri="{9D8B030D-6E8A-4147-A177-3AD203B41FA5}">
-                      <a16:colId xmlns:a16="http://schemas.microsoft.com/office/drawing/2014/main" val="2635170354"/>
-                    </a:ext>
-                  </a:extLst>
-                </a:gridCol>
-                <a:gridCol w="792088">
-                  <a:extLst>
-                    <a:ext uri="{9D8B030D-6E8A-4147-A177-3AD203B41FA5}">
-                      <a16:colId xmlns:a16="http://schemas.microsoft.com/office/drawing/2014/main" val="4196413062"/>
-                    </a:ext>
-                  </a:extLst>
-                </a:gridCol>
-                <a:gridCol w="792088">
-                  <a:extLst>
-                    <a:ext uri="{9D8B030D-6E8A-4147-A177-3AD203B41FA5}">
-                      <a16:colId xmlns:a16="http://schemas.microsoft.com/office/drawing/2014/main" val="1594189032"/>
-                    </a:ext>
-                  </a:extLst>
-                </a:gridCol>
-              </a:tblGrid>
-              <a:tr h="370840">
-                <a:tc>
-                  <a:txBody>
-                    <a:bodyPr/>
-                    <a:lstStyle/>
-                    <a:p>
-                      <a:r>
-                        <a:rPr lang="en-US" dirty="0"/>
-                        <a:t>30 genes</a:t>
-                      </a:r>
-                    </a:p>
-                  </a:txBody>
-                  <a:tcPr/>
-                </a:tc>
-                <a:tc>
-                  <a:txBody>
-                    <a:bodyPr/>
-                    <a:lstStyle/>
-                    <a:p>
-                      <a:r>
-                        <a:rPr lang="en-US" dirty="0"/>
-                        <a:t>1</a:t>
-                      </a:r>
-                    </a:p>
-                  </a:txBody>
-                  <a:tcPr/>
-                </a:tc>
-                <a:tc>
-                  <a:txBody>
-                    <a:bodyPr/>
-                    <a:lstStyle/>
-                    <a:p>
-                      <a:r>
-                        <a:rPr lang="en-US" dirty="0"/>
-                        <a:t>2</a:t>
-                      </a:r>
-                    </a:p>
-                  </a:txBody>
-                  <a:tcPr/>
-                </a:tc>
-                <a:tc>
-                  <a:txBody>
-                    <a:bodyPr/>
-                    <a:lstStyle/>
-                    <a:p>
-                      <a:r>
-                        <a:rPr lang="en-US" dirty="0"/>
-                        <a:t>3</a:t>
-                      </a:r>
-                    </a:p>
-                  </a:txBody>
-                  <a:tcPr/>
-                </a:tc>
-                <a:tc>
-                  <a:txBody>
-                    <a:bodyPr/>
-                    <a:lstStyle/>
-                    <a:p>
-                      <a:r>
-                        <a:rPr lang="en-US" dirty="0"/>
-                        <a:t>4</a:t>
-                      </a:r>
-                    </a:p>
-                  </a:txBody>
-                  <a:tcPr/>
-                </a:tc>
-                <a:extLst>
-                  <a:ext uri="{0D108BD9-81ED-4DB2-BD59-A6C34878D82A}">
-                    <a16:rowId xmlns:a16="http://schemas.microsoft.com/office/drawing/2014/main" val="1984294394"/>
-                  </a:ext>
-                </a:extLst>
-              </a:tr>
-              <a:tr h="370840">
-                <a:tc>
-                  <a:txBody>
-                    <a:bodyPr/>
-                    <a:lstStyle/>
-                    <a:p>
-                      <a:r>
-                        <a:rPr lang="en-US" dirty="0"/>
-                        <a:t>mean</a:t>
-                      </a:r>
-                    </a:p>
-                  </a:txBody>
-                  <a:tcPr/>
-                </a:tc>
-                <a:tc>
-                  <a:txBody>
-                    <a:bodyPr/>
-                    <a:lstStyle/>
-                    <a:p>
-                      <a:r>
-                        <a:rPr lang="en-US" dirty="0">
-                          <a:effectLst/>
-                        </a:rPr>
-                        <a:t>0.349</a:t>
-                      </a:r>
-                      <a:endParaRPr lang="en-US" dirty="0"/>
-                    </a:p>
-                  </a:txBody>
-                  <a:tcPr/>
-                </a:tc>
-                <a:tc>
-                  <a:txBody>
-                    <a:bodyPr/>
-                    <a:lstStyle/>
-                    <a:p>
-                      <a:r>
-                        <a:rPr lang="en-US" dirty="0">
-                          <a:effectLst/>
-                        </a:rPr>
-                        <a:t>0.576</a:t>
-                      </a:r>
-                      <a:endParaRPr lang="en-US" dirty="0"/>
-                    </a:p>
-                  </a:txBody>
-                  <a:tcPr/>
-                </a:tc>
-                <a:tc>
-                  <a:txBody>
-                    <a:bodyPr/>
-                    <a:lstStyle/>
-                    <a:p>
-                      <a:r>
-                        <a:rPr lang="en-US" dirty="0">
-                          <a:effectLst/>
-                        </a:rPr>
-                        <a:t>0.825</a:t>
-                      </a:r>
-                      <a:endParaRPr lang="en-US" dirty="0"/>
-                    </a:p>
-                  </a:txBody>
-                  <a:tcPr/>
-                </a:tc>
-                <a:tc>
-                  <a:txBody>
-                    <a:bodyPr/>
-                    <a:lstStyle/>
-                    <a:p>
-                      <a:r>
-                        <a:rPr lang="en-US" dirty="0">
-                          <a:effectLst/>
-                        </a:rPr>
-                        <a:t>0.951</a:t>
-                      </a:r>
-                      <a:endParaRPr lang="en-US" dirty="0"/>
-                    </a:p>
-                  </a:txBody>
-                  <a:tcPr/>
-                </a:tc>
-                <a:extLst>
-                  <a:ext uri="{0D108BD9-81ED-4DB2-BD59-A6C34878D82A}">
-                    <a16:rowId xmlns:a16="http://schemas.microsoft.com/office/drawing/2014/main" val="33640178"/>
-                  </a:ext>
-                </a:extLst>
-              </a:tr>
-            </a:tbl>
-          </a:graphicData>
-        </a:graphic>
-      </p:graphicFrame>
+              <a:rPr lang="en-US" dirty="0" smtClean="0"/>
+              <a:t>When p=2n</a:t>
+            </a:r>
+            <a:endParaRPr lang="en-US" dirty="0"/>
+          </a:p>
+        </p:txBody>
+      </p:sp>
     </p:spTree>
     <p:extLst>
       <p:ext uri="{BB962C8B-B14F-4D97-AF65-F5344CB8AC3E}">
-        <p14:creationId xmlns:p14="http://schemas.microsoft.com/office/powerpoint/2010/main" val="531135611"/>
+        <p14:creationId xmlns:p14="http://schemas.microsoft.com/office/powerpoint/2010/main" val="1392794015"/>
       </p:ext>
     </p:extLst>
   </p:cSld>
@@ -10019,13 +7989,7 @@
       </p:grpSpPr>
       <p:sp>
         <p:nvSpPr>
-          <p:cNvPr id="2" name="Title 1">
-            <a:extLst>
-              <a:ext uri="{FF2B5EF4-FFF2-40B4-BE49-F238E27FC236}">
-                <a16:creationId xmlns:a16="http://schemas.microsoft.com/office/drawing/2014/main" id="{06D5DA9A-9EC9-4ECA-9122-83F63B48B762}"/>
-              </a:ext>
-            </a:extLst>
-          </p:cNvPr>
+          <p:cNvPr id="2" name="Title 1"/>
           <p:cNvSpPr>
             <a:spLocks noGrp="1"/>
           </p:cNvSpPr>
@@ -10039,56 +8003,21 @@
           <a:lstStyle/>
           <a:p>
             <a:r>
-              <a:rPr lang="en-US" dirty="0"/>
-              <a:t>Optimal Lambda</a:t>
-            </a:r>
-          </a:p>
-        </p:txBody>
-      </p:sp>
-      <p:sp>
-        <p:nvSpPr>
-          <p:cNvPr id="3" name="Text Placeholder 2">
-            <a:extLst>
-              <a:ext uri="{FF2B5EF4-FFF2-40B4-BE49-F238E27FC236}">
-                <a16:creationId xmlns:a16="http://schemas.microsoft.com/office/drawing/2014/main" id="{783A6151-D98E-4ADD-B8D8-7A80912487F3}"/>
-              </a:ext>
-            </a:extLst>
-          </p:cNvPr>
-          <p:cNvSpPr>
-            <a:spLocks noGrp="1"/>
-          </p:cNvSpPr>
-          <p:nvPr>
-            <p:ph type="body" idx="1"/>
-          </p:nvPr>
-        </p:nvSpPr>
-        <p:spPr/>
-        <p:txBody>
-          <a:bodyPr>
-            <a:normAutofit lnSpcReduction="10000"/>
-          </a:bodyPr>
-          <a:lstStyle/>
-          <a:p>
-            <a:r>
-              <a:rPr lang="en-US" dirty="0"/>
-              <a:t>30 genes</a:t>
-            </a:r>
+              <a:rPr lang="en-US" dirty="0" smtClean="0"/>
+              <a:t>Dimension of genes=200 and total dimension=406</a:t>
+            </a:r>
+            <a:endParaRPr lang="en-US" dirty="0"/>
           </a:p>
         </p:txBody>
       </p:sp>
       <p:pic>
         <p:nvPicPr>
-          <p:cNvPr id="10" name="Content Placeholder 9">
-            <a:extLst>
-              <a:ext uri="{FF2B5EF4-FFF2-40B4-BE49-F238E27FC236}">
-                <a16:creationId xmlns:a16="http://schemas.microsoft.com/office/drawing/2014/main" id="{5DE0676C-9C3A-4E98-9FD4-33B767024C94}"/>
-              </a:ext>
-            </a:extLst>
-          </p:cNvPr>
+          <p:cNvPr id="6" name="Content Placeholder 5"/>
           <p:cNvPicPr>
             <a:picLocks noGrp="1" noChangeAspect="1"/>
           </p:cNvPicPr>
           <p:nvPr>
-            <p:ph sz="half" idx="2"/>
+            <p:ph idx="1"/>
           </p:nvPr>
         </p:nvPicPr>
         <p:blipFill>
@@ -10105,89 +8034,18 @@
         </p:blipFill>
         <p:spPr>
           <a:xfrm>
-            <a:off x="1303357" y="1403350"/>
-            <a:ext cx="2295487" cy="2963863"/>
+            <a:off x="404813" y="2070497"/>
+            <a:ext cx="8281987" cy="1380331"/>
           </a:xfrm>
         </p:spPr>
       </p:pic>
       <p:sp>
         <p:nvSpPr>
-          <p:cNvPr id="5" name="Text Placeholder 4">
-            <a:extLst>
-              <a:ext uri="{FF2B5EF4-FFF2-40B4-BE49-F238E27FC236}">
-                <a16:creationId xmlns:a16="http://schemas.microsoft.com/office/drawing/2014/main" id="{F25B34C4-4E30-4652-8309-EBCAB1918F85}"/>
-              </a:ext>
-            </a:extLst>
-          </p:cNvPr>
+          <p:cNvPr id="4" name="Footer Placeholder 3"/>
           <p:cNvSpPr>
             <a:spLocks noGrp="1"/>
           </p:cNvSpPr>
           <p:nvPr>
-            <p:ph type="body" sz="quarter" idx="3"/>
-          </p:nvPr>
-        </p:nvSpPr>
-        <p:spPr/>
-        <p:txBody>
-          <a:bodyPr>
-            <a:normAutofit lnSpcReduction="10000"/>
-          </a:bodyPr>
-          <a:lstStyle/>
-          <a:p>
-            <a:r>
-              <a:rPr lang="en-US" dirty="0"/>
-              <a:t>100 genes</a:t>
-            </a:r>
-          </a:p>
-        </p:txBody>
-      </p:sp>
-      <p:pic>
-        <p:nvPicPr>
-          <p:cNvPr id="12" name="Content Placeholder 11">
-            <a:extLst>
-              <a:ext uri="{FF2B5EF4-FFF2-40B4-BE49-F238E27FC236}">
-                <a16:creationId xmlns:a16="http://schemas.microsoft.com/office/drawing/2014/main" id="{02E50E8D-5916-4A74-A5C9-2B74E00C7B32}"/>
-              </a:ext>
-            </a:extLst>
-          </p:cNvPr>
-          <p:cNvPicPr>
-            <a:picLocks noGrp="1" noChangeAspect="1"/>
-          </p:cNvPicPr>
-          <p:nvPr>
-            <p:ph sz="quarter" idx="4"/>
-          </p:nvPr>
-        </p:nvPicPr>
-        <p:blipFill>
-          <a:blip r:embed="rId3">
-            <a:extLst>
-              <a:ext uri="{28A0092B-C50C-407E-A947-70E740481C1C}">
-                <a14:useLocalDpi xmlns:a14="http://schemas.microsoft.com/office/drawing/2010/main" val="0"/>
-              </a:ext>
-            </a:extLst>
-          </a:blip>
-          <a:stretch>
-            <a:fillRect/>
-          </a:stretch>
-        </p:blipFill>
-        <p:spPr>
-          <a:xfrm>
-            <a:off x="4645025" y="1575577"/>
-            <a:ext cx="4041775" cy="2619408"/>
-          </a:xfrm>
-        </p:spPr>
-      </p:pic>
-      <p:sp>
-        <p:nvSpPr>
-          <p:cNvPr id="7" name="Footer Placeholder 6">
-            <a:extLst>
-              <a:ext uri="{FF2B5EF4-FFF2-40B4-BE49-F238E27FC236}">
-                <a16:creationId xmlns:a16="http://schemas.microsoft.com/office/drawing/2014/main" id="{0A46F92B-BA66-4A4F-A8F1-8F6A06CE1F87}"/>
-              </a:ext>
-            </a:extLst>
-          </p:cNvPr>
-          <p:cNvSpPr>
-            <a:spLocks noGrp="1"/>
-          </p:cNvSpPr>
-          <p:nvPr>
             <p:ph type="ftr" sz="quarter" idx="11"/>
           </p:nvPr>
         </p:nvSpPr>
@@ -10197,27 +8055,27 @@
           <a:lstStyle/>
           <a:p>
             <a:r>
-              <a:rPr lang="ja-JP" altLang="en-US"/>
+              <a:rPr lang="ja-JP" altLang="en-US" smtClean="0"/>
               <a:t>｜</a:t>
             </a:r>
             <a:r>
-              <a:rPr lang="en-US" altLang="ja-JP"/>
+              <a:rPr lang="en-US" altLang="ja-JP" smtClean="0"/>
               <a:t>0000</a:t>
             </a:r>
             <a:r>
-              <a:rPr lang="ja-JP" altLang="en-US"/>
+              <a:rPr lang="ja-JP" altLang="en-US" smtClean="0"/>
               <a:t>　</a:t>
             </a:r>
             <a:r>
-              <a:rPr lang="en-US" altLang="ja-JP"/>
+              <a:rPr lang="en-US" altLang="ja-JP" smtClean="0"/>
               <a:t>|</a:t>
             </a:r>
             <a:r>
-              <a:rPr lang="ja-JP" altLang="en-US"/>
+              <a:rPr lang="ja-JP" altLang="en-US" smtClean="0"/>
               <a:t>　　</a:t>
             </a:r>
             <a:r>
-              <a:rPr lang="en-US" altLang="ja-JP"/>
+              <a:rPr lang="en-US" altLang="ja-JP" smtClean="0"/>
               <a:t>DDMMYY</a:t>
             </a:r>
             <a:endParaRPr lang="ja-JP" altLang="en-US" dirty="0"/>
@@ -10226,13 +8084,7 @@
       </p:sp>
       <p:sp>
         <p:nvSpPr>
-          <p:cNvPr id="8" name="Slide Number Placeholder 7">
-            <a:extLst>
-              <a:ext uri="{FF2B5EF4-FFF2-40B4-BE49-F238E27FC236}">
-                <a16:creationId xmlns:a16="http://schemas.microsoft.com/office/drawing/2014/main" id="{16D4CC7B-BFE7-46A0-B159-52F158EC7311}"/>
-              </a:ext>
-            </a:extLst>
-          </p:cNvPr>
+          <p:cNvPr id="5" name="Slide Number Placeholder 4"/>
           <p:cNvSpPr>
             <a:spLocks noGrp="1"/>
           </p:cNvSpPr>
@@ -10257,7 +8109,7 @@
     </p:spTree>
     <p:extLst>
       <p:ext uri="{BB962C8B-B14F-4D97-AF65-F5344CB8AC3E}">
-        <p14:creationId xmlns:p14="http://schemas.microsoft.com/office/powerpoint/2010/main" val="156289768"/>
+        <p14:creationId xmlns:p14="http://schemas.microsoft.com/office/powerpoint/2010/main" val="1795551437"/>
       </p:ext>
     </p:extLst>
   </p:cSld>
@@ -10286,7 +8138,7 @@
       </p:grpSpPr>
       <p:sp>
         <p:nvSpPr>
-          <p:cNvPr id="10" name="テキスト プレースホルダ 9"/>
+          <p:cNvPr id="2" name="Text Placeholder 1"/>
           <p:cNvSpPr>
             <a:spLocks noGrp="1"/>
           </p:cNvSpPr>
@@ -10299,11 +8151,169 @@
           <a:bodyPr/>
           <a:lstStyle/>
           <a:p>
+            <a:r>
+              <a:rPr lang="en-US" dirty="0" smtClean="0"/>
+              <a:t>When covariates are SNP</a:t>
+            </a:r>
+            <a:endParaRPr lang="en-US" dirty="0"/>
+          </a:p>
+        </p:txBody>
+      </p:sp>
+    </p:spTree>
+    <p:extLst>
+      <p:ext uri="{BB962C8B-B14F-4D97-AF65-F5344CB8AC3E}">
+        <p14:creationId xmlns:p14="http://schemas.microsoft.com/office/powerpoint/2010/main" val="1244891601"/>
+      </p:ext>
+    </p:extLst>
+  </p:cSld>
+  <p:clrMapOvr>
+    <a:masterClrMapping/>
+  </p:clrMapOvr>
+</p:sld>
+</file>
+
+<file path=ppt/slides/slide19.xml><?xml version="1.0" encoding="utf-8"?>
+<p:sld xmlns:a="http://schemas.openxmlformats.org/drawingml/2006/main" xmlns:r="http://schemas.openxmlformats.org/officeDocument/2006/relationships" xmlns:p="http://schemas.openxmlformats.org/presentationml/2006/main">
+  <p:cSld>
+    <p:spTree>
+      <p:nvGrpSpPr>
+        <p:cNvPr id="1" name=""/>
+        <p:cNvGrpSpPr/>
+        <p:nvPr/>
+      </p:nvGrpSpPr>
+      <p:grpSpPr>
+        <a:xfrm>
+          <a:off x="0" y="0"/>
+          <a:ext cx="0" cy="0"/>
+          <a:chOff x="0" y="0"/>
+          <a:chExt cx="0" cy="0"/>
+        </a:xfrm>
+      </p:grpSpPr>
+      <p:sp>
+        <p:nvSpPr>
+          <p:cNvPr id="2" name="Title 1"/>
+          <p:cNvSpPr>
+            <a:spLocks noGrp="1"/>
+          </p:cNvSpPr>
+          <p:nvPr>
+            <p:ph type="title"/>
+          </p:nvPr>
+        </p:nvSpPr>
+        <p:spPr/>
+        <p:txBody>
+          <a:bodyPr/>
+          <a:lstStyle/>
+          <a:p>
+            <a:r>
+              <a:rPr lang="en-US" dirty="0" smtClean="0"/>
+              <a:t>SNP</a:t>
+            </a:r>
+            <a:endParaRPr lang="en-US" dirty="0"/>
+          </a:p>
+        </p:txBody>
+      </p:sp>
+      <p:pic>
+        <p:nvPicPr>
+          <p:cNvPr id="6" name="Content Placeholder 5"/>
+          <p:cNvPicPr>
+            <a:picLocks noGrp="1" noChangeAspect="1"/>
+          </p:cNvPicPr>
+          <p:nvPr>
+            <p:ph idx="1"/>
+          </p:nvPr>
+        </p:nvPicPr>
+        <p:blipFill>
+          <a:blip r:embed="rId2">
+            <a:extLst>
+              <a:ext uri="{28A0092B-C50C-407E-A947-70E740481C1C}">
+                <a14:useLocalDpi xmlns:a14="http://schemas.microsoft.com/office/drawing/2010/main" val="0"/>
+              </a:ext>
+            </a:extLst>
+          </a:blip>
+          <a:stretch>
+            <a:fillRect/>
+          </a:stretch>
+        </p:blipFill>
+        <p:spPr>
+          <a:xfrm>
+            <a:off x="404813" y="2070497"/>
+            <a:ext cx="8281987" cy="1380331"/>
+          </a:xfrm>
+        </p:spPr>
+      </p:pic>
+      <p:sp>
+        <p:nvSpPr>
+          <p:cNvPr id="4" name="Footer Placeholder 3"/>
+          <p:cNvSpPr>
+            <a:spLocks noGrp="1"/>
+          </p:cNvSpPr>
+          <p:nvPr>
+            <p:ph type="ftr" sz="quarter" idx="11"/>
+          </p:nvPr>
+        </p:nvSpPr>
+        <p:spPr/>
+        <p:txBody>
+          <a:bodyPr/>
+          <a:lstStyle/>
+          <a:p>
+            <a:r>
+              <a:rPr lang="ja-JP" altLang="en-US" smtClean="0"/>
+              <a:t>｜</a:t>
+            </a:r>
+            <a:r>
+              <a:rPr lang="en-US" altLang="ja-JP" smtClean="0"/>
+              <a:t>0000</a:t>
+            </a:r>
+            <a:r>
+              <a:rPr lang="ja-JP" altLang="en-US" smtClean="0"/>
+              <a:t>　</a:t>
+            </a:r>
+            <a:r>
+              <a:rPr lang="en-US" altLang="ja-JP" smtClean="0"/>
+              <a:t>|</a:t>
+            </a:r>
+            <a:r>
+              <a:rPr lang="ja-JP" altLang="en-US" smtClean="0"/>
+              <a:t>　　</a:t>
+            </a:r>
+            <a:r>
+              <a:rPr lang="en-US" altLang="ja-JP" smtClean="0"/>
+              <a:t>DDMMYY</a:t>
+            </a:r>
+            <a:endParaRPr lang="ja-JP" altLang="en-US" dirty="0"/>
+          </a:p>
+        </p:txBody>
+      </p:sp>
+      <p:sp>
+        <p:nvSpPr>
+          <p:cNvPr id="5" name="Slide Number Placeholder 4"/>
+          <p:cNvSpPr>
+            <a:spLocks noGrp="1"/>
+          </p:cNvSpPr>
+          <p:nvPr>
+            <p:ph type="sldNum" sz="quarter" idx="12"/>
+          </p:nvPr>
+        </p:nvSpPr>
+        <p:spPr/>
+        <p:txBody>
+          <a:bodyPr/>
+          <a:lstStyle/>
+          <a:p>
+            <a:fld id="{E9B57936-92EF-4126-AE48-1D9D36D15E98}" type="slidenum">
+              <a:rPr kumimoji="1" lang="ja-JP" altLang="en-US" smtClean="0"/>
+              <a:pPr/>
+              <a:t>18</a:t>
+            </a:fld>
             <a:endParaRPr kumimoji="1" lang="ja-JP" altLang="en-US" dirty="0"/>
           </a:p>
         </p:txBody>
       </p:sp>
     </p:spTree>
+    <p:extLst>
+      <p:ext uri="{BB962C8B-B14F-4D97-AF65-F5344CB8AC3E}">
+        <p14:creationId xmlns:p14="http://schemas.microsoft.com/office/powerpoint/2010/main" val="559225134"/>
+      </p:ext>
+    </p:extLst>
   </p:cSld>
   <p:clrMapOvr>
     <a:masterClrMapping/>
@@ -10363,7 +8373,12 @@
                 <p:ph idx="1"/>
               </p:nvPr>
             </p:nvSpPr>
-            <p:spPr/>
+            <p:spPr>
+              <a:xfrm>
+                <a:off x="628650" y="1369219"/>
+                <a:ext cx="7886700" cy="3263504"/>
+              </a:xfrm>
+            </p:spPr>
             <p:txBody>
               <a:bodyPr>
                 <a:normAutofit/>
@@ -10380,159 +8395,66 @@
                     </m:oMathParaPr>
                     <m:oMath xmlns:m="http://schemas.openxmlformats.org/officeDocument/2006/math">
                       <m:r>
-                        <a:rPr lang="en-US" sz="2800" i="1" smtClean="0">
+                        <a:rPr lang="en-US" sz="2800" i="1">
                           <a:latin typeface="Cambria Math" panose="02040503050406030204" pitchFamily="18" charset="0"/>
                         </a:rPr>
                         <m:t>𝑌</m:t>
                       </m:r>
                       <m:r>
-                        <a:rPr lang="en-US" sz="2800" i="1" smtClean="0">
+                        <a:rPr lang="en-US" sz="2800" i="1">
                           <a:latin typeface="Cambria Math" panose="02040503050406030204" pitchFamily="18" charset="0"/>
                         </a:rPr>
                         <m:t>∼</m:t>
                       </m:r>
                       <m:r>
-                        <a:rPr lang="en-US" sz="2800" i="1" smtClean="0">
+                        <a:rPr lang="en-US" sz="2800" i="1">
                           <a:latin typeface="Cambria Math" panose="02040503050406030204" pitchFamily="18" charset="0"/>
                         </a:rPr>
                         <m:t>𝑋</m:t>
                       </m:r>
                       <m:r>
-                        <a:rPr lang="en-US" sz="2800" i="1" smtClean="0">
+                        <a:rPr lang="en-US" sz="2800" i="1">
                           <a:latin typeface="Cambria Math" panose="02040503050406030204" pitchFamily="18" charset="0"/>
                         </a:rPr>
                         <m:t>𝛽</m:t>
                       </m:r>
-                      <m:r>
-                        <a:rPr lang="en-US" sz="2800" i="1" smtClean="0">
-                          <a:latin typeface="Cambria Math" panose="02040503050406030204" pitchFamily="18" charset="0"/>
-                        </a:rPr>
-                        <m:t>+</m:t>
-                      </m:r>
-                      <m:r>
-                        <a:rPr lang="en-US" sz="2800" i="1" smtClean="0">
-                          <a:latin typeface="Cambria Math" panose="02040503050406030204" pitchFamily="18" charset="0"/>
-                        </a:rPr>
-                        <m:t>𝑊</m:t>
-                      </m:r>
-                      <m:r>
-                        <a:rPr lang="en-US" sz="2800" i="1" smtClean="0">
-                          <a:latin typeface="Cambria Math" panose="02040503050406030204" pitchFamily="18" charset="0"/>
-                        </a:rPr>
-                        <m:t>𝜏</m:t>
-                      </m:r>
-                      <m:r>
-                        <a:rPr lang="en-US" sz="2800" i="1" smtClean="0">
-                          <a:latin typeface="Cambria Math" panose="02040503050406030204" pitchFamily="18" charset="0"/>
-                        </a:rPr>
-                        <m:t>+</m:t>
-                      </m:r>
-                      <m:sSub>
-                        <m:sSubPr>
-                          <m:ctrlPr>
-                            <a:rPr lang="en-US" sz="2800" i="1">
-                              <a:latin typeface="Cambria Math" panose="02040503050406030204" pitchFamily="18" charset="0"/>
-                            </a:rPr>
-                          </m:ctrlPr>
-                        </m:sSubPr>
-                        <m:e>
-                          <m:r>
-                            <a:rPr lang="en-US" sz="2800" i="1">
-                              <a:latin typeface="Cambria Math" panose="02040503050406030204" pitchFamily="18" charset="0"/>
-                            </a:rPr>
-                            <m:t>𝐺</m:t>
-                          </m:r>
-                        </m:e>
-                        <m:sub>
-                          <m:r>
-                            <a:rPr lang="en-US" sz="2800" i="1">
-                              <a:latin typeface="Cambria Math" panose="02040503050406030204" pitchFamily="18" charset="0"/>
-                            </a:rPr>
-                            <m:t>1</m:t>
-                          </m:r>
-                        </m:sub>
-                      </m:sSub>
-                      <m:sSub>
-                        <m:sSubPr>
-                          <m:ctrlPr>
-                            <a:rPr lang="en-US" sz="2800" i="1">
-                              <a:latin typeface="Cambria Math" panose="02040503050406030204" pitchFamily="18" charset="0"/>
-                            </a:rPr>
-                          </m:ctrlPr>
-                        </m:sSubPr>
-                        <m:e>
-                          <m:r>
-                            <a:rPr lang="en-US" sz="2800" i="1">
-                              <a:latin typeface="Cambria Math" panose="02040503050406030204" pitchFamily="18" charset="0"/>
-                            </a:rPr>
-                            <m:t>𝛼</m:t>
-                          </m:r>
-                        </m:e>
-                        <m:sub>
-                          <m:r>
-                            <a:rPr lang="en-US" sz="2800" i="1">
-                              <a:latin typeface="Cambria Math" panose="02040503050406030204" pitchFamily="18" charset="0"/>
-                            </a:rPr>
-                            <m:t>1</m:t>
-                          </m:r>
-                        </m:sub>
-                      </m:sSub>
                       <m:r>
                         <a:rPr lang="en-US" sz="2800" i="1">
                           <a:latin typeface="Cambria Math" panose="02040503050406030204" pitchFamily="18" charset="0"/>
                         </a:rPr>
                         <m:t>+</m:t>
                       </m:r>
-                      <m:sSub>
-                        <m:sSubPr>
-                          <m:ctrlPr>
-                            <a:rPr lang="en-US" sz="2800" i="1">
-                              <a:latin typeface="Cambria Math" panose="02040503050406030204" pitchFamily="18" charset="0"/>
-                            </a:rPr>
-                          </m:ctrlPr>
-                        </m:sSubPr>
-                        <m:e>
-                          <m:r>
-                            <a:rPr lang="en-US" sz="2800" i="1">
-                              <a:latin typeface="Cambria Math" panose="02040503050406030204" pitchFamily="18" charset="0"/>
-                            </a:rPr>
-                            <m:t>𝐺</m:t>
-                          </m:r>
-                        </m:e>
-                        <m:sub>
-                          <m:r>
-                            <a:rPr lang="en-US" sz="2800" i="1">
-                              <a:latin typeface="Cambria Math" panose="02040503050406030204" pitchFamily="18" charset="0"/>
-                            </a:rPr>
-                            <m:t>2</m:t>
-                          </m:r>
-                        </m:sub>
-                      </m:sSub>
-                      <m:sSub>
-                        <m:sSubPr>
-                          <m:ctrlPr>
-                            <a:rPr lang="en-US" sz="2800" i="1">
-                              <a:latin typeface="Cambria Math" panose="02040503050406030204" pitchFamily="18" charset="0"/>
-                            </a:rPr>
-                          </m:ctrlPr>
-                        </m:sSubPr>
-                        <m:e>
-                          <m:r>
-                            <a:rPr lang="en-US" sz="2800" i="1">
-                              <a:latin typeface="Cambria Math" panose="02040503050406030204" pitchFamily="18" charset="0"/>
-                            </a:rPr>
-                            <m:t>𝛼</m:t>
-                          </m:r>
-                        </m:e>
-                        <m:sub>
-                          <m:r>
-                            <a:rPr lang="en-US" sz="2800" i="1">
-                              <a:latin typeface="Cambria Math" panose="02040503050406030204" pitchFamily="18" charset="0"/>
-                            </a:rPr>
-                            <m:t>2</m:t>
-                          </m:r>
-                        </m:sub>
-                      </m:sSub>
+                      <m:r>
+                        <a:rPr lang="en-US" sz="2800" i="1">
+                          <a:latin typeface="Cambria Math" panose="02040503050406030204" pitchFamily="18" charset="0"/>
+                        </a:rPr>
+                        <m:t>𝑊</m:t>
+                      </m:r>
+                      <m:r>
+                        <a:rPr lang="en-US" sz="2800" i="1">
+                          <a:latin typeface="Cambria Math" panose="02040503050406030204" pitchFamily="18" charset="0"/>
+                        </a:rPr>
+                        <m:t>𝜏</m:t>
+                      </m:r>
+                      <m:r>
+                        <a:rPr lang="en-US" sz="2800" i="1">
+                          <a:latin typeface="Cambria Math" panose="02040503050406030204" pitchFamily="18" charset="0"/>
+                        </a:rPr>
+                        <m:t>+</m:t>
+                      </m:r>
+                      <m:r>
+                        <a:rPr lang="en-US" sz="2800" i="1">
+                          <a:latin typeface="Cambria Math" panose="02040503050406030204" pitchFamily="18" charset="0"/>
+                        </a:rPr>
+                        <m:t>𝐺</m:t>
+                      </m:r>
+                      <m:r>
+                        <a:rPr lang="en-US" sz="2800" i="1">
+                          <a:latin typeface="Cambria Math" panose="02040503050406030204" pitchFamily="18" charset="0"/>
+                          <a:ea typeface="Cambria Math" panose="02040503050406030204" pitchFamily="18" charset="0"/>
+                        </a:rPr>
+                        <m:t>𝛼</m:t>
+                      </m:r>
                       <m:r>
                         <a:rPr lang="en-US" sz="2800" i="1">
                           <a:latin typeface="Cambria Math" panose="02040503050406030204" pitchFamily="18" charset="0"/>
@@ -10551,31 +8473,12 @@
                         </a:rPr>
                         <m:t>⊗</m:t>
                       </m:r>
-                      <m:sSub>
-                        <m:sSubPr>
-                          <m:ctrlPr>
-                            <a:rPr lang="en-US" sz="2800" i="1">
-                              <a:latin typeface="Cambria Math" panose="02040503050406030204" pitchFamily="18" charset="0"/>
-                            </a:rPr>
-                          </m:ctrlPr>
-                        </m:sSubPr>
-                        <m:e>
-                          <m:r>
-                            <a:rPr lang="en-US" sz="2800" i="1">
-                              <a:latin typeface="Cambria Math" panose="02040503050406030204" pitchFamily="18" charset="0"/>
-                            </a:rPr>
-                            <m:t>𝐺</m:t>
-                          </m:r>
-                        </m:e>
-                        <m:sub>
-                          <m:r>
-                            <a:rPr lang="en-US" sz="2800" i="1">
-                              <a:latin typeface="Cambria Math" panose="02040503050406030204" pitchFamily="18" charset="0"/>
-                            </a:rPr>
-                            <m:t>2</m:t>
-                          </m:r>
-                        </m:sub>
-                      </m:sSub>
+                      <m:r>
+                        <a:rPr lang="en-US" sz="2800" i="1">
+                          <a:latin typeface="Cambria Math" panose="02040503050406030204" pitchFamily="18" charset="0"/>
+                        </a:rPr>
+                        <m:t>𝐺</m:t>
+                      </m:r>
                       <m:r>
                         <a:rPr lang="en-US" sz="2800" i="1">
                           <a:latin typeface="Cambria Math" panose="02040503050406030204" pitchFamily="18" charset="0"/>
@@ -10601,7 +8504,7 @@
                       <m:funcPr>
                         <m:ctrlPr>
                           <a:rPr lang="en-US" sz="2800" i="1">
-                            <a:latin typeface="Cambria Math" panose="02040503050406030204" pitchFamily="18" charset="0"/>
+                            <a:latin typeface="Cambria Math" charset="0"/>
                           </a:rPr>
                         </m:ctrlPr>
                       </m:funcPr>
@@ -10610,7 +8513,7 @@
                           <m:limLowPr>
                             <m:ctrlPr>
                               <a:rPr lang="en-US" sz="2800" i="1">
-                                <a:latin typeface="Cambria Math" panose="02040503050406030204" pitchFamily="18" charset="0"/>
+                                <a:latin typeface="Cambria Math" charset="0"/>
                               </a:rPr>
                             </m:ctrlPr>
                           </m:limLowPr>
@@ -10645,7 +8548,7 @@
                             <m:endChr m:val="]"/>
                             <m:ctrlPr>
                               <a:rPr lang="en-US" sz="2800" i="1">
-                                <a:latin typeface="Cambria Math" panose="02040503050406030204" pitchFamily="18" charset="0"/>
+                                <a:latin typeface="Cambria Math" charset="0"/>
                               </a:rPr>
                             </m:ctrlPr>
                           </m:dPr>
@@ -10654,7 +8557,7 @@
                               <m:sSubSupPr>
                                 <m:ctrlPr>
                                   <a:rPr lang="en-US" sz="2800" i="1">
-                                    <a:latin typeface="Cambria Math" panose="02040503050406030204" pitchFamily="18" charset="0"/>
+                                    <a:latin typeface="Cambria Math" charset="0"/>
                                   </a:rPr>
                                 </m:ctrlPr>
                               </m:sSubSupPr>
@@ -10665,7 +8568,7 @@
                                     <m:endChr m:val="‖"/>
                                     <m:ctrlPr>
                                       <a:rPr lang="en-US" sz="2800" i="1">
-                                        <a:latin typeface="Cambria Math" panose="02040503050406030204" pitchFamily="18" charset="0"/>
+                                        <a:latin typeface="Cambria Math" charset="0"/>
                                       </a:rPr>
                                     </m:ctrlPr>
                                   </m:dPr>
@@ -10692,7 +8595,7 @@
                                       <m:dPr>
                                         <m:ctrlPr>
                                           <a:rPr lang="en-US" sz="2800" i="1">
-                                            <a:latin typeface="Cambria Math" panose="02040503050406030204" pitchFamily="18" charset="0"/>
+                                            <a:latin typeface="Cambria Math" charset="0"/>
                                           </a:rPr>
                                         </m:ctrlPr>
                                       </m:dPr>
@@ -10813,68 +8716,111 @@
                               <m:dPr>
                                 <m:ctrlPr>
                                   <a:rPr lang="en-US" sz="2800" i="1">
-                                    <a:latin typeface="Cambria Math" panose="02040503050406030204" pitchFamily="18" charset="0"/>
+                                    <a:latin typeface="Cambria Math" charset="0"/>
                                   </a:rPr>
                                 </m:ctrlPr>
                               </m:dPr>
                               <m:e>
-                                <m:sSub>
-                                  <m:sSubPr>
+                                <m:nary>
+                                  <m:naryPr>
+                                    <m:chr m:val="∑"/>
+                                    <m:subHide m:val="on"/>
+                                    <m:supHide m:val="on"/>
                                     <m:ctrlPr>
                                       <a:rPr lang="en-US" sz="2800" i="1">
-                                        <a:latin typeface="Cambria Math" panose="02040503050406030204" pitchFamily="18" charset="0"/>
+                                        <a:latin typeface="Cambria Math" charset="0"/>
                                       </a:rPr>
                                     </m:ctrlPr>
-                                  </m:sSubPr>
+                                  </m:naryPr>
+                                  <m:sub/>
+                                  <m:sup/>
                                   <m:e>
-                                    <m:d>
-                                      <m:dPr>
-                                        <m:begChr m:val="|"/>
-                                        <m:endChr m:val="|"/>
+                                    <m:sSub>
+                                      <m:sSubPr>
                                         <m:ctrlPr>
+                                          <a:rPr lang="en-US" sz="2800" i="1">
+                                            <a:latin typeface="Cambria Math" charset="0"/>
+                                          </a:rPr>
+                                        </m:ctrlPr>
+                                      </m:sSubPr>
+                                      <m:e>
+                                        <m:r>
+                                          <a:rPr lang="en-US" sz="2800" i="1">
+                                            <a:latin typeface="Cambria Math" panose="02040503050406030204" pitchFamily="18" charset="0"/>
+                                            <a:ea typeface="Cambria Math" panose="02040503050406030204" pitchFamily="18" charset="0"/>
+                                          </a:rPr>
+                                          <m:t>𝜑</m:t>
+                                        </m:r>
+                                      </m:e>
+                                      <m:sub>
+                                        <m:r>
                                           <a:rPr lang="en-US" sz="2800" i="1">
                                             <a:latin typeface="Cambria Math" panose="02040503050406030204" pitchFamily="18" charset="0"/>
                                           </a:rPr>
+                                          <m:t>𝑖</m:t>
+                                        </m:r>
+                                      </m:sub>
+                                    </m:sSub>
+                                    <m:sSub>
+                                      <m:sSubPr>
+                                        <m:ctrlPr>
+                                          <a:rPr lang="en-US" sz="2800" i="1">
+                                            <a:latin typeface="Cambria Math" charset="0"/>
+                                          </a:rPr>
                                         </m:ctrlPr>
-                                      </m:dPr>
+                                      </m:sSubPr>
                                       <m:e>
-                                        <m:sSub>
-                                          <m:sSubPr>
+                                        <m:d>
+                                          <m:dPr>
+                                            <m:begChr m:val="|"/>
+                                            <m:endChr m:val="|"/>
                                             <m:ctrlPr>
                                               <a:rPr lang="en-US" sz="2800" i="1">
-                                                <a:latin typeface="Cambria Math" panose="02040503050406030204" pitchFamily="18" charset="0"/>
+                                                <a:latin typeface="Cambria Math" charset="0"/>
                                               </a:rPr>
                                             </m:ctrlPr>
-                                          </m:sSubPr>
+                                          </m:dPr>
                                           <m:e>
-                                            <m:r>
-                                              <a:rPr lang="en-US" sz="2800" i="1">
-                                                <a:latin typeface="Cambria Math" panose="02040503050406030204" pitchFamily="18" charset="0"/>
-                                              </a:rPr>
-                                              <m:t>𝛼</m:t>
-                                            </m:r>
+                                            <m:sSub>
+                                              <m:sSubPr>
+                                                <m:ctrlPr>
+                                                  <a:rPr lang="en-US" sz="2800" i="1">
+                                                    <a:latin typeface="Cambria Math" charset="0"/>
+                                                  </a:rPr>
+                                                </m:ctrlPr>
+                                              </m:sSubPr>
+                                              <m:e>
+                                                <m:r>
+                                                  <a:rPr lang="en-US" sz="2800" i="1">
+                                                    <a:latin typeface="Cambria Math" panose="02040503050406030204" pitchFamily="18" charset="0"/>
+                                                    <a:ea typeface="Cambria Math" panose="02040503050406030204" pitchFamily="18" charset="0"/>
+                                                  </a:rPr>
+                                                  <m:t>𝛾</m:t>
+                                                </m:r>
+                                              </m:e>
+                                              <m:sub>
+                                                <m:r>
+                                                  <a:rPr lang="en-US" sz="2800" i="1">
+                                                    <a:latin typeface="Cambria Math" panose="02040503050406030204" pitchFamily="18" charset="0"/>
+                                                  </a:rPr>
+                                                  <m:t>𝑖</m:t>
+                                                </m:r>
+                                              </m:sub>
+                                            </m:sSub>
                                           </m:e>
-                                          <m:sub>
-                                            <m:r>
-                                              <a:rPr lang="en-US" sz="2800" i="1">
-                                                <a:latin typeface="Cambria Math" panose="02040503050406030204" pitchFamily="18" charset="0"/>
-                                              </a:rPr>
-                                              <m:t>1</m:t>
-                                            </m:r>
-                                          </m:sub>
-                                        </m:sSub>
+                                        </m:d>
                                       </m:e>
-                                    </m:d>
+                                      <m:sub>
+                                        <m:r>
+                                          <a:rPr lang="en-US" sz="2800" i="1">
+                                            <a:latin typeface="Cambria Math" panose="02040503050406030204" pitchFamily="18" charset="0"/>
+                                          </a:rPr>
+                                          <m:t>1</m:t>
+                                        </m:r>
+                                      </m:sub>
+                                    </m:sSub>
                                   </m:e>
-                                  <m:sub>
-                                    <m:r>
-                                      <a:rPr lang="en-US" sz="2800" i="1">
-                                        <a:latin typeface="Cambria Math" panose="02040503050406030204" pitchFamily="18" charset="0"/>
-                                      </a:rPr>
-                                      <m:t>1</m:t>
-                                    </m:r>
-                                  </m:sub>
-                                </m:sSub>
+                                </m:nary>
                                 <m:r>
                                   <a:rPr lang="en-US" sz="2800" i="1">
                                     <a:latin typeface="Cambria Math" panose="02040503050406030204" pitchFamily="18" charset="0"/>
@@ -10887,7 +8833,7 @@
                                     <m:supHide m:val="on"/>
                                     <m:ctrlPr>
                                       <a:rPr lang="en-US" sz="2800" i="1">
-                                        <a:latin typeface="Cambria Math" panose="02040503050406030204" pitchFamily="18" charset="0"/>
+                                        <a:latin typeface="Cambria Math" charset="0"/>
                                       </a:rPr>
                                     </m:ctrlPr>
                                   </m:naryPr>
@@ -10905,7 +8851,7 @@
                                       <m:sSubPr>
                                         <m:ctrlPr>
                                           <a:rPr lang="en-US" sz="2800" i="1">
-                                            <a:latin typeface="Cambria Math" panose="02040503050406030204" pitchFamily="18" charset="0"/>
+                                            <a:latin typeface="Cambria Math" charset="0"/>
                                           </a:rPr>
                                         </m:ctrlPr>
                                       </m:sSubPr>
@@ -10931,7 +8877,7 @@
                                         <m:degHide m:val="on"/>
                                         <m:ctrlPr>
                                           <a:rPr lang="en-US" sz="2800" i="1">
-                                            <a:latin typeface="Cambria Math" panose="02040503050406030204" pitchFamily="18" charset="0"/>
+                                            <a:latin typeface="Cambria Math" charset="0"/>
                                           </a:rPr>
                                         </m:ctrlPr>
                                       </m:radPr>
@@ -10941,7 +8887,7 @@
                                           <m:sSubSupPr>
                                             <m:ctrlPr>
                                               <a:rPr lang="en-US" sz="2800" i="1">
-                                                <a:latin typeface="Cambria Math" panose="02040503050406030204" pitchFamily="18" charset="0"/>
+                                                <a:latin typeface="Cambria Math" charset="0"/>
                                               </a:rPr>
                                             </m:ctrlPr>
                                           </m:sSubSupPr>
@@ -10954,12 +8900,6 @@
                                             </m:r>
                                           </m:e>
                                           <m:sub>
-                                            <m:r>
-                                              <a:rPr lang="en-US" sz="2800" i="1">
-                                                <a:latin typeface="Cambria Math" panose="02040503050406030204" pitchFamily="18" charset="0"/>
-                                              </a:rPr>
-                                              <m:t>2</m:t>
-                                            </m:r>
                                             <m:r>
                                               <a:rPr lang="en-US" sz="2800" i="1">
                                                 <a:latin typeface="Cambria Math" panose="02040503050406030204" pitchFamily="18" charset="0"/>
@@ -10986,7 +8926,7 @@
                                           <m:sSubSupPr>
                                             <m:ctrlPr>
                                               <a:rPr lang="en-US" sz="2800" i="1">
-                                                <a:latin typeface="Cambria Math" panose="02040503050406030204" pitchFamily="18" charset="0"/>
+                                                <a:latin typeface="Cambria Math" charset="0"/>
                                               </a:rPr>
                                             </m:ctrlPr>
                                           </m:sSubSupPr>
@@ -11025,6 +8965,142 @@
                         </m:d>
                       </m:e>
                     </m:func>
+                    <m:r>
+                      <a:rPr lang="en-US" sz="2800" i="1">
+                        <a:latin typeface="Cambria Math" panose="02040503050406030204" pitchFamily="18" charset="0"/>
+                      </a:rPr>
+                      <m:t>+</m:t>
+                    </m:r>
+                    <m:r>
+                      <a:rPr lang="en-US" sz="2800" i="1">
+                        <a:latin typeface="Cambria Math" panose="02040503050406030204" pitchFamily="18" charset="0"/>
+                        <a:ea typeface="Cambria Math" panose="02040503050406030204" pitchFamily="18" charset="0"/>
+                      </a:rPr>
+                      <m:t>𝜌</m:t>
+                    </m:r>
+                    <m:r>
+                      <a:rPr lang="en-US" sz="2800" i="1">
+                        <a:latin typeface="Cambria Math" panose="02040503050406030204" pitchFamily="18" charset="0"/>
+                        <a:ea typeface="Cambria Math" panose="02040503050406030204" pitchFamily="18" charset="0"/>
+                      </a:rPr>
+                      <m:t>(</m:t>
+                    </m:r>
+                    <m:sSubSup>
+                      <m:sSubSupPr>
+                        <m:ctrlPr>
+                          <a:rPr lang="en-US" sz="2800" i="1">
+                            <a:latin typeface="Cambria Math" charset="0"/>
+                            <a:ea typeface="Cambria Math" panose="02040503050406030204" pitchFamily="18" charset="0"/>
+                          </a:rPr>
+                        </m:ctrlPr>
+                      </m:sSubSupPr>
+                      <m:e>
+                        <m:d>
+                          <m:dPr>
+                            <m:begChr m:val="‖"/>
+                            <m:endChr m:val="‖"/>
+                            <m:ctrlPr>
+                              <a:rPr lang="en-US" sz="2800" i="1">
+                                <a:latin typeface="Cambria Math" charset="0"/>
+                                <a:ea typeface="Cambria Math" panose="02040503050406030204" pitchFamily="18" charset="0"/>
+                              </a:rPr>
+                            </m:ctrlPr>
+                          </m:dPr>
+                          <m:e>
+                            <m:r>
+                              <a:rPr lang="en-US" sz="2800" i="1">
+                                <a:latin typeface="Cambria Math" panose="02040503050406030204" pitchFamily="18" charset="0"/>
+                                <a:ea typeface="Cambria Math" panose="02040503050406030204" pitchFamily="18" charset="0"/>
+                              </a:rPr>
+                              <m:t>𝛼</m:t>
+                            </m:r>
+                          </m:e>
+                        </m:d>
+                      </m:e>
+                      <m:sub>
+                        <m:r>
+                          <a:rPr lang="en-US" sz="2800" i="1">
+                            <a:latin typeface="Cambria Math" panose="02040503050406030204" pitchFamily="18" charset="0"/>
+                            <a:ea typeface="Cambria Math" panose="02040503050406030204" pitchFamily="18" charset="0"/>
+                          </a:rPr>
+                          <m:t>2</m:t>
+                        </m:r>
+                      </m:sub>
+                      <m:sup>
+                        <m:r>
+                          <a:rPr lang="en-US" sz="2800" i="1">
+                            <a:latin typeface="Cambria Math" panose="02040503050406030204" pitchFamily="18" charset="0"/>
+                            <a:ea typeface="Cambria Math" panose="02040503050406030204" pitchFamily="18" charset="0"/>
+                          </a:rPr>
+                          <m:t>2</m:t>
+                        </m:r>
+                      </m:sup>
+                    </m:sSubSup>
+                    <m:r>
+                      <a:rPr lang="en-US" sz="2800" i="1">
+                        <a:latin typeface="Cambria Math" panose="02040503050406030204" pitchFamily="18" charset="0"/>
+                        <a:ea typeface="Cambria Math" panose="02040503050406030204" pitchFamily="18" charset="0"/>
+                      </a:rPr>
+                      <m:t>+</m:t>
+                    </m:r>
+                    <m:sSubSup>
+                      <m:sSubSupPr>
+                        <m:ctrlPr>
+                          <a:rPr lang="en-US" sz="2800" i="1">
+                            <a:latin typeface="Cambria Math" charset="0"/>
+                            <a:ea typeface="Cambria Math" panose="02040503050406030204" pitchFamily="18" charset="0"/>
+                          </a:rPr>
+                        </m:ctrlPr>
+                      </m:sSubSupPr>
+                      <m:e>
+                        <m:d>
+                          <m:dPr>
+                            <m:begChr m:val="‖"/>
+                            <m:endChr m:val="‖"/>
+                            <m:ctrlPr>
+                              <a:rPr lang="en-US" sz="2800" i="1">
+                                <a:latin typeface="Cambria Math" charset="0"/>
+                                <a:ea typeface="Cambria Math" panose="02040503050406030204" pitchFamily="18" charset="0"/>
+                              </a:rPr>
+                            </m:ctrlPr>
+                          </m:dPr>
+                          <m:e>
+                            <m:r>
+                              <a:rPr lang="en-US" sz="2800" i="1">
+                                <a:latin typeface="Cambria Math" panose="02040503050406030204" pitchFamily="18" charset="0"/>
+                                <a:ea typeface="Cambria Math" panose="02040503050406030204" pitchFamily="18" charset="0"/>
+                              </a:rPr>
+                              <m:t>𝛾</m:t>
+                            </m:r>
+                          </m:e>
+                        </m:d>
+                      </m:e>
+                      <m:sub>
+                        <m:r>
+                          <a:rPr lang="en-US" sz="2800" i="1">
+                            <a:latin typeface="Cambria Math" panose="02040503050406030204" pitchFamily="18" charset="0"/>
+                            <a:ea typeface="Cambria Math" panose="02040503050406030204" pitchFamily="18" charset="0"/>
+                          </a:rPr>
+                          <m:t>2</m:t>
+                        </m:r>
+                      </m:sub>
+                      <m:sup>
+                        <m:r>
+                          <a:rPr lang="en-US" sz="2800" i="1">
+                            <a:latin typeface="Cambria Math" panose="02040503050406030204" pitchFamily="18" charset="0"/>
+                            <a:ea typeface="Cambria Math" panose="02040503050406030204" pitchFamily="18" charset="0"/>
+                          </a:rPr>
+                          <m:t>2</m:t>
+                        </m:r>
+                      </m:sup>
+                    </m:sSubSup>
+                    <m:r>
+                      <a:rPr lang="en-US" sz="2800" i="1">
+                        <a:latin typeface="Cambria Math" panose="02040503050406030204" pitchFamily="18" charset="0"/>
+                        <a:ea typeface="Cambria Math" panose="02040503050406030204" pitchFamily="18" charset="0"/>
+                      </a:rPr>
+                      <m:t>)</m:t>
+                    </m:r>
                   </m:oMath>
                 </a14:m>
                 <a:endParaRPr lang="en-US" sz="2800" dirty="0"/>
@@ -11033,170 +9109,6 @@
                 <a:pPr marL="0" indent="0">
                   <a:buNone/>
                 </a:pPr>
-                <a14:m>
-                  <m:oMathPara xmlns:m="http://schemas.openxmlformats.org/officeDocument/2006/math">
-                    <m:oMathParaPr>
-                      <m:jc m:val="centerGroup"/>
-                    </m:oMathParaPr>
-                    <m:oMath xmlns:m="http://schemas.openxmlformats.org/officeDocument/2006/math">
-                      <m:sSub>
-                        <m:sSubPr>
-                          <m:ctrlPr>
-                            <a:rPr lang="en-US" sz="2800" i="1">
-                              <a:latin typeface="Cambria Math" panose="02040503050406030204" pitchFamily="18" charset="0"/>
-                            </a:rPr>
-                          </m:ctrlPr>
-                        </m:sSubPr>
-                        <m:e>
-                          <m:r>
-                            <a:rPr lang="en-US" sz="2800" i="1">
-                              <a:latin typeface="Cambria Math" panose="02040503050406030204" pitchFamily="18" charset="0"/>
-                            </a:rPr>
-                            <m:t>𝜃</m:t>
-                          </m:r>
-                        </m:e>
-                        <m:sub>
-                          <m:r>
-                            <a:rPr lang="en-US" sz="2800" i="1">
-                              <a:latin typeface="Cambria Math" panose="02040503050406030204" pitchFamily="18" charset="0"/>
-                            </a:rPr>
-                            <m:t>𝑖</m:t>
-                          </m:r>
-                        </m:sub>
-                      </m:sSub>
-                      <m:r>
-                        <a:rPr lang="en-US" sz="2800" i="1">
-                          <a:latin typeface="Cambria Math" panose="02040503050406030204" pitchFamily="18" charset="0"/>
-                        </a:rPr>
-                        <m:t>=</m:t>
-                      </m:r>
-                      <m:sSub>
-                        <m:sSubPr>
-                          <m:ctrlPr>
-                            <a:rPr lang="en-US" sz="2800" i="1">
-                              <a:latin typeface="Cambria Math" panose="02040503050406030204" pitchFamily="18" charset="0"/>
-                            </a:rPr>
-                          </m:ctrlPr>
-                        </m:sSubPr>
-                        <m:e>
-                          <m:d>
-                            <m:dPr>
-                              <m:begChr m:val="‖"/>
-                              <m:endChr m:val="‖"/>
-                              <m:ctrlPr>
-                                <a:rPr lang="en-US" sz="2800" i="1">
-                                  <a:latin typeface="Cambria Math" panose="02040503050406030204" pitchFamily="18" charset="0"/>
-                                </a:rPr>
-                              </m:ctrlPr>
-                            </m:dPr>
-                            <m:e>
-                              <m:r>
-                                <a:rPr lang="en-US" sz="2800" i="1">
-                                  <a:latin typeface="Cambria Math" panose="02040503050406030204" pitchFamily="18" charset="0"/>
-                                </a:rPr>
-                                <m:t>(</m:t>
-                              </m:r>
-                              <m:sSub>
-                                <m:sSubPr>
-                                  <m:ctrlPr>
-                                    <a:rPr lang="en-US" sz="2800" i="1">
-                                      <a:latin typeface="Cambria Math" panose="02040503050406030204" pitchFamily="18" charset="0"/>
-                                    </a:rPr>
-                                  </m:ctrlPr>
-                                </m:sSubPr>
-                                <m:e>
-                                  <m:r>
-                                    <a:rPr lang="en-US" sz="2800" i="1">
-                                      <a:latin typeface="Cambria Math" panose="02040503050406030204" pitchFamily="18" charset="0"/>
-                                    </a:rPr>
-                                    <m:t>𝐺</m:t>
-                                  </m:r>
-                                </m:e>
-                                <m:sub>
-                                  <m:r>
-                                    <a:rPr lang="en-US" sz="2800" i="1">
-                                      <a:latin typeface="Cambria Math" panose="02040503050406030204" pitchFamily="18" charset="0"/>
-                                    </a:rPr>
-                                    <m:t>2</m:t>
-                                  </m:r>
-                                  <m:r>
-                                    <a:rPr lang="en-US" sz="2800" i="1">
-                                      <a:latin typeface="Cambria Math" panose="02040503050406030204" pitchFamily="18" charset="0"/>
-                                    </a:rPr>
-                                    <m:t>𝑖</m:t>
-                                  </m:r>
-                                </m:sub>
-                              </m:sSub>
-                              <m:r>
-                                <a:rPr lang="en-US" sz="2800" i="1">
-                                  <a:latin typeface="Cambria Math" panose="02040503050406030204" pitchFamily="18" charset="0"/>
-                                </a:rPr>
-                                <m:t>,</m:t>
-                              </m:r>
-                              <m:r>
-                                <a:rPr lang="en-US" sz="2800" i="1">
-                                  <a:latin typeface="Cambria Math" panose="02040503050406030204" pitchFamily="18" charset="0"/>
-                                </a:rPr>
-                                <m:t>𝑊</m:t>
-                              </m:r>
-                              <m:r>
-                                <a:rPr lang="en-US" sz="2800" i="1">
-                                  <a:latin typeface="Cambria Math" panose="02040503050406030204" pitchFamily="18" charset="0"/>
-                                </a:rPr>
-                                <m:t>⊗</m:t>
-                              </m:r>
-                              <m:sSub>
-                                <m:sSubPr>
-                                  <m:ctrlPr>
-                                    <a:rPr lang="en-US" sz="2800" i="1">
-                                      <a:latin typeface="Cambria Math" panose="02040503050406030204" pitchFamily="18" charset="0"/>
-                                    </a:rPr>
-                                  </m:ctrlPr>
-                                </m:sSubPr>
-                                <m:e>
-                                  <m:r>
-                                    <a:rPr lang="en-US" sz="2800" i="1">
-                                      <a:latin typeface="Cambria Math" panose="02040503050406030204" pitchFamily="18" charset="0"/>
-                                    </a:rPr>
-                                    <m:t>𝐺</m:t>
-                                  </m:r>
-                                </m:e>
-                                <m:sub>
-                                  <m:r>
-                                    <a:rPr lang="en-US" sz="2800" i="1">
-                                      <a:latin typeface="Cambria Math" panose="02040503050406030204" pitchFamily="18" charset="0"/>
-                                    </a:rPr>
-                                    <m:t>2</m:t>
-                                  </m:r>
-                                  <m:r>
-                                    <a:rPr lang="en-US" sz="2800" i="1">
-                                      <a:latin typeface="Cambria Math" panose="02040503050406030204" pitchFamily="18" charset="0"/>
-                                    </a:rPr>
-                                    <m:t>𝑖</m:t>
-                                  </m:r>
-                                </m:sub>
-                              </m:sSub>
-                              <m:r>
-                                <a:rPr lang="en-US" sz="2800" b="0" i="1" smtClean="0">
-                                  <a:latin typeface="Cambria Math" panose="02040503050406030204" pitchFamily="18" charset="0"/>
-                                </a:rPr>
-                                <m:t>)</m:t>
-                              </m:r>
-                            </m:e>
-                          </m:d>
-                        </m:e>
-                        <m:sub>
-                          <m:r>
-                            <a:rPr lang="en-US" sz="2800" b="0" i="1" smtClean="0">
-                              <a:latin typeface="Cambria Math" panose="02040503050406030204" pitchFamily="18" charset="0"/>
-                            </a:rPr>
-                            <m:t>𝐹</m:t>
-                          </m:r>
-                        </m:sub>
-                      </m:sSub>
-                    </m:oMath>
-                  </m:oMathPara>
-                </a14:m>
                 <a:endParaRPr lang="en-US" sz="2800" dirty="0"/>
               </a:p>
             </p:txBody>
@@ -11214,10 +9126,14 @@
               </p:nvPr>
             </p:nvSpPr>
             <p:spPr>
+              <a:xfrm>
+                <a:off x="838200" y="1825625"/>
+                <a:ext cx="10515600" cy="4351338"/>
+              </a:xfrm>
               <a:blipFill>
                 <a:blip r:embed="rId2"/>
                 <a:stretch>
-                  <a:fillRect l="-2575"/>
+                  <a:fillRect l="-1913"/>
                 </a:stretch>
               </a:blipFill>
             </p:spPr>
@@ -11308,7 +9224,7 @@
           <p:cNvPr id="2" name="TextBox 1">
             <a:extLst>
               <a:ext uri="{FF2B5EF4-FFF2-40B4-BE49-F238E27FC236}">
-                <a16:creationId xmlns:a16="http://schemas.microsoft.com/office/drawing/2014/main" id="{4F37C1BB-ADD6-4827-BCCA-474AF8E1CCB0}"/>
+                <a16:creationId xmlns:a16="http://schemas.microsoft.com/office/drawing/2014/main" xmlns="" id="{4F37C1BB-ADD6-4827-BCCA-474AF8E1CCB0}"/>
               </a:ext>
             </a:extLst>
           </p:cNvPr>
@@ -11317,7 +9233,7 @@
         </p:nvSpPr>
         <p:spPr>
           <a:xfrm>
-            <a:off x="1636775" y="158586"/>
+            <a:off x="2230457" y="374695"/>
             <a:ext cx="1152128" cy="646331"/>
           </a:xfrm>
           <a:prstGeom prst="rect">
@@ -11343,7 +9259,7 @@
           <p:cNvPr id="3" name="TextBox 2">
             <a:extLst>
               <a:ext uri="{FF2B5EF4-FFF2-40B4-BE49-F238E27FC236}">
-                <a16:creationId xmlns:a16="http://schemas.microsoft.com/office/drawing/2014/main" id="{DBFBAB13-F33F-40C2-822E-2E2A3001BEB8}"/>
+                <a16:creationId xmlns:a16="http://schemas.microsoft.com/office/drawing/2014/main" xmlns="" id="{DBFBAB13-F33F-40C2-822E-2E2A3001BEB8}"/>
               </a:ext>
             </a:extLst>
           </p:cNvPr>
@@ -11352,7 +9268,7 @@
         </p:nvSpPr>
         <p:spPr>
           <a:xfrm>
-            <a:off x="2806521" y="156813"/>
+            <a:off x="3667952" y="495098"/>
             <a:ext cx="1224136" cy="646331"/>
           </a:xfrm>
           <a:prstGeom prst="rect">
@@ -11378,7 +9294,7 @@
           <p:cNvPr id="4" name="TextBox 3">
             <a:extLst>
               <a:ext uri="{FF2B5EF4-FFF2-40B4-BE49-F238E27FC236}">
-                <a16:creationId xmlns:a16="http://schemas.microsoft.com/office/drawing/2014/main" id="{57929A0A-6701-41FD-807C-4ED34EC09A8B}"/>
+                <a16:creationId xmlns:a16="http://schemas.microsoft.com/office/drawing/2014/main" xmlns="" id="{57929A0A-6701-41FD-807C-4ED34EC09A8B}"/>
               </a:ext>
             </a:extLst>
           </p:cNvPr>
@@ -11387,7 +9303,7 @@
         </p:nvSpPr>
         <p:spPr>
           <a:xfrm>
-            <a:off x="5093159" y="129397"/>
+            <a:off x="5093159" y="418640"/>
             <a:ext cx="1927113" cy="646331"/>
           </a:xfrm>
           <a:prstGeom prst="rect">
@@ -11413,7 +9329,7 @@
           <p:cNvPr id="6" name="Straight Arrow Connector 5">
             <a:extLst>
               <a:ext uri="{FF2B5EF4-FFF2-40B4-BE49-F238E27FC236}">
-                <a16:creationId xmlns:a16="http://schemas.microsoft.com/office/drawing/2014/main" id="{6AF0C559-879D-48B9-A709-31A9BC3E6F01}"/>
+                <a16:creationId xmlns:a16="http://schemas.microsoft.com/office/drawing/2014/main" xmlns="" id="{6AF0C559-879D-48B9-A709-31A9BC3E6F01}"/>
               </a:ext>
             </a:extLst>
           </p:cNvPr>
@@ -11422,7 +9338,7 @@
         </p:nvCxnSpPr>
         <p:spPr>
           <a:xfrm>
-            <a:off x="2051720" y="803144"/>
+            <a:off x="2645402" y="1019253"/>
             <a:ext cx="72008" cy="256438"/>
           </a:xfrm>
           <a:prstGeom prst="straightConnector1">
@@ -11452,7 +9368,7 @@
           <p:cNvPr id="12" name="Straight Arrow Connector 11">
             <a:extLst>
               <a:ext uri="{FF2B5EF4-FFF2-40B4-BE49-F238E27FC236}">
-                <a16:creationId xmlns:a16="http://schemas.microsoft.com/office/drawing/2014/main" id="{56443464-6231-4560-8B67-E49692B1C7C1}"/>
+                <a16:creationId xmlns:a16="http://schemas.microsoft.com/office/drawing/2014/main" xmlns="" id="{56443464-6231-4560-8B67-E49692B1C7C1}"/>
               </a:ext>
             </a:extLst>
           </p:cNvPr>
@@ -11461,47 +9377,8 @@
         </p:nvCxnSpPr>
         <p:spPr>
           <a:xfrm flipH="1">
-            <a:off x="3059832" y="775728"/>
+            <a:off x="3921263" y="1114012"/>
             <a:ext cx="144016" cy="283854"/>
-          </a:xfrm>
-          <a:prstGeom prst="straightConnector1">
-            <a:avLst/>
-          </a:prstGeom>
-          <a:ln>
-            <a:tailEnd type="triangle"/>
-          </a:ln>
-        </p:spPr>
-        <p:style>
-          <a:lnRef idx="1">
-            <a:schemeClr val="accent1"/>
-          </a:lnRef>
-          <a:fillRef idx="0">
-            <a:schemeClr val="accent1"/>
-          </a:fillRef>
-          <a:effectRef idx="0">
-            <a:schemeClr val="accent1"/>
-          </a:effectRef>
-          <a:fontRef idx="minor">
-            <a:schemeClr val="tx1"/>
-          </a:fontRef>
-        </p:style>
-      </p:cxnSp>
-      <p:cxnSp>
-        <p:nvCxnSpPr>
-          <p:cNvPr id="14" name="Straight Arrow Connector 13">
-            <a:extLst>
-              <a:ext uri="{FF2B5EF4-FFF2-40B4-BE49-F238E27FC236}">
-                <a16:creationId xmlns:a16="http://schemas.microsoft.com/office/drawing/2014/main" id="{16EC7878-FB69-447B-BFB2-A1BE37122290}"/>
-              </a:ext>
-            </a:extLst>
-          </p:cNvPr>
-          <p:cNvCxnSpPr/>
-          <p:nvPr/>
-        </p:nvCxnSpPr>
-        <p:spPr>
-          <a:xfrm flipH="1">
-            <a:off x="4427984" y="775728"/>
-            <a:ext cx="1224136" cy="283854"/>
           </a:xfrm>
           <a:prstGeom prst="straightConnector1">
             <a:avLst/>
@@ -11530,7 +9407,7 @@
           <p:cNvPr id="16" name="Straight Arrow Connector 15">
             <a:extLst>
               <a:ext uri="{FF2B5EF4-FFF2-40B4-BE49-F238E27FC236}">
-                <a16:creationId xmlns:a16="http://schemas.microsoft.com/office/drawing/2014/main" id="{412A1E93-B7E1-48EE-BBAA-0E5D31BF7C97}"/>
+                <a16:creationId xmlns:a16="http://schemas.microsoft.com/office/drawing/2014/main" xmlns="" id="{412A1E93-B7E1-48EE-BBAA-0E5D31BF7C97}"/>
               </a:ext>
             </a:extLst>
           </p:cNvPr>
@@ -11539,8 +9416,8 @@
         </p:nvCxnSpPr>
         <p:spPr>
           <a:xfrm flipH="1">
-            <a:off x="5508104" y="775728"/>
-            <a:ext cx="432048" cy="283854"/>
+            <a:off x="5037561" y="1064970"/>
+            <a:ext cx="902591" cy="426660"/>
           </a:xfrm>
           <a:prstGeom prst="straightConnector1">
             <a:avLst/>
@@ -11569,7 +9446,7 @@
           <p:cNvPr id="18" name="Straight Arrow Connector 17">
             <a:extLst>
               <a:ext uri="{FF2B5EF4-FFF2-40B4-BE49-F238E27FC236}">
-                <a16:creationId xmlns:a16="http://schemas.microsoft.com/office/drawing/2014/main" id="{67D22360-F7EA-4E7B-B750-38A7B85FD096}"/>
+                <a16:creationId xmlns:a16="http://schemas.microsoft.com/office/drawing/2014/main" xmlns="" id="{67D22360-F7EA-4E7B-B750-38A7B85FD096}"/>
               </a:ext>
             </a:extLst>
           </p:cNvPr>
@@ -11577,9 +9454,9 @@
           <p:nvPr/>
         </p:nvCxnSpPr>
         <p:spPr>
-          <a:xfrm>
-            <a:off x="6441890" y="775728"/>
-            <a:ext cx="218342" cy="151770"/>
+          <a:xfrm flipH="1">
+            <a:off x="6371041" y="1064970"/>
+            <a:ext cx="70850" cy="304249"/>
           </a:xfrm>
           <a:prstGeom prst="straightConnector1">
             <a:avLst/>
@@ -11604,6 +9481,11 @@
         </p:style>
       </p:cxnSp>
     </p:spTree>
+    <p:extLst>
+      <p:ext uri="{BB962C8B-B14F-4D97-AF65-F5344CB8AC3E}">
+        <p14:creationId xmlns:p14="http://schemas.microsoft.com/office/powerpoint/2010/main" val="1072516363"/>
+      </p:ext>
+    </p:extLst>
   </p:cSld>
   <p:clrMapOvr>
     <a:masterClrMapping/>
@@ -11633,7 +9515,7 @@
           <p:cNvPr id="2" name="Title 1">
             <a:extLst>
               <a:ext uri="{FF2B5EF4-FFF2-40B4-BE49-F238E27FC236}">
-                <a16:creationId xmlns:a16="http://schemas.microsoft.com/office/drawing/2014/main" id="{C7D675AA-6913-48BC-85A2-5C1947B70467}"/>
+                <a16:creationId xmlns:a16="http://schemas.microsoft.com/office/drawing/2014/main" xmlns="" id="{C7D675AA-6913-48BC-85A2-5C1947B70467}"/>
               </a:ext>
             </a:extLst>
           </p:cNvPr>
@@ -11656,12 +9538,298 @@
           </a:p>
         </p:txBody>
       </p:sp>
-      <p:sp>
-        <p:nvSpPr>
-          <p:cNvPr id="3" name="Content Placeholder 2">
+      <mc:AlternateContent xmlns:mc="http://schemas.openxmlformats.org/markup-compatibility/2006">
+        <mc:Choice xmlns:a14="http://schemas.microsoft.com/office/drawing/2010/main" Requires="a14">
+          <p:sp>
+            <p:nvSpPr>
+              <p:cNvPr id="3" name="Content Placeholder 2">
+                <a:extLst>
+                  <a:ext uri="{FF2B5EF4-FFF2-40B4-BE49-F238E27FC236}">
+                    <a16:creationId xmlns:a16="http://schemas.microsoft.com/office/drawing/2014/main" xmlns="" id="{F79FB236-54CE-4723-A388-7B2C26E5DA92}"/>
+                  </a:ext>
+                </a:extLst>
+              </p:cNvPr>
+              <p:cNvSpPr>
+                <a:spLocks noGrp="1"/>
+              </p:cNvSpPr>
+              <p:nvPr>
+                <p:ph idx="1"/>
+              </p:nvPr>
+            </p:nvSpPr>
+            <p:spPr/>
+            <p:txBody>
+              <a:bodyPr>
+                <a:normAutofit/>
+              </a:bodyPr>
+              <a:lstStyle/>
+              <a:p>
+                <a:r>
+                  <a:rPr lang="en-US" dirty="0" smtClean="0"/>
+                  <a:t>N=100</a:t>
+                </a:r>
+              </a:p>
+              <a:p>
+                <a:r>
+                  <a:rPr lang="en-US" dirty="0"/>
+                  <a:t>Dimensions for baseline variables = </a:t>
+                </a:r>
+                <a:r>
+                  <a:rPr lang="en-US" altLang="zh-CN" dirty="0" smtClean="0"/>
+                  <a:t>5 (</a:t>
+                </a:r>
+                <a:r>
+                  <a:rPr lang="en-US" dirty="0"/>
+                  <a:t>Standard Normal Distribution</a:t>
+                </a:r>
+                <a:r>
+                  <a:rPr lang="en-US" altLang="zh-CN" dirty="0" smtClean="0"/>
+                  <a:t>)</a:t>
+                </a:r>
+                <a:endParaRPr lang="en-US" dirty="0"/>
+              </a:p>
+              <a:p>
+                <a:r>
+                  <a:rPr lang="en-US" dirty="0"/>
+                  <a:t>Dimensions for treatment variable = 1, (binary: +1,-1)</a:t>
+                </a:r>
+              </a:p>
+              <a:p>
+                <a:r>
+                  <a:rPr lang="en-US" dirty="0"/>
+                  <a:t>Dimensions for Genes = </a:t>
+                </a:r>
+                <a:r>
+                  <a:rPr lang="en-US" altLang="zh-CN" dirty="0" smtClean="0"/>
+                  <a:t>5</a:t>
+                </a:r>
+                <a:r>
+                  <a:rPr lang="en-US" dirty="0" smtClean="0"/>
+                  <a:t>0</a:t>
+                </a:r>
+                <a:r>
+                  <a:rPr lang="en-US" dirty="0"/>
+                  <a:t>, </a:t>
+                </a:r>
+                <a:r>
+                  <a:rPr lang="en-US" dirty="0" smtClean="0"/>
+                  <a:t>100</a:t>
+                </a:r>
+                <a:r>
+                  <a:rPr lang="zh-CN" altLang="en-US" dirty="0" smtClean="0"/>
+                  <a:t>，</a:t>
+                </a:r>
+                <a:r>
+                  <a:rPr lang="en-US" altLang="zh-CN" dirty="0" smtClean="0"/>
+                  <a:t>200 (</a:t>
+                </a:r>
+                <a:r>
+                  <a:rPr lang="en-US" dirty="0" smtClean="0"/>
+                  <a:t>Standard </a:t>
+                </a:r>
+                <a:r>
+                  <a:rPr lang="en-US" dirty="0"/>
+                  <a:t>Normal </a:t>
+                </a:r>
+                <a:r>
+                  <a:rPr lang="en-US" dirty="0" smtClean="0"/>
+                  <a:t>Distribution/Binomial Distribution)</a:t>
+                </a:r>
+                <a:endParaRPr lang="en-US" altLang="zh-CN" dirty="0" smtClean="0"/>
+              </a:p>
+              <a:p>
+                <a:r>
+                  <a:rPr lang="en-US" dirty="0"/>
+                  <a:t>5</a:t>
+                </a:r>
+                <a:r>
+                  <a:rPr lang="en-US" dirty="0" smtClean="0"/>
+                  <a:t>%, 10%, 15%, 20% </a:t>
+                </a:r>
+                <a:r>
+                  <a:rPr lang="en-US" dirty="0"/>
+                  <a:t>of hierarchical interaction effects are non-zero randomly</a:t>
+                </a:r>
+              </a:p>
+              <a:p>
+                <a:r>
+                  <a:rPr lang="en-US" dirty="0" smtClean="0"/>
+                  <a:t>10%, 20%, 30%, 40% of </a:t>
+                </a:r>
+                <a:r>
+                  <a:rPr lang="en-US" dirty="0"/>
+                  <a:t>gene main effects are non-zero</a:t>
+                </a:r>
+              </a:p>
+              <a:p>
+                <a:r>
+                  <a:rPr lang="en-US" dirty="0"/>
+                  <a:t>Iterations: </a:t>
+                </a:r>
+                <a:r>
+                  <a:rPr lang="en-US" dirty="0" smtClean="0"/>
+                  <a:t>100</a:t>
+                </a:r>
+              </a:p>
+              <a:p>
+                <a:r>
+                  <a:rPr lang="en-US" dirty="0" smtClean="0"/>
+                  <a:t>Correlation: Block Autocorrelation Matrix with </a:t>
+                </a:r>
+                <a14:m>
+                  <m:oMath xmlns:m="http://schemas.openxmlformats.org/officeDocument/2006/math">
+                    <m:sSub>
+                      <m:sSubPr>
+                        <m:ctrlPr>
+                          <a:rPr lang="en-US" b="0" i="1" smtClean="0">
+                            <a:latin typeface="Cambria Math" charset="0"/>
+                          </a:rPr>
+                        </m:ctrlPr>
+                      </m:sSubPr>
+                      <m:e>
+                        <m:r>
+                          <a:rPr lang="en-US" b="0" i="1" smtClean="0">
+                            <a:latin typeface="Cambria Math" charset="0"/>
+                          </a:rPr>
+                          <m:t>𝑝</m:t>
+                        </m:r>
+                      </m:e>
+                      <m:sub>
+                        <m:r>
+                          <a:rPr lang="en-US" b="0" i="1" smtClean="0">
+                            <a:latin typeface="Cambria Math" charset="0"/>
+                          </a:rPr>
+                          <m:t>𝑖</m:t>
+                        </m:r>
+                        <m:r>
+                          <a:rPr lang="en-US" b="0" i="1" smtClean="0">
+                            <a:latin typeface="Cambria Math" charset="0"/>
+                          </a:rPr>
+                          <m:t>,</m:t>
+                        </m:r>
+                        <m:r>
+                          <a:rPr lang="en-US" b="0" i="1" smtClean="0">
+                            <a:latin typeface="Cambria Math" charset="0"/>
+                          </a:rPr>
+                          <m:t>𝑗</m:t>
+                        </m:r>
+                      </m:sub>
+                    </m:sSub>
+                    <m:r>
+                      <a:rPr lang="en-US" b="0" i="1" smtClean="0">
+                        <a:latin typeface="Cambria Math" charset="0"/>
+                      </a:rPr>
+                      <m:t>=</m:t>
+                    </m:r>
+                    <m:sSup>
+                      <m:sSupPr>
+                        <m:ctrlPr>
+                          <a:rPr lang="en-US" b="0" i="1" smtClean="0">
+                            <a:latin typeface="Cambria Math" charset="0"/>
+                          </a:rPr>
+                        </m:ctrlPr>
+                      </m:sSupPr>
+                      <m:e>
+                        <m:r>
+                          <a:rPr lang="en-US" b="0" i="1" smtClean="0">
+                            <a:latin typeface="Cambria Math" charset="0"/>
+                          </a:rPr>
+                          <m:t>0.3</m:t>
+                        </m:r>
+                      </m:e>
+                      <m:sup>
+                        <m:d>
+                          <m:dPr>
+                            <m:begChr m:val="|"/>
+                            <m:endChr m:val="|"/>
+                            <m:ctrlPr>
+                              <a:rPr lang="en-US" b="0" i="1" smtClean="0">
+                                <a:latin typeface="Cambria Math" charset="0"/>
+                              </a:rPr>
+                            </m:ctrlPr>
+                          </m:dPr>
+                          <m:e>
+                            <m:r>
+                              <a:rPr lang="en-US" b="0" i="1" smtClean="0">
+                                <a:latin typeface="Cambria Math" charset="0"/>
+                              </a:rPr>
+                              <m:t>𝑖</m:t>
+                            </m:r>
+                            <m:r>
+                              <a:rPr lang="en-US" b="0" i="1" smtClean="0">
+                                <a:latin typeface="Cambria Math" charset="0"/>
+                              </a:rPr>
+                              <m:t>−</m:t>
+                            </m:r>
+                            <m:r>
+                              <a:rPr lang="en-US" b="0" i="1" smtClean="0">
+                                <a:latin typeface="Cambria Math" charset="0"/>
+                              </a:rPr>
+                              <m:t>𝑗</m:t>
+                            </m:r>
+                          </m:e>
+                        </m:d>
+                      </m:sup>
+                    </m:sSup>
+                  </m:oMath>
+                </a14:m>
+                <a:r>
+                  <a:rPr lang="en-US" dirty="0" smtClean="0"/>
+                  <a:t> inside blocks.</a:t>
+                </a:r>
+                <a:endParaRPr lang="en-US" dirty="0"/>
+              </a:p>
+              <a:p>
+                <a:endParaRPr lang="en-US" dirty="0"/>
+              </a:p>
+            </p:txBody>
+          </p:sp>
+        </mc:Choice>
+        <mc:Fallback>
+          <p:sp>
+            <p:nvSpPr>
+              <p:cNvPr id="3" name="Content Placeholder 2">
+                <a:extLst>
+                  <a:ext uri="{FF2B5EF4-FFF2-40B4-BE49-F238E27FC236}">
+                    <a16:creationId xmlns:a16="http://schemas.microsoft.com/office/drawing/2014/main" xmlns="" id="{F79FB236-54CE-4723-A388-7B2C26E5DA92}"/>
+                  </a:ext>
+                </a:extLst>
+              </p:cNvPr>
+              <p:cNvSpPr>
+                <a:spLocks noGrp="1" noRot="1" noChangeAspect="1" noMove="1" noResize="1" noEditPoints="1" noAdjustHandles="1" noChangeArrowheads="1" noChangeShapeType="1" noTextEdit="1"/>
+              </p:cNvSpPr>
+              <p:nvPr>
+                <p:ph idx="1"/>
+              </p:nvPr>
+            </p:nvSpPr>
+            <p:spPr>
+              <a:blipFill rotWithShape="0">
+                <a:blip r:embed="rId2"/>
+                <a:stretch>
+                  <a:fillRect l="-1766" t="-831" b="-1329"/>
+                </a:stretch>
+              </a:blipFill>
+            </p:spPr>
+            <p:txBody>
+              <a:bodyPr/>
+              <a:lstStyle/>
+              <a:p>
+                <a:r>
+                  <a:rPr lang="en-US">
+                    <a:noFill/>
+                  </a:rPr>
+                  <a:t> </a:t>
+                </a:r>
+              </a:p>
+            </p:txBody>
+          </p:sp>
+        </mc:Fallback>
+      </mc:AlternateContent>
+      <p:sp>
+        <p:nvSpPr>
+          <p:cNvPr id="4" name="Footer Placeholder 3">
             <a:extLst>
               <a:ext uri="{FF2B5EF4-FFF2-40B4-BE49-F238E27FC236}">
-                <a16:creationId xmlns:a16="http://schemas.microsoft.com/office/drawing/2014/main" id="{F79FB236-54CE-4723-A388-7B2C26E5DA92}"/>
+                <a16:creationId xmlns:a16="http://schemas.microsoft.com/office/drawing/2014/main" xmlns="" id="{BDDDA0BE-FB94-44D9-8026-4299635DFDB4}"/>
               </a:ext>
             </a:extLst>
           </p:cNvPr>
@@ -11669,73 +9837,6 @@
             <a:spLocks noGrp="1"/>
           </p:cNvSpPr>
           <p:nvPr>
-            <p:ph idx="1"/>
-          </p:nvPr>
-        </p:nvSpPr>
-        <p:spPr/>
-        <p:txBody>
-          <a:bodyPr/>
-          <a:lstStyle/>
-          <a:p>
-            <a:r>
-              <a:rPr lang="en-US" dirty="0"/>
-              <a:t>N=100</a:t>
-            </a:r>
-          </a:p>
-          <a:p>
-            <a:r>
-              <a:rPr lang="en-US" dirty="0"/>
-              <a:t>Dimensions for baseline variables = 2</a:t>
-            </a:r>
-          </a:p>
-          <a:p>
-            <a:r>
-              <a:rPr lang="en-US" dirty="0"/>
-              <a:t>Dimensions for treatment variable = 1, (binary: +1,-1)</a:t>
-            </a:r>
-          </a:p>
-          <a:p>
-            <a:r>
-              <a:rPr lang="en-US" dirty="0"/>
-              <a:t>Dimensions for Genes = 30, 100</a:t>
-            </a:r>
-          </a:p>
-          <a:p>
-            <a:r>
-              <a:rPr lang="en-US" dirty="0"/>
-              <a:t>30% of hierarchical interaction effects are non-zero randomly</a:t>
-            </a:r>
-          </a:p>
-          <a:p>
-            <a:r>
-              <a:rPr lang="en-US" dirty="0"/>
-              <a:t>20%~50% of gene main effects are non-zero</a:t>
-            </a:r>
-          </a:p>
-          <a:p>
-            <a:r>
-              <a:rPr lang="en-US" dirty="0"/>
-              <a:t>Iterations: 100</a:t>
-            </a:r>
-          </a:p>
-          <a:p>
-            <a:endParaRPr lang="en-US" dirty="0"/>
-          </a:p>
-        </p:txBody>
-      </p:sp>
-      <p:sp>
-        <p:nvSpPr>
-          <p:cNvPr id="4" name="Footer Placeholder 3">
-            <a:extLst>
-              <a:ext uri="{FF2B5EF4-FFF2-40B4-BE49-F238E27FC236}">
-                <a16:creationId xmlns:a16="http://schemas.microsoft.com/office/drawing/2014/main" id="{BDDDA0BE-FB94-44D9-8026-4299635DFDB4}"/>
-              </a:ext>
-            </a:extLst>
-          </p:cNvPr>
-          <p:cNvSpPr>
-            <a:spLocks noGrp="1"/>
-          </p:cNvSpPr>
-          <p:nvPr>
             <p:ph type="ftr" sz="quarter" idx="11"/>
           </p:nvPr>
         </p:nvSpPr>
@@ -11777,7 +9878,7 @@
           <p:cNvPr id="5" name="Slide Number Placeholder 4">
             <a:extLst>
               <a:ext uri="{FF2B5EF4-FFF2-40B4-BE49-F238E27FC236}">
-                <a16:creationId xmlns:a16="http://schemas.microsoft.com/office/drawing/2014/main" id="{89272EAA-7658-4CAB-B263-CD4B022CF97A}"/>
+                <a16:creationId xmlns:a16="http://schemas.microsoft.com/office/drawing/2014/main" xmlns="" id="{89272EAA-7658-4CAB-B263-CD4B022CF97A}"/>
               </a:ext>
             </a:extLst>
           </p:cNvPr>
@@ -11837,7 +9938,7 @@
           <p:cNvPr id="2" name="Title 1">
             <a:extLst>
               <a:ext uri="{FF2B5EF4-FFF2-40B4-BE49-F238E27FC236}">
-                <a16:creationId xmlns:a16="http://schemas.microsoft.com/office/drawing/2014/main" id="{A55E3E7C-7A88-4C8B-A31F-9219AB09B092}"/>
+                <a16:creationId xmlns:a16="http://schemas.microsoft.com/office/drawing/2014/main" xmlns="" id="{A55E3E7C-7A88-4C8B-A31F-9219AB09B092}"/>
               </a:ext>
             </a:extLst>
           </p:cNvPr>
@@ -11867,7 +9968,7 @@
               <p:cNvPr id="3" name="Content Placeholder 2">
                 <a:extLst>
                   <a:ext uri="{FF2B5EF4-FFF2-40B4-BE49-F238E27FC236}">
-                    <a16:creationId xmlns:a16="http://schemas.microsoft.com/office/drawing/2014/main" id="{CB1BED14-16C4-4C60-B13C-6FAE776570E9}"/>
+                    <a16:creationId xmlns:a16="http://schemas.microsoft.com/office/drawing/2014/main" xmlns="" id="{CB1BED14-16C4-4C60-B13C-6FAE776570E9}"/>
                   </a:ext>
                 </a:extLst>
               </p:cNvPr>
@@ -11884,14 +9985,20 @@
               <a:lstStyle/>
               <a:p>
                 <a:r>
-                  <a:rPr lang="en-US" dirty="0"/>
-                  <a:t>For 30 genes: 0.5, 1, 5, 10, 100.</a:t>
+                  <a:rPr lang="en-US" dirty="0" smtClean="0"/>
+                  <a:t>For </a:t>
                 </a:r>
-              </a:p>
-              <a:p>
                 <a:r>
                   <a:rPr lang="en-US" dirty="0"/>
-                  <a:t>For 100 genes: 1, 10, 100.</a:t>
+                  <a:t>100 genes: 1, </a:t>
+                </a:r>
+                <a:r>
+                  <a:rPr lang="en-US" dirty="0" smtClean="0"/>
+                  <a:t>5, 10</a:t>
+                </a:r>
+                <a:r>
+                  <a:rPr lang="en-US" dirty="0"/>
+                  <a:t>, 100.</a:t>
                 </a:r>
               </a:p>
               <a:p>
@@ -11916,7 +10023,7 @@
                       <m:fPr>
                         <m:ctrlPr>
                           <a:rPr lang="en-US" b="0" i="1" smtClean="0">
-                            <a:latin typeface="Cambria Math" panose="02040503050406030204" pitchFamily="18" charset="0"/>
+                            <a:latin typeface="Cambria Math" charset="0"/>
                           </a:rPr>
                         </m:ctrlPr>
                       </m:fPr>
@@ -11937,7 +10044,7 @@
                           <m:sSubPr>
                             <m:ctrlPr>
                               <a:rPr lang="en-US" b="0" i="1" smtClean="0">
-                                <a:latin typeface="Cambria Math" panose="02040503050406030204" pitchFamily="18" charset="0"/>
+                                <a:latin typeface="Cambria Math" charset="0"/>
                               </a:rPr>
                             </m:ctrlPr>
                           </m:sSubPr>
@@ -12017,7 +10124,7 @@
                       <m:sSubPr>
                         <m:ctrlPr>
                           <a:rPr lang="en-US" b="0" i="1" smtClean="0">
-                            <a:latin typeface="Cambria Math" panose="02040503050406030204" pitchFamily="18" charset="0"/>
+                            <a:latin typeface="Cambria Math" charset="0"/>
                           </a:rPr>
                         </m:ctrlPr>
                       </m:sSubPr>
@@ -12064,7 +10171,7 @@
               <p:cNvPr id="3" name="Content Placeholder 2">
                 <a:extLst>
                   <a:ext uri="{FF2B5EF4-FFF2-40B4-BE49-F238E27FC236}">
-                    <a16:creationId xmlns:a16="http://schemas.microsoft.com/office/drawing/2014/main" id="{CB1BED14-16C4-4C60-B13C-6FAE776570E9}"/>
+                    <a16:creationId xmlns:a16="http://schemas.microsoft.com/office/drawing/2014/main" xmlns:a14="http://schemas.microsoft.com/office/drawing/2010/main" xmlns="" id="{CB1BED14-16C4-4C60-B13C-6FAE776570E9}"/>
                   </a:ext>
                 </a:extLst>
               </p:cNvPr>
@@ -12076,7 +10183,7 @@
               </p:nvPr>
             </p:nvSpPr>
             <p:spPr>
-              <a:blipFill>
+              <a:blipFill rotWithShape="0">
                 <a:blip r:embed="rId2"/>
                 <a:stretch>
                   <a:fillRect l="-1766" t="-831"/>
@@ -12103,7 +10210,7 @@
           <p:cNvPr id="4" name="Footer Placeholder 3">
             <a:extLst>
               <a:ext uri="{FF2B5EF4-FFF2-40B4-BE49-F238E27FC236}">
-                <a16:creationId xmlns:a16="http://schemas.microsoft.com/office/drawing/2014/main" id="{896D4A9B-31AF-4EC2-9F47-5F2F9B70E61B}"/>
+                <a16:creationId xmlns:a16="http://schemas.microsoft.com/office/drawing/2014/main" xmlns="" id="{896D4A9B-31AF-4EC2-9F47-5F2F9B70E61B}"/>
               </a:ext>
             </a:extLst>
           </p:cNvPr>
@@ -12152,7 +10259,7 @@
           <p:cNvPr id="5" name="Slide Number Placeholder 4">
             <a:extLst>
               <a:ext uri="{FF2B5EF4-FFF2-40B4-BE49-F238E27FC236}">
-                <a16:creationId xmlns:a16="http://schemas.microsoft.com/office/drawing/2014/main" id="{D87DD39C-DFBD-411D-A2CD-463D3D2CDC47}"/>
+                <a16:creationId xmlns:a16="http://schemas.microsoft.com/office/drawing/2014/main" xmlns="" id="{D87DD39C-DFBD-411D-A2CD-463D3D2CDC47}"/>
               </a:ext>
             </a:extLst>
           </p:cNvPr>
@@ -12209,13 +10316,7 @@
       </p:grpSpPr>
       <p:sp>
         <p:nvSpPr>
-          <p:cNvPr id="2" name="Title 1">
-            <a:extLst>
-              <a:ext uri="{FF2B5EF4-FFF2-40B4-BE49-F238E27FC236}">
-                <a16:creationId xmlns:a16="http://schemas.microsoft.com/office/drawing/2014/main" id="{C172A5A9-1939-435B-8265-3838892A06C0}"/>
-              </a:ext>
-            </a:extLst>
-          </p:cNvPr>
+          <p:cNvPr id="2" name="Title 1"/>
           <p:cNvSpPr>
             <a:spLocks noGrp="1"/>
           </p:cNvSpPr>
@@ -12229,133 +10330,21 @@
           <a:lstStyle/>
           <a:p>
             <a:r>
-              <a:rPr lang="en-US" dirty="0"/>
-              <a:t>Strong/Weak Signals</a:t>
-            </a:r>
-          </a:p>
-        </p:txBody>
-      </p:sp>
-      <mc:AlternateContent xmlns:mc="http://schemas.openxmlformats.org/markup-compatibility/2006">
-        <mc:Choice xmlns:a14="http://schemas.microsoft.com/office/drawing/2010/main" Requires="a14">
-          <p:sp>
-            <p:nvSpPr>
-              <p:cNvPr id="3" name="Content Placeholder 2">
-                <a:extLst>
-                  <a:ext uri="{FF2B5EF4-FFF2-40B4-BE49-F238E27FC236}">
-                    <a16:creationId xmlns:a16="http://schemas.microsoft.com/office/drawing/2014/main" id="{0C91EE3E-D371-492B-8FE1-2E7068B00D73}"/>
-                  </a:ext>
-                </a:extLst>
-              </p:cNvPr>
-              <p:cNvSpPr>
-                <a:spLocks noGrp="1"/>
-              </p:cNvSpPr>
-              <p:nvPr>
-                <p:ph idx="1"/>
-              </p:nvPr>
-            </p:nvSpPr>
-            <p:spPr/>
-            <p:txBody>
-              <a:bodyPr/>
-              <a:lstStyle/>
-              <a:p>
-                <a:r>
-                  <a:rPr lang="en-US" dirty="0"/>
-                  <a:t>The absolute of signals are leveled into four groups:</a:t>
-                </a:r>
-              </a:p>
-              <a:p>
-                <a:pPr lvl="1"/>
-                <a:r>
-                  <a:rPr lang="en-US" dirty="0"/>
-                  <a:t>(0, 0.1), (0.1, 0.4), (0.4, 0.85), (0.85, </a:t>
-                </a:r>
-                <a14:m>
-                  <m:oMath xmlns:m="http://schemas.openxmlformats.org/officeDocument/2006/math">
-                    <m:r>
-                      <a:rPr lang="en-US" b="0" i="0" smtClean="0">
-                        <a:latin typeface="Cambria Math" panose="02040503050406030204" pitchFamily="18" charset="0"/>
-                        <a:ea typeface="Cambria Math" panose="02040503050406030204" pitchFamily="18" charset="0"/>
-                      </a:rPr>
-                      <m:t>+</m:t>
-                    </m:r>
-                    <m:r>
-                      <a:rPr lang="en-US" i="1" smtClean="0">
-                        <a:latin typeface="Cambria Math" panose="02040503050406030204" pitchFamily="18" charset="0"/>
-                        <a:ea typeface="Cambria Math" panose="02040503050406030204" pitchFamily="18" charset="0"/>
-                      </a:rPr>
-                      <m:t>∞</m:t>
-                    </m:r>
-                  </m:oMath>
-                </a14:m>
-                <a:r>
-                  <a:rPr lang="en-US" dirty="0"/>
-                  <a:t>)	</a:t>
-                </a:r>
-              </a:p>
-              <a:p>
-                <a:pPr lvl="1"/>
-                <a:r>
-                  <a:rPr lang="en-US" dirty="0"/>
-                  <a:t>The proportion of four groups are: 8%, 22%, 30%, 40%</a:t>
-                </a:r>
-              </a:p>
-            </p:txBody>
-          </p:sp>
-        </mc:Choice>
-        <mc:Fallback>
-          <p:sp>
-            <p:nvSpPr>
-              <p:cNvPr id="3" name="Content Placeholder 2">
-                <a:extLst>
-                  <a:ext uri="{FF2B5EF4-FFF2-40B4-BE49-F238E27FC236}">
-                    <a16:creationId xmlns:a16="http://schemas.microsoft.com/office/drawing/2014/main" id="{0C91EE3E-D371-492B-8FE1-2E7068B00D73}"/>
-                  </a:ext>
-                </a:extLst>
-              </p:cNvPr>
-              <p:cNvSpPr>
-                <a:spLocks noGrp="1" noRot="1" noChangeAspect="1" noMove="1" noResize="1" noEditPoints="1" noAdjustHandles="1" noChangeArrowheads="1" noChangeShapeType="1" noTextEdit="1"/>
-              </p:cNvSpPr>
-              <p:nvPr>
-                <p:ph idx="1"/>
-              </p:nvPr>
-            </p:nvSpPr>
-            <p:spPr>
-              <a:blipFill>
-                <a:blip r:embed="rId2"/>
-                <a:stretch>
-                  <a:fillRect l="-1766" t="-831"/>
-                </a:stretch>
-              </a:blipFill>
-            </p:spPr>
-            <p:txBody>
-              <a:bodyPr/>
-              <a:lstStyle/>
-              <a:p>
-                <a:r>
-                  <a:rPr lang="en-US">
-                    <a:noFill/>
-                  </a:rPr>
-                  <a:t> </a:t>
-                </a:r>
-              </a:p>
-            </p:txBody>
-          </p:sp>
-        </mc:Fallback>
-      </mc:AlternateContent>
-      <p:sp>
-        <p:nvSpPr>
-          <p:cNvPr id="4" name="Footer Placeholder 3">
-            <a:extLst>
-              <a:ext uri="{FF2B5EF4-FFF2-40B4-BE49-F238E27FC236}">
-                <a16:creationId xmlns:a16="http://schemas.microsoft.com/office/drawing/2014/main" id="{B3075A37-2132-4918-B2EE-E239114F3C67}"/>
-              </a:ext>
-            </a:extLst>
-          </p:cNvPr>
+              <a:rPr lang="en-US" dirty="0" smtClean="0"/>
+              <a:t>Other methods</a:t>
+            </a:r>
+            <a:endParaRPr lang="en-US" dirty="0"/>
+          </a:p>
+        </p:txBody>
+      </p:sp>
+      <p:sp>
+        <p:nvSpPr>
+          <p:cNvPr id="3" name="Content Placeholder 2"/>
           <p:cNvSpPr>
             <a:spLocks noGrp="1"/>
           </p:cNvSpPr>
           <p:nvPr>
-            <p:ph type="ftr" sz="quarter" idx="11"/>
+            <p:ph idx="1"/>
           </p:nvPr>
         </p:nvSpPr>
         <p:spPr/>
@@ -12364,27 +10353,76 @@
           <a:lstStyle/>
           <a:p>
             <a:r>
-              <a:rPr lang="ja-JP" altLang="en-US"/>
+              <a:rPr lang="en-US" dirty="0" smtClean="0"/>
+              <a:t>General Lasso without penalizing baseline and </a:t>
+            </a:r>
+            <a:r>
+              <a:rPr lang="en-US" smtClean="0"/>
+              <a:t>treatment variables (Lasso)</a:t>
+            </a:r>
+            <a:endParaRPr lang="en-US" dirty="0" smtClean="0"/>
+          </a:p>
+          <a:p>
+            <a:endParaRPr lang="en-US" dirty="0"/>
+          </a:p>
+          <a:p>
+            <a:r>
+              <a:rPr lang="en-US" dirty="0" smtClean="0"/>
+              <a:t>Bayesian Model Averaging (BMA)</a:t>
+            </a:r>
+          </a:p>
+          <a:p>
+            <a:r>
+              <a:rPr lang="en-US" dirty="0" smtClean="0"/>
+              <a:t>Stepwise Variable Selection by likelihood (step)</a:t>
+            </a:r>
+          </a:p>
+          <a:p>
+            <a:r>
+              <a:rPr lang="en-US" dirty="0" smtClean="0"/>
+              <a:t>Iterative Sure Independent Screening (SIS)</a:t>
+            </a:r>
+            <a:endParaRPr lang="en-US" dirty="0"/>
+          </a:p>
+        </p:txBody>
+      </p:sp>
+      <p:sp>
+        <p:nvSpPr>
+          <p:cNvPr id="4" name="Footer Placeholder 3"/>
+          <p:cNvSpPr>
+            <a:spLocks noGrp="1"/>
+          </p:cNvSpPr>
+          <p:nvPr>
+            <p:ph type="ftr" sz="quarter" idx="11"/>
+          </p:nvPr>
+        </p:nvSpPr>
+        <p:spPr/>
+        <p:txBody>
+          <a:bodyPr/>
+          <a:lstStyle/>
+          <a:p>
+            <a:r>
+              <a:rPr lang="ja-JP" altLang="en-US" smtClean="0"/>
               <a:t>｜</a:t>
             </a:r>
             <a:r>
-              <a:rPr lang="en-US" altLang="ja-JP"/>
+              <a:rPr lang="en-US" altLang="ja-JP" smtClean="0"/>
               <a:t>0000</a:t>
             </a:r>
             <a:r>
-              <a:rPr lang="ja-JP" altLang="en-US"/>
+              <a:rPr lang="ja-JP" altLang="en-US" smtClean="0"/>
               <a:t>　</a:t>
             </a:r>
             <a:r>
-              <a:rPr lang="en-US" altLang="ja-JP"/>
+              <a:rPr lang="en-US" altLang="ja-JP" smtClean="0"/>
               <a:t>|</a:t>
             </a:r>
             <a:r>
-              <a:rPr lang="ja-JP" altLang="en-US"/>
+              <a:rPr lang="ja-JP" altLang="en-US" smtClean="0"/>
               <a:t>　　</a:t>
             </a:r>
             <a:r>
-              <a:rPr lang="en-US" altLang="ja-JP"/>
+              <a:rPr lang="en-US" altLang="ja-JP" smtClean="0"/>
               <a:t>DDMMYY</a:t>
             </a:r>
             <a:endParaRPr lang="ja-JP" altLang="en-US" dirty="0"/>
@@ -12393,13 +10431,7 @@
       </p:sp>
       <p:sp>
         <p:nvSpPr>
-          <p:cNvPr id="5" name="Slide Number Placeholder 4">
-            <a:extLst>
-              <a:ext uri="{FF2B5EF4-FFF2-40B4-BE49-F238E27FC236}">
-                <a16:creationId xmlns:a16="http://schemas.microsoft.com/office/drawing/2014/main" id="{25B4D5E6-9A3B-4131-B4EB-8B1D5049CFDE}"/>
-              </a:ext>
-            </a:extLst>
-          </p:cNvPr>
+          <p:cNvPr id="5" name="Slide Number Placeholder 4"/>
           <p:cNvSpPr>
             <a:spLocks noGrp="1"/>
           </p:cNvSpPr>
@@ -12424,7 +10456,7 @@
     </p:spTree>
     <p:extLst>
       <p:ext uri="{BB962C8B-B14F-4D97-AF65-F5344CB8AC3E}">
-        <p14:creationId xmlns:p14="http://schemas.microsoft.com/office/powerpoint/2010/main" val="1571896830"/>
+        <p14:creationId xmlns:p14="http://schemas.microsoft.com/office/powerpoint/2010/main" val="77469702"/>
       </p:ext>
     </p:extLst>
   </p:cSld>
@@ -12453,18 +10485,12 @@
       </p:grpSpPr>
       <p:sp>
         <p:nvSpPr>
-          <p:cNvPr id="2" name="Title 1">
-            <a:extLst>
-              <a:ext uri="{FF2B5EF4-FFF2-40B4-BE49-F238E27FC236}">
-                <a16:creationId xmlns:a16="http://schemas.microsoft.com/office/drawing/2014/main" id="{89C10A67-AE18-4C1A-906A-622E2CC97513}"/>
-              </a:ext>
-            </a:extLst>
-          </p:cNvPr>
+          <p:cNvPr id="2" name="Text Placeholder 1"/>
           <p:cNvSpPr>
             <a:spLocks noGrp="1"/>
           </p:cNvSpPr>
           <p:nvPr>
-            <p:ph type="title"/>
+            <p:ph type="body" sz="quarter" idx="10"/>
           </p:nvPr>
         </p:nvSpPr>
         <p:spPr/>
@@ -12473,144 +10499,17 @@
           <a:lstStyle/>
           <a:p>
             <a:r>
-              <a:rPr lang="en-US" dirty="0"/>
-              <a:t>Others</a:t>
-            </a:r>
-          </a:p>
-        </p:txBody>
-      </p:sp>
-      <p:sp>
-        <p:nvSpPr>
-          <p:cNvPr id="3" name="Content Placeholder 2">
-            <a:extLst>
-              <a:ext uri="{FF2B5EF4-FFF2-40B4-BE49-F238E27FC236}">
-                <a16:creationId xmlns:a16="http://schemas.microsoft.com/office/drawing/2014/main" id="{4AAC5CEB-1426-4F6E-8237-394D8B740994}"/>
-              </a:ext>
-            </a:extLst>
-          </p:cNvPr>
-          <p:cNvSpPr>
-            <a:spLocks noGrp="1"/>
-          </p:cNvSpPr>
-          <p:nvPr>
-            <p:ph idx="1"/>
-          </p:nvPr>
-        </p:nvSpPr>
-        <p:spPr/>
-        <p:txBody>
-          <a:bodyPr/>
-          <a:lstStyle/>
-          <a:p>
-            <a:r>
-              <a:rPr lang="en-US" dirty="0"/>
-              <a:t>False Discovery Rate (FDR)</a:t>
-            </a:r>
-          </a:p>
-          <a:p>
-            <a:r>
-              <a:rPr lang="en-US" dirty="0"/>
-              <a:t>False Negative Rate (FNR)</a:t>
-            </a:r>
-          </a:p>
-          <a:p>
-            <a:r>
-              <a:rPr lang="en-US" dirty="0"/>
-              <a:t>Optimal Lambda</a:t>
-            </a:r>
-          </a:p>
-          <a:p>
-            <a:r>
-              <a:rPr lang="en-US" dirty="0"/>
-              <a:t>MSE</a:t>
-            </a:r>
-          </a:p>
-          <a:p>
+              <a:rPr lang="en-US" dirty="0" smtClean="0"/>
+              <a:t>Proportion of nonzero interactions</a:t>
+            </a:r>
             <a:endParaRPr lang="en-US" dirty="0"/>
-          </a:p>
-        </p:txBody>
-      </p:sp>
-      <p:sp>
-        <p:nvSpPr>
-          <p:cNvPr id="4" name="Footer Placeholder 3">
-            <a:extLst>
-              <a:ext uri="{FF2B5EF4-FFF2-40B4-BE49-F238E27FC236}">
-                <a16:creationId xmlns:a16="http://schemas.microsoft.com/office/drawing/2014/main" id="{59CE7BD2-924A-4F7F-82BA-2540051D7E75}"/>
-              </a:ext>
-            </a:extLst>
-          </p:cNvPr>
-          <p:cNvSpPr>
-            <a:spLocks noGrp="1"/>
-          </p:cNvSpPr>
-          <p:nvPr>
-            <p:ph type="ftr" sz="quarter" idx="11"/>
-          </p:nvPr>
-        </p:nvSpPr>
-        <p:spPr/>
-        <p:txBody>
-          <a:bodyPr/>
-          <a:lstStyle/>
-          <a:p>
-            <a:r>
-              <a:rPr lang="ja-JP" altLang="en-US"/>
-              <a:t>｜</a:t>
-            </a:r>
-            <a:r>
-              <a:rPr lang="en-US" altLang="ja-JP"/>
-              <a:t>0000</a:t>
-            </a:r>
-            <a:r>
-              <a:rPr lang="ja-JP" altLang="en-US"/>
-              <a:t>　</a:t>
-            </a:r>
-            <a:r>
-              <a:rPr lang="en-US" altLang="ja-JP"/>
-              <a:t>|</a:t>
-            </a:r>
-            <a:r>
-              <a:rPr lang="ja-JP" altLang="en-US"/>
-              <a:t>　　</a:t>
-            </a:r>
-            <a:r>
-              <a:rPr lang="en-US" altLang="ja-JP"/>
-              <a:t>DDMMYY</a:t>
-            </a:r>
-            <a:endParaRPr lang="ja-JP" altLang="en-US" dirty="0"/>
-          </a:p>
-        </p:txBody>
-      </p:sp>
-      <p:sp>
-        <p:nvSpPr>
-          <p:cNvPr id="5" name="Slide Number Placeholder 4">
-            <a:extLst>
-              <a:ext uri="{FF2B5EF4-FFF2-40B4-BE49-F238E27FC236}">
-                <a16:creationId xmlns:a16="http://schemas.microsoft.com/office/drawing/2014/main" id="{BD9579F0-FCB7-4E65-BB45-71B982487D90}"/>
-              </a:ext>
-            </a:extLst>
-          </p:cNvPr>
-          <p:cNvSpPr>
-            <a:spLocks noGrp="1"/>
-          </p:cNvSpPr>
-          <p:nvPr>
-            <p:ph type="sldNum" sz="quarter" idx="12"/>
-          </p:nvPr>
-        </p:nvSpPr>
-        <p:spPr/>
-        <p:txBody>
-          <a:bodyPr/>
-          <a:lstStyle/>
-          <a:p>
-            <a:fld id="{E9B57936-92EF-4126-AE48-1D9D36D15E98}" type="slidenum">
-              <a:rPr kumimoji="1" lang="ja-JP" altLang="en-US" smtClean="0"/>
-              <a:pPr/>
-              <a:t>5</a:t>
-            </a:fld>
-            <a:endParaRPr kumimoji="1" lang="ja-JP" altLang="en-US" dirty="0"/>
           </a:p>
         </p:txBody>
       </p:sp>
     </p:spTree>
     <p:extLst>
       <p:ext uri="{BB962C8B-B14F-4D97-AF65-F5344CB8AC3E}">
-        <p14:creationId xmlns:p14="http://schemas.microsoft.com/office/powerpoint/2010/main" val="4043343171"/>
+        <p14:creationId xmlns:p14="http://schemas.microsoft.com/office/powerpoint/2010/main" val="905650710"/>
       </p:ext>
     </p:extLst>
   </p:cSld>
@@ -12639,18 +10538,12 @@
       </p:grpSpPr>
       <p:sp>
         <p:nvSpPr>
-          <p:cNvPr id="2" name="Text Placeholder 1">
-            <a:extLst>
-              <a:ext uri="{FF2B5EF4-FFF2-40B4-BE49-F238E27FC236}">
-                <a16:creationId xmlns:a16="http://schemas.microsoft.com/office/drawing/2014/main" id="{7DC0E089-1CF0-4288-9F91-593E2EF4F9D6}"/>
-              </a:ext>
-            </a:extLst>
-          </p:cNvPr>
+          <p:cNvPr id="2" name="Title 1"/>
           <p:cNvSpPr>
             <a:spLocks noGrp="1"/>
           </p:cNvSpPr>
           <p:nvPr>
-            <p:ph type="body" sz="quarter" idx="10"/>
+            <p:ph type="title"/>
           </p:nvPr>
         </p:nvSpPr>
         <p:spPr/>
@@ -12659,16 +10552,113 @@
           <a:lstStyle/>
           <a:p>
             <a:r>
-              <a:rPr lang="en-US" dirty="0"/>
-              <a:t>30 genes</a:t>
-            </a:r>
-          </a:p>
-        </p:txBody>
-      </p:sp>
+              <a:rPr lang="en-US" dirty="0" smtClean="0"/>
+              <a:t>Nonzero Interaction Effects Proportion=0.05</a:t>
+            </a:r>
+            <a:endParaRPr lang="en-US" dirty="0"/>
+          </a:p>
+        </p:txBody>
+      </p:sp>
+      <p:sp>
+        <p:nvSpPr>
+          <p:cNvPr id="4" name="Footer Placeholder 3"/>
+          <p:cNvSpPr>
+            <a:spLocks noGrp="1"/>
+          </p:cNvSpPr>
+          <p:nvPr>
+            <p:ph type="ftr" sz="quarter" idx="11"/>
+          </p:nvPr>
+        </p:nvSpPr>
+        <p:spPr/>
+        <p:txBody>
+          <a:bodyPr/>
+          <a:lstStyle/>
+          <a:p>
+            <a:r>
+              <a:rPr lang="ja-JP" altLang="en-US" smtClean="0"/>
+              <a:t>｜</a:t>
+            </a:r>
+            <a:r>
+              <a:rPr lang="en-US" altLang="ja-JP" smtClean="0"/>
+              <a:t>0000</a:t>
+            </a:r>
+            <a:r>
+              <a:rPr lang="ja-JP" altLang="en-US" smtClean="0"/>
+              <a:t>　</a:t>
+            </a:r>
+            <a:r>
+              <a:rPr lang="en-US" altLang="ja-JP" smtClean="0"/>
+              <a:t>|</a:t>
+            </a:r>
+            <a:r>
+              <a:rPr lang="ja-JP" altLang="en-US" smtClean="0"/>
+              <a:t>　　</a:t>
+            </a:r>
+            <a:r>
+              <a:rPr lang="en-US" altLang="ja-JP" smtClean="0"/>
+              <a:t>DDMMYY</a:t>
+            </a:r>
+            <a:endParaRPr lang="ja-JP" altLang="en-US" dirty="0"/>
+          </a:p>
+        </p:txBody>
+      </p:sp>
+      <p:sp>
+        <p:nvSpPr>
+          <p:cNvPr id="5" name="Slide Number Placeholder 4"/>
+          <p:cNvSpPr>
+            <a:spLocks noGrp="1"/>
+          </p:cNvSpPr>
+          <p:nvPr>
+            <p:ph type="sldNum" sz="quarter" idx="12"/>
+          </p:nvPr>
+        </p:nvSpPr>
+        <p:spPr/>
+        <p:txBody>
+          <a:bodyPr/>
+          <a:lstStyle/>
+          <a:p>
+            <a:fld id="{E9B57936-92EF-4126-AE48-1D9D36D15E98}" type="slidenum">
+              <a:rPr kumimoji="1" lang="ja-JP" altLang="en-US" smtClean="0"/>
+              <a:pPr/>
+              <a:t>6</a:t>
+            </a:fld>
+            <a:endParaRPr kumimoji="1" lang="ja-JP" altLang="en-US" dirty="0"/>
+          </a:p>
+        </p:txBody>
+      </p:sp>
+      <p:pic>
+        <p:nvPicPr>
+          <p:cNvPr id="8" name="Content Placeholder 7"/>
+          <p:cNvPicPr>
+            <a:picLocks noGrp="1" noChangeAspect="1"/>
+          </p:cNvPicPr>
+          <p:nvPr>
+            <p:ph idx="1"/>
+          </p:nvPr>
+        </p:nvPicPr>
+        <p:blipFill>
+          <a:blip r:embed="rId2">
+            <a:extLst>
+              <a:ext uri="{28A0092B-C50C-407E-A947-70E740481C1C}">
+                <a14:useLocalDpi xmlns:a14="http://schemas.microsoft.com/office/drawing/2010/main" val="0"/>
+              </a:ext>
+            </a:extLst>
+          </a:blip>
+          <a:stretch>
+            <a:fillRect/>
+          </a:stretch>
+        </p:blipFill>
+        <p:spPr>
+          <a:xfrm>
+            <a:off x="404813" y="2070497"/>
+            <a:ext cx="8281987" cy="1380331"/>
+          </a:xfrm>
+        </p:spPr>
+      </p:pic>
     </p:spTree>
     <p:extLst>
       <p:ext uri="{BB962C8B-B14F-4D97-AF65-F5344CB8AC3E}">
-        <p14:creationId xmlns:p14="http://schemas.microsoft.com/office/powerpoint/2010/main" val="747403185"/>
+        <p14:creationId xmlns:p14="http://schemas.microsoft.com/office/powerpoint/2010/main" val="1709867120"/>
       </p:ext>
     </p:extLst>
   </p:cSld>
@@ -12697,13 +10687,7 @@
       </p:grpSpPr>
       <p:sp>
         <p:nvSpPr>
-          <p:cNvPr id="2" name="Title 1">
-            <a:extLst>
-              <a:ext uri="{FF2B5EF4-FFF2-40B4-BE49-F238E27FC236}">
-                <a16:creationId xmlns:a16="http://schemas.microsoft.com/office/drawing/2014/main" id="{06D5DA9A-9EC9-4ECA-9122-83F63B48B762}"/>
-              </a:ext>
-            </a:extLst>
-          </p:cNvPr>
+          <p:cNvPr id="2" name="Title 1"/>
           <p:cNvSpPr>
             <a:spLocks noGrp="1"/>
           </p:cNvSpPr>
@@ -12717,56 +10701,88 @@
           <a:lstStyle/>
           <a:p>
             <a:r>
-              <a:rPr lang="en-US" dirty="0"/>
-              <a:t>FDR</a:t>
-            </a:r>
-          </a:p>
-        </p:txBody>
-      </p:sp>
-      <p:sp>
-        <p:nvSpPr>
-          <p:cNvPr id="3" name="Text Placeholder 2">
-            <a:extLst>
-              <a:ext uri="{FF2B5EF4-FFF2-40B4-BE49-F238E27FC236}">
-                <a16:creationId xmlns:a16="http://schemas.microsoft.com/office/drawing/2014/main" id="{783A6151-D98E-4ADD-B8D8-7A80912487F3}"/>
-              </a:ext>
-            </a:extLst>
-          </p:cNvPr>
+              <a:rPr lang="en-US" dirty="0" smtClean="0"/>
+              <a:t>Nonzero Interaction Effects Proportion=0.1</a:t>
+            </a:r>
+            <a:endParaRPr lang="en-US" dirty="0"/>
+          </a:p>
+        </p:txBody>
+      </p:sp>
+      <p:sp>
+        <p:nvSpPr>
+          <p:cNvPr id="4" name="Footer Placeholder 3"/>
           <p:cNvSpPr>
             <a:spLocks noGrp="1"/>
           </p:cNvSpPr>
           <p:nvPr>
-            <p:ph type="body" idx="1"/>
+            <p:ph type="ftr" sz="quarter" idx="11"/>
           </p:nvPr>
         </p:nvSpPr>
         <p:spPr/>
         <p:txBody>
-          <a:bodyPr>
-            <a:normAutofit lnSpcReduction="10000"/>
-          </a:bodyPr>
+          <a:bodyPr/>
           <a:lstStyle/>
           <a:p>
             <a:r>
-              <a:rPr lang="en-US" dirty="0"/>
-              <a:t>Main</a:t>
-            </a:r>
+              <a:rPr lang="ja-JP" altLang="en-US" smtClean="0"/>
+              <a:t>｜</a:t>
+            </a:r>
+            <a:r>
+              <a:rPr lang="en-US" altLang="ja-JP" smtClean="0"/>
+              <a:t>0000</a:t>
+            </a:r>
+            <a:r>
+              <a:rPr lang="ja-JP" altLang="en-US" smtClean="0"/>
+              <a:t>　</a:t>
+            </a:r>
+            <a:r>
+              <a:rPr lang="en-US" altLang="ja-JP" smtClean="0"/>
+              <a:t>|</a:t>
+            </a:r>
+            <a:r>
+              <a:rPr lang="ja-JP" altLang="en-US" smtClean="0"/>
+              <a:t>　　</a:t>
+            </a:r>
+            <a:r>
+              <a:rPr lang="en-US" altLang="ja-JP" smtClean="0"/>
+              <a:t>DDMMYY</a:t>
+            </a:r>
+            <a:endParaRPr lang="ja-JP" altLang="en-US" dirty="0"/>
+          </a:p>
+        </p:txBody>
+      </p:sp>
+      <p:sp>
+        <p:nvSpPr>
+          <p:cNvPr id="5" name="Slide Number Placeholder 4"/>
+          <p:cNvSpPr>
+            <a:spLocks noGrp="1"/>
+          </p:cNvSpPr>
+          <p:nvPr>
+            <p:ph type="sldNum" sz="quarter" idx="12"/>
+          </p:nvPr>
+        </p:nvSpPr>
+        <p:spPr/>
+        <p:txBody>
+          <a:bodyPr/>
+          <a:lstStyle/>
+          <a:p>
+            <a:fld id="{E9B57936-92EF-4126-AE48-1D9D36D15E98}" type="slidenum">
+              <a:rPr kumimoji="1" lang="ja-JP" altLang="en-US" smtClean="0"/>
+              <a:pPr/>
+              <a:t>7</a:t>
+            </a:fld>
+            <a:endParaRPr kumimoji="1" lang="ja-JP" altLang="en-US" dirty="0"/>
           </a:p>
         </p:txBody>
       </p:sp>
       <p:pic>
         <p:nvPicPr>
-          <p:cNvPr id="10" name="Content Placeholder 9">
-            <a:extLst>
-              <a:ext uri="{FF2B5EF4-FFF2-40B4-BE49-F238E27FC236}">
-                <a16:creationId xmlns:a16="http://schemas.microsoft.com/office/drawing/2014/main" id="{E438DB2E-C0F4-4456-BB2C-CF0B5ECE2600}"/>
-              </a:ext>
-            </a:extLst>
-          </p:cNvPr>
+          <p:cNvPr id="6" name="Content Placeholder 5"/>
           <p:cNvPicPr>
             <a:picLocks noGrp="1" noChangeAspect="1"/>
           </p:cNvPicPr>
           <p:nvPr>
-            <p:ph sz="half" idx="2"/>
+            <p:ph idx="1"/>
           </p:nvPr>
         </p:nvPicPr>
         <p:blipFill>
@@ -12783,159 +10799,15 @@
         </p:blipFill>
         <p:spPr>
           <a:xfrm>
-            <a:off x="404813" y="1732077"/>
-            <a:ext cx="4092575" cy="2306408"/>
+            <a:off x="404813" y="2070497"/>
+            <a:ext cx="8281987" cy="1380331"/>
           </a:xfrm>
         </p:spPr>
       </p:pic>
-      <p:sp>
-        <p:nvSpPr>
-          <p:cNvPr id="5" name="Text Placeholder 4">
-            <a:extLst>
-              <a:ext uri="{FF2B5EF4-FFF2-40B4-BE49-F238E27FC236}">
-                <a16:creationId xmlns:a16="http://schemas.microsoft.com/office/drawing/2014/main" id="{F25B34C4-4E30-4652-8309-EBCAB1918F85}"/>
-              </a:ext>
-            </a:extLst>
-          </p:cNvPr>
-          <p:cNvSpPr>
-            <a:spLocks noGrp="1"/>
-          </p:cNvSpPr>
-          <p:nvPr>
-            <p:ph type="body" sz="quarter" idx="3"/>
-          </p:nvPr>
-        </p:nvSpPr>
-        <p:spPr/>
-        <p:txBody>
-          <a:bodyPr>
-            <a:normAutofit lnSpcReduction="10000"/>
-          </a:bodyPr>
-          <a:lstStyle/>
-          <a:p>
-            <a:r>
-              <a:rPr lang="en-US" dirty="0"/>
-              <a:t>Interaction</a:t>
-            </a:r>
-          </a:p>
-        </p:txBody>
-      </p:sp>
-      <p:pic>
-        <p:nvPicPr>
-          <p:cNvPr id="12" name="Content Placeholder 11">
-            <a:extLst>
-              <a:ext uri="{FF2B5EF4-FFF2-40B4-BE49-F238E27FC236}">
-                <a16:creationId xmlns:a16="http://schemas.microsoft.com/office/drawing/2014/main" id="{FE8E0B34-51DE-4C9D-9BF6-3F0BD01C829E}"/>
-              </a:ext>
-            </a:extLst>
-          </p:cNvPr>
-          <p:cNvPicPr>
-            <a:picLocks noGrp="1" noChangeAspect="1"/>
-          </p:cNvPicPr>
-          <p:nvPr>
-            <p:ph sz="quarter" idx="4"/>
-          </p:nvPr>
-        </p:nvPicPr>
-        <p:blipFill>
-          <a:blip r:embed="rId3">
-            <a:extLst>
-              <a:ext uri="{28A0092B-C50C-407E-A947-70E740481C1C}">
-                <a14:useLocalDpi xmlns:a14="http://schemas.microsoft.com/office/drawing/2010/main" val="0"/>
-              </a:ext>
-            </a:extLst>
-          </a:blip>
-          <a:stretch>
-            <a:fillRect/>
-          </a:stretch>
-        </p:blipFill>
-        <p:spPr>
-          <a:xfrm>
-            <a:off x="4645025" y="1746392"/>
-            <a:ext cx="4041775" cy="2277779"/>
-          </a:xfrm>
-        </p:spPr>
-      </p:pic>
-      <p:sp>
-        <p:nvSpPr>
-          <p:cNvPr id="7" name="Footer Placeholder 6">
-            <a:extLst>
-              <a:ext uri="{FF2B5EF4-FFF2-40B4-BE49-F238E27FC236}">
-                <a16:creationId xmlns:a16="http://schemas.microsoft.com/office/drawing/2014/main" id="{0A46F92B-BA66-4A4F-A8F1-8F6A06CE1F87}"/>
-              </a:ext>
-            </a:extLst>
-          </p:cNvPr>
-          <p:cNvSpPr>
-            <a:spLocks noGrp="1"/>
-          </p:cNvSpPr>
-          <p:nvPr>
-            <p:ph type="ftr" sz="quarter" idx="11"/>
-          </p:nvPr>
-        </p:nvSpPr>
-        <p:spPr/>
-        <p:txBody>
-          <a:bodyPr/>
-          <a:lstStyle/>
-          <a:p>
-            <a:r>
-              <a:rPr lang="ja-JP" altLang="en-US"/>
-              <a:t>｜</a:t>
-            </a:r>
-            <a:r>
-              <a:rPr lang="en-US" altLang="ja-JP"/>
-              <a:t>0000</a:t>
-            </a:r>
-            <a:r>
-              <a:rPr lang="ja-JP" altLang="en-US"/>
-              <a:t>　</a:t>
-            </a:r>
-            <a:r>
-              <a:rPr lang="en-US" altLang="ja-JP"/>
-              <a:t>|</a:t>
-            </a:r>
-            <a:r>
-              <a:rPr lang="ja-JP" altLang="en-US"/>
-              <a:t>　　</a:t>
-            </a:r>
-            <a:r>
-              <a:rPr lang="en-US" altLang="ja-JP"/>
-              <a:t>DDMMYY</a:t>
-            </a:r>
-            <a:endParaRPr lang="ja-JP" altLang="en-US" dirty="0"/>
-          </a:p>
-        </p:txBody>
-      </p:sp>
-      <p:sp>
-        <p:nvSpPr>
-          <p:cNvPr id="8" name="Slide Number Placeholder 7">
-            <a:extLst>
-              <a:ext uri="{FF2B5EF4-FFF2-40B4-BE49-F238E27FC236}">
-                <a16:creationId xmlns:a16="http://schemas.microsoft.com/office/drawing/2014/main" id="{16D4CC7B-BFE7-46A0-B159-52F158EC7311}"/>
-              </a:ext>
-            </a:extLst>
-          </p:cNvPr>
-          <p:cNvSpPr>
-            <a:spLocks noGrp="1"/>
-          </p:cNvSpPr>
-          <p:nvPr>
-            <p:ph type="sldNum" sz="quarter" idx="12"/>
-          </p:nvPr>
-        </p:nvSpPr>
-        <p:spPr/>
-        <p:txBody>
-          <a:bodyPr/>
-          <a:lstStyle/>
-          <a:p>
-            <a:fld id="{E9B57936-92EF-4126-AE48-1D9D36D15E98}" type="slidenum">
-              <a:rPr kumimoji="1" lang="ja-JP" altLang="en-US" smtClean="0"/>
-              <a:pPr/>
-              <a:t>7</a:t>
-            </a:fld>
-            <a:endParaRPr kumimoji="1" lang="ja-JP" altLang="en-US" dirty="0"/>
-          </a:p>
-        </p:txBody>
-      </p:sp>
     </p:spTree>
     <p:extLst>
       <p:ext uri="{BB962C8B-B14F-4D97-AF65-F5344CB8AC3E}">
-        <p14:creationId xmlns:p14="http://schemas.microsoft.com/office/powerpoint/2010/main" val="1729304369"/>
+        <p14:creationId xmlns:p14="http://schemas.microsoft.com/office/powerpoint/2010/main" val="263699384"/>
       </p:ext>
     </p:extLst>
   </p:cSld>
@@ -12964,13 +10836,7 @@
       </p:grpSpPr>
       <p:sp>
         <p:nvSpPr>
-          <p:cNvPr id="2" name="Title 1">
-            <a:extLst>
-              <a:ext uri="{FF2B5EF4-FFF2-40B4-BE49-F238E27FC236}">
-                <a16:creationId xmlns:a16="http://schemas.microsoft.com/office/drawing/2014/main" id="{06D5DA9A-9EC9-4ECA-9122-83F63B48B762}"/>
-              </a:ext>
-            </a:extLst>
-          </p:cNvPr>
+          <p:cNvPr id="2" name="Title 1"/>
           <p:cNvSpPr>
             <a:spLocks noGrp="1"/>
           </p:cNvSpPr>
@@ -12984,56 +10850,88 @@
           <a:lstStyle/>
           <a:p>
             <a:r>
-              <a:rPr lang="en-US" dirty="0"/>
-              <a:t>FNR</a:t>
-            </a:r>
-          </a:p>
-        </p:txBody>
-      </p:sp>
-      <p:sp>
-        <p:nvSpPr>
-          <p:cNvPr id="3" name="Text Placeholder 2">
-            <a:extLst>
-              <a:ext uri="{FF2B5EF4-FFF2-40B4-BE49-F238E27FC236}">
-                <a16:creationId xmlns:a16="http://schemas.microsoft.com/office/drawing/2014/main" id="{783A6151-D98E-4ADD-B8D8-7A80912487F3}"/>
-              </a:ext>
-            </a:extLst>
-          </p:cNvPr>
+              <a:rPr lang="en-US" dirty="0" smtClean="0"/>
+              <a:t>Nonzero Interaction Effects Proportion=0.15</a:t>
+            </a:r>
+            <a:endParaRPr lang="en-US" dirty="0"/>
+          </a:p>
+        </p:txBody>
+      </p:sp>
+      <p:sp>
+        <p:nvSpPr>
+          <p:cNvPr id="4" name="Footer Placeholder 3"/>
           <p:cNvSpPr>
             <a:spLocks noGrp="1"/>
           </p:cNvSpPr>
           <p:nvPr>
-            <p:ph type="body" idx="1"/>
+            <p:ph type="ftr" sz="quarter" idx="11"/>
           </p:nvPr>
         </p:nvSpPr>
         <p:spPr/>
         <p:txBody>
-          <a:bodyPr>
-            <a:normAutofit lnSpcReduction="10000"/>
-          </a:bodyPr>
+          <a:bodyPr/>
           <a:lstStyle/>
           <a:p>
             <a:r>
-              <a:rPr lang="en-US" dirty="0"/>
-              <a:t>Main</a:t>
-            </a:r>
+              <a:rPr lang="ja-JP" altLang="en-US" smtClean="0"/>
+              <a:t>｜</a:t>
+            </a:r>
+            <a:r>
+              <a:rPr lang="en-US" altLang="ja-JP" smtClean="0"/>
+              <a:t>0000</a:t>
+            </a:r>
+            <a:r>
+              <a:rPr lang="ja-JP" altLang="en-US" smtClean="0"/>
+              <a:t>　</a:t>
+            </a:r>
+            <a:r>
+              <a:rPr lang="en-US" altLang="ja-JP" smtClean="0"/>
+              <a:t>|</a:t>
+            </a:r>
+            <a:r>
+              <a:rPr lang="ja-JP" altLang="en-US" smtClean="0"/>
+              <a:t>　　</a:t>
+            </a:r>
+            <a:r>
+              <a:rPr lang="en-US" altLang="ja-JP" smtClean="0"/>
+              <a:t>DDMMYY</a:t>
+            </a:r>
+            <a:endParaRPr lang="ja-JP" altLang="en-US" dirty="0"/>
+          </a:p>
+        </p:txBody>
+      </p:sp>
+      <p:sp>
+        <p:nvSpPr>
+          <p:cNvPr id="5" name="Slide Number Placeholder 4"/>
+          <p:cNvSpPr>
+            <a:spLocks noGrp="1"/>
+          </p:cNvSpPr>
+          <p:nvPr>
+            <p:ph type="sldNum" sz="quarter" idx="12"/>
+          </p:nvPr>
+        </p:nvSpPr>
+        <p:spPr/>
+        <p:txBody>
+          <a:bodyPr/>
+          <a:lstStyle/>
+          <a:p>
+            <a:fld id="{E9B57936-92EF-4126-AE48-1D9D36D15E98}" type="slidenum">
+              <a:rPr kumimoji="1" lang="ja-JP" altLang="en-US" smtClean="0"/>
+              <a:pPr/>
+              <a:t>8</a:t>
+            </a:fld>
+            <a:endParaRPr kumimoji="1" lang="ja-JP" altLang="en-US" dirty="0"/>
           </a:p>
         </p:txBody>
       </p:sp>
       <p:pic>
         <p:nvPicPr>
-          <p:cNvPr id="10" name="Content Placeholder 9">
-            <a:extLst>
-              <a:ext uri="{FF2B5EF4-FFF2-40B4-BE49-F238E27FC236}">
-                <a16:creationId xmlns:a16="http://schemas.microsoft.com/office/drawing/2014/main" id="{82457C63-3786-4BF1-8740-43FED14C7C1E}"/>
-              </a:ext>
-            </a:extLst>
-          </p:cNvPr>
+          <p:cNvPr id="7" name="Content Placeholder 6"/>
           <p:cNvPicPr>
             <a:picLocks noGrp="1" noChangeAspect="1"/>
           </p:cNvPicPr>
           <p:nvPr>
-            <p:ph sz="half" idx="2"/>
+            <p:ph idx="1"/>
           </p:nvPr>
         </p:nvPicPr>
         <p:blipFill>
@@ -13050,159 +10948,15 @@
         </p:blipFill>
         <p:spPr>
           <a:xfrm>
-            <a:off x="404813" y="1732077"/>
-            <a:ext cx="4092575" cy="2306408"/>
+            <a:off x="404813" y="2070497"/>
+            <a:ext cx="8281987" cy="1380331"/>
           </a:xfrm>
         </p:spPr>
       </p:pic>
-      <p:sp>
-        <p:nvSpPr>
-          <p:cNvPr id="5" name="Text Placeholder 4">
-            <a:extLst>
-              <a:ext uri="{FF2B5EF4-FFF2-40B4-BE49-F238E27FC236}">
-                <a16:creationId xmlns:a16="http://schemas.microsoft.com/office/drawing/2014/main" id="{F25B34C4-4E30-4652-8309-EBCAB1918F85}"/>
-              </a:ext>
-            </a:extLst>
-          </p:cNvPr>
-          <p:cNvSpPr>
-            <a:spLocks noGrp="1"/>
-          </p:cNvSpPr>
-          <p:nvPr>
-            <p:ph type="body" sz="quarter" idx="3"/>
-          </p:nvPr>
-        </p:nvSpPr>
-        <p:spPr/>
-        <p:txBody>
-          <a:bodyPr>
-            <a:normAutofit lnSpcReduction="10000"/>
-          </a:bodyPr>
-          <a:lstStyle/>
-          <a:p>
-            <a:r>
-              <a:rPr lang="en-US" dirty="0"/>
-              <a:t>Interaction</a:t>
-            </a:r>
-          </a:p>
-        </p:txBody>
-      </p:sp>
-      <p:pic>
-        <p:nvPicPr>
-          <p:cNvPr id="12" name="Content Placeholder 11">
-            <a:extLst>
-              <a:ext uri="{FF2B5EF4-FFF2-40B4-BE49-F238E27FC236}">
-                <a16:creationId xmlns:a16="http://schemas.microsoft.com/office/drawing/2014/main" id="{F0568633-8D68-4A67-8FCC-BB8BB4E5990F}"/>
-              </a:ext>
-            </a:extLst>
-          </p:cNvPr>
-          <p:cNvPicPr>
-            <a:picLocks noGrp="1" noChangeAspect="1"/>
-          </p:cNvPicPr>
-          <p:nvPr>
-            <p:ph sz="quarter" idx="4"/>
-          </p:nvPr>
-        </p:nvPicPr>
-        <p:blipFill>
-          <a:blip r:embed="rId3">
-            <a:extLst>
-              <a:ext uri="{28A0092B-C50C-407E-A947-70E740481C1C}">
-                <a14:useLocalDpi xmlns:a14="http://schemas.microsoft.com/office/drawing/2010/main" val="0"/>
-              </a:ext>
-            </a:extLst>
-          </a:blip>
-          <a:stretch>
-            <a:fillRect/>
-          </a:stretch>
-        </p:blipFill>
-        <p:spPr>
-          <a:xfrm>
-            <a:off x="4645025" y="1746392"/>
-            <a:ext cx="4041775" cy="2277779"/>
-          </a:xfrm>
-        </p:spPr>
-      </p:pic>
-      <p:sp>
-        <p:nvSpPr>
-          <p:cNvPr id="7" name="Footer Placeholder 6">
-            <a:extLst>
-              <a:ext uri="{FF2B5EF4-FFF2-40B4-BE49-F238E27FC236}">
-                <a16:creationId xmlns:a16="http://schemas.microsoft.com/office/drawing/2014/main" id="{0A46F92B-BA66-4A4F-A8F1-8F6A06CE1F87}"/>
-              </a:ext>
-            </a:extLst>
-          </p:cNvPr>
-          <p:cNvSpPr>
-            <a:spLocks noGrp="1"/>
-          </p:cNvSpPr>
-          <p:nvPr>
-            <p:ph type="ftr" sz="quarter" idx="11"/>
-          </p:nvPr>
-        </p:nvSpPr>
-        <p:spPr/>
-        <p:txBody>
-          <a:bodyPr/>
-          <a:lstStyle/>
-          <a:p>
-            <a:r>
-              <a:rPr lang="ja-JP" altLang="en-US"/>
-              <a:t>｜</a:t>
-            </a:r>
-            <a:r>
-              <a:rPr lang="en-US" altLang="ja-JP"/>
-              <a:t>0000</a:t>
-            </a:r>
-            <a:r>
-              <a:rPr lang="ja-JP" altLang="en-US"/>
-              <a:t>　</a:t>
-            </a:r>
-            <a:r>
-              <a:rPr lang="en-US" altLang="ja-JP"/>
-              <a:t>|</a:t>
-            </a:r>
-            <a:r>
-              <a:rPr lang="ja-JP" altLang="en-US"/>
-              <a:t>　　</a:t>
-            </a:r>
-            <a:r>
-              <a:rPr lang="en-US" altLang="ja-JP"/>
-              <a:t>DDMMYY</a:t>
-            </a:r>
-            <a:endParaRPr lang="ja-JP" altLang="en-US" dirty="0"/>
-          </a:p>
-        </p:txBody>
-      </p:sp>
-      <p:sp>
-        <p:nvSpPr>
-          <p:cNvPr id="8" name="Slide Number Placeholder 7">
-            <a:extLst>
-              <a:ext uri="{FF2B5EF4-FFF2-40B4-BE49-F238E27FC236}">
-                <a16:creationId xmlns:a16="http://schemas.microsoft.com/office/drawing/2014/main" id="{16D4CC7B-BFE7-46A0-B159-52F158EC7311}"/>
-              </a:ext>
-            </a:extLst>
-          </p:cNvPr>
-          <p:cNvSpPr>
-            <a:spLocks noGrp="1"/>
-          </p:cNvSpPr>
-          <p:nvPr>
-            <p:ph type="sldNum" sz="quarter" idx="12"/>
-          </p:nvPr>
-        </p:nvSpPr>
-        <p:spPr/>
-        <p:txBody>
-          <a:bodyPr/>
-          <a:lstStyle/>
-          <a:p>
-            <a:fld id="{E9B57936-92EF-4126-AE48-1D9D36D15E98}" type="slidenum">
-              <a:rPr kumimoji="1" lang="ja-JP" altLang="en-US" smtClean="0"/>
-              <a:pPr/>
-              <a:t>8</a:t>
-            </a:fld>
-            <a:endParaRPr kumimoji="1" lang="ja-JP" altLang="en-US" dirty="0"/>
-          </a:p>
-        </p:txBody>
-      </p:sp>
     </p:spTree>
     <p:extLst>
       <p:ext uri="{BB962C8B-B14F-4D97-AF65-F5344CB8AC3E}">
-        <p14:creationId xmlns:p14="http://schemas.microsoft.com/office/powerpoint/2010/main" val="1459006633"/>
+        <p14:creationId xmlns:p14="http://schemas.microsoft.com/office/powerpoint/2010/main" val="1908624076"/>
       </p:ext>
     </p:extLst>
   </p:cSld>

--- a/manu & slides/814.pptx
+++ b/manu & slides/814.pptx
@@ -142,10 +142,6 @@
     </p:ext>
   </p:extLst>
 </p:presentation>
-</file>
-
-<file path=ppt/revisionInfo.xml><?xml version="1.0" encoding="utf-8"?>
-<p1510:revInfo xmlns:a="http://schemas.openxmlformats.org/drawingml/2006/main" xmlns:r="http://schemas.openxmlformats.org/officeDocument/2006/relationships" xmlns:p1510="http://schemas.microsoft.com/office/powerpoint/2015/10/main"/>
 </file>
 
 <file path=ppt/notesMasters/notesMaster1.xml><?xml version="1.0" encoding="utf-8"?>
@@ -7152,10 +7148,9 @@
           <a:lstStyle/>
           <a:p>
             <a:r>
-              <a:rPr lang="en-US" dirty="0" smtClean="0"/>
+              <a:rPr lang="en-US" dirty="0"/>
               <a:t>Nonzero Interaction Effects Proportion=0.2</a:t>
             </a:r>
-            <a:endParaRPr lang="en-US" dirty="0"/>
           </a:p>
         </p:txBody>
       </p:sp>
@@ -7175,27 +7170,27 @@
           <a:lstStyle/>
           <a:p>
             <a:r>
-              <a:rPr lang="ja-JP" altLang="en-US" smtClean="0"/>
+              <a:rPr lang="ja-JP" altLang="en-US"/>
               <a:t>｜</a:t>
             </a:r>
             <a:r>
-              <a:rPr lang="en-US" altLang="ja-JP" smtClean="0"/>
+              <a:rPr lang="en-US" altLang="ja-JP"/>
               <a:t>0000</a:t>
             </a:r>
             <a:r>
-              <a:rPr lang="ja-JP" altLang="en-US" smtClean="0"/>
+              <a:rPr lang="ja-JP" altLang="en-US"/>
               <a:t>　</a:t>
             </a:r>
             <a:r>
-              <a:rPr lang="en-US" altLang="ja-JP" smtClean="0"/>
+              <a:rPr lang="en-US" altLang="ja-JP"/>
               <a:t>|</a:t>
             </a:r>
             <a:r>
-              <a:rPr lang="ja-JP" altLang="en-US" smtClean="0"/>
+              <a:rPr lang="ja-JP" altLang="en-US"/>
               <a:t>　　</a:t>
             </a:r>
             <a:r>
-              <a:rPr lang="en-US" altLang="ja-JP" smtClean="0"/>
+              <a:rPr lang="en-US" altLang="ja-JP"/>
               <a:t>DDMMYY</a:t>
             </a:r>
             <a:endParaRPr lang="ja-JP" altLang="en-US" dirty="0"/>
@@ -7301,7 +7296,7 @@
           <a:lstStyle/>
           <a:p>
             <a:r>
-              <a:rPr lang="en-US" altLang="zh-CN" dirty="0" smtClean="0"/>
+              <a:rPr lang="en-US" altLang="zh-CN" dirty="0"/>
               <a:t>SNR</a:t>
             </a:r>
             <a:endParaRPr lang="en-US" dirty="0"/>
@@ -7354,10 +7349,9 @@
           <a:lstStyle/>
           <a:p>
             <a:r>
-              <a:rPr lang="en-US" dirty="0" smtClean="0"/>
+              <a:rPr lang="en-US" dirty="0"/>
               <a:t>SNR=1</a:t>
             </a:r>
-            <a:endParaRPr lang="en-US" dirty="0"/>
           </a:p>
         </p:txBody>
       </p:sp>
@@ -7377,27 +7371,27 @@
           <a:lstStyle/>
           <a:p>
             <a:r>
-              <a:rPr lang="ja-JP" altLang="en-US" smtClean="0"/>
+              <a:rPr lang="ja-JP" altLang="en-US"/>
               <a:t>｜</a:t>
             </a:r>
             <a:r>
-              <a:rPr lang="en-US" altLang="ja-JP" smtClean="0"/>
+              <a:rPr lang="en-US" altLang="ja-JP"/>
               <a:t>0000</a:t>
             </a:r>
             <a:r>
-              <a:rPr lang="ja-JP" altLang="en-US" smtClean="0"/>
+              <a:rPr lang="ja-JP" altLang="en-US"/>
               <a:t>　</a:t>
             </a:r>
             <a:r>
-              <a:rPr lang="en-US" altLang="ja-JP" smtClean="0"/>
+              <a:rPr lang="en-US" altLang="ja-JP"/>
               <a:t>|</a:t>
             </a:r>
             <a:r>
-              <a:rPr lang="ja-JP" altLang="en-US" smtClean="0"/>
+              <a:rPr lang="ja-JP" altLang="en-US"/>
               <a:t>　　</a:t>
             </a:r>
             <a:r>
-              <a:rPr lang="en-US" altLang="ja-JP" smtClean="0"/>
+              <a:rPr lang="en-US" altLang="ja-JP"/>
               <a:t>DDMMYY</a:t>
             </a:r>
             <a:endParaRPr lang="ja-JP" altLang="en-US" dirty="0"/>
@@ -7503,10 +7497,9 @@
           <a:lstStyle/>
           <a:p>
             <a:r>
-              <a:rPr lang="en-US" dirty="0" smtClean="0"/>
+              <a:rPr lang="en-US" dirty="0"/>
               <a:t>SNR=5</a:t>
             </a:r>
-            <a:endParaRPr lang="en-US" dirty="0"/>
           </a:p>
         </p:txBody>
       </p:sp>
@@ -7526,27 +7519,27 @@
           <a:lstStyle/>
           <a:p>
             <a:r>
-              <a:rPr lang="ja-JP" altLang="en-US" smtClean="0"/>
+              <a:rPr lang="ja-JP" altLang="en-US"/>
               <a:t>｜</a:t>
             </a:r>
             <a:r>
-              <a:rPr lang="en-US" altLang="ja-JP" smtClean="0"/>
+              <a:rPr lang="en-US" altLang="ja-JP"/>
               <a:t>0000</a:t>
             </a:r>
             <a:r>
-              <a:rPr lang="ja-JP" altLang="en-US" smtClean="0"/>
+              <a:rPr lang="ja-JP" altLang="en-US"/>
               <a:t>　</a:t>
             </a:r>
             <a:r>
-              <a:rPr lang="en-US" altLang="ja-JP" smtClean="0"/>
+              <a:rPr lang="en-US" altLang="ja-JP"/>
               <a:t>|</a:t>
             </a:r>
             <a:r>
-              <a:rPr lang="ja-JP" altLang="en-US" smtClean="0"/>
+              <a:rPr lang="ja-JP" altLang="en-US"/>
               <a:t>　　</a:t>
             </a:r>
             <a:r>
-              <a:rPr lang="en-US" altLang="ja-JP" smtClean="0"/>
+              <a:rPr lang="en-US" altLang="ja-JP"/>
               <a:t>DDMMYY</a:t>
             </a:r>
             <a:endParaRPr lang="ja-JP" altLang="en-US" dirty="0"/>
@@ -7652,10 +7645,9 @@
           <a:lstStyle/>
           <a:p>
             <a:r>
-              <a:rPr lang="en-US" dirty="0" smtClean="0"/>
+              <a:rPr lang="en-US" dirty="0"/>
               <a:t>SNR=10</a:t>
             </a:r>
-            <a:endParaRPr lang="en-US" dirty="0"/>
           </a:p>
         </p:txBody>
       </p:sp>
@@ -7675,27 +7667,27 @@
           <a:lstStyle/>
           <a:p>
             <a:r>
-              <a:rPr lang="ja-JP" altLang="en-US" smtClean="0"/>
+              <a:rPr lang="ja-JP" altLang="en-US"/>
               <a:t>｜</a:t>
             </a:r>
             <a:r>
-              <a:rPr lang="en-US" altLang="ja-JP" smtClean="0"/>
+              <a:rPr lang="en-US" altLang="ja-JP"/>
               <a:t>0000</a:t>
             </a:r>
             <a:r>
-              <a:rPr lang="ja-JP" altLang="en-US" smtClean="0"/>
+              <a:rPr lang="ja-JP" altLang="en-US"/>
               <a:t>　</a:t>
             </a:r>
             <a:r>
-              <a:rPr lang="en-US" altLang="ja-JP" smtClean="0"/>
+              <a:rPr lang="en-US" altLang="ja-JP"/>
               <a:t>|</a:t>
             </a:r>
             <a:r>
-              <a:rPr lang="ja-JP" altLang="en-US" smtClean="0"/>
+              <a:rPr lang="ja-JP" altLang="en-US"/>
               <a:t>　　</a:t>
             </a:r>
             <a:r>
-              <a:rPr lang="en-US" altLang="ja-JP" smtClean="0"/>
+              <a:rPr lang="en-US" altLang="ja-JP"/>
               <a:t>DDMMYY</a:t>
             </a:r>
             <a:endParaRPr lang="ja-JP" altLang="en-US" dirty="0"/>
@@ -7801,10 +7793,9 @@
           <a:lstStyle/>
           <a:p>
             <a:r>
-              <a:rPr lang="en-US" dirty="0" smtClean="0"/>
+              <a:rPr lang="en-US" dirty="0"/>
               <a:t>SNR=100</a:t>
             </a:r>
-            <a:endParaRPr lang="en-US" dirty="0"/>
           </a:p>
         </p:txBody>
       </p:sp>
@@ -7824,27 +7815,27 @@
           <a:lstStyle/>
           <a:p>
             <a:r>
-              <a:rPr lang="ja-JP" altLang="en-US" smtClean="0"/>
+              <a:rPr lang="ja-JP" altLang="en-US"/>
               <a:t>｜</a:t>
             </a:r>
             <a:r>
-              <a:rPr lang="en-US" altLang="ja-JP" smtClean="0"/>
+              <a:rPr lang="en-US" altLang="ja-JP"/>
               <a:t>0000</a:t>
             </a:r>
             <a:r>
-              <a:rPr lang="ja-JP" altLang="en-US" smtClean="0"/>
+              <a:rPr lang="ja-JP" altLang="en-US"/>
               <a:t>　</a:t>
             </a:r>
             <a:r>
-              <a:rPr lang="en-US" altLang="ja-JP" smtClean="0"/>
+              <a:rPr lang="en-US" altLang="ja-JP"/>
               <a:t>|</a:t>
             </a:r>
             <a:r>
-              <a:rPr lang="ja-JP" altLang="en-US" smtClean="0"/>
+              <a:rPr lang="ja-JP" altLang="en-US"/>
               <a:t>　　</a:t>
             </a:r>
             <a:r>
-              <a:rPr lang="en-US" altLang="ja-JP" smtClean="0"/>
+              <a:rPr lang="en-US" altLang="ja-JP"/>
               <a:t>DDMMYY</a:t>
             </a:r>
             <a:endParaRPr lang="ja-JP" altLang="en-US" dirty="0"/>
@@ -7950,10 +7941,9 @@
           <a:lstStyle/>
           <a:p>
             <a:r>
-              <a:rPr lang="en-US" dirty="0" smtClean="0"/>
+              <a:rPr lang="en-US" dirty="0"/>
               <a:t>When p=2n</a:t>
             </a:r>
-            <a:endParaRPr lang="en-US" dirty="0"/>
           </a:p>
         </p:txBody>
       </p:sp>
@@ -8003,10 +7993,9 @@
           <a:lstStyle/>
           <a:p>
             <a:r>
-              <a:rPr lang="en-US" dirty="0" smtClean="0"/>
+              <a:rPr lang="en-US" dirty="0"/>
               <a:t>Dimension of genes=200 and total dimension=406</a:t>
             </a:r>
-            <a:endParaRPr lang="en-US" dirty="0"/>
           </a:p>
         </p:txBody>
       </p:sp>
@@ -8055,27 +8044,27 @@
           <a:lstStyle/>
           <a:p>
             <a:r>
-              <a:rPr lang="ja-JP" altLang="en-US" smtClean="0"/>
+              <a:rPr lang="ja-JP" altLang="en-US"/>
               <a:t>｜</a:t>
             </a:r>
             <a:r>
-              <a:rPr lang="en-US" altLang="ja-JP" smtClean="0"/>
+              <a:rPr lang="en-US" altLang="ja-JP"/>
               <a:t>0000</a:t>
             </a:r>
             <a:r>
-              <a:rPr lang="ja-JP" altLang="en-US" smtClean="0"/>
+              <a:rPr lang="ja-JP" altLang="en-US"/>
               <a:t>　</a:t>
             </a:r>
             <a:r>
-              <a:rPr lang="en-US" altLang="ja-JP" smtClean="0"/>
+              <a:rPr lang="en-US" altLang="ja-JP"/>
               <a:t>|</a:t>
             </a:r>
             <a:r>
-              <a:rPr lang="ja-JP" altLang="en-US" smtClean="0"/>
+              <a:rPr lang="ja-JP" altLang="en-US"/>
               <a:t>　　</a:t>
             </a:r>
             <a:r>
-              <a:rPr lang="en-US" altLang="ja-JP" smtClean="0"/>
+              <a:rPr lang="en-US" altLang="ja-JP"/>
               <a:t>DDMMYY</a:t>
             </a:r>
             <a:endParaRPr lang="ja-JP" altLang="en-US" dirty="0"/>
@@ -8152,10 +8141,9 @@
           <a:lstStyle/>
           <a:p>
             <a:r>
-              <a:rPr lang="en-US" dirty="0" smtClean="0"/>
+              <a:rPr lang="en-US" dirty="0"/>
               <a:t>When covariates are SNP</a:t>
             </a:r>
-            <a:endParaRPr lang="en-US" dirty="0"/>
           </a:p>
         </p:txBody>
       </p:sp>
@@ -8205,10 +8193,9 @@
           <a:lstStyle/>
           <a:p>
             <a:r>
-              <a:rPr lang="en-US" dirty="0" smtClean="0"/>
+              <a:rPr lang="en-US" dirty="0"/>
               <a:t>SNP</a:t>
             </a:r>
-            <a:endParaRPr lang="en-US" dirty="0"/>
           </a:p>
         </p:txBody>
       </p:sp>
@@ -8257,27 +8244,27 @@
           <a:lstStyle/>
           <a:p>
             <a:r>
-              <a:rPr lang="ja-JP" altLang="en-US" smtClean="0"/>
+              <a:rPr lang="ja-JP" altLang="en-US"/>
               <a:t>｜</a:t>
             </a:r>
             <a:r>
-              <a:rPr lang="en-US" altLang="ja-JP" smtClean="0"/>
+              <a:rPr lang="en-US" altLang="ja-JP"/>
               <a:t>0000</a:t>
             </a:r>
             <a:r>
-              <a:rPr lang="ja-JP" altLang="en-US" smtClean="0"/>
+              <a:rPr lang="ja-JP" altLang="en-US"/>
               <a:t>　</a:t>
             </a:r>
             <a:r>
-              <a:rPr lang="en-US" altLang="ja-JP" smtClean="0"/>
+              <a:rPr lang="en-US" altLang="ja-JP"/>
               <a:t>|</a:t>
             </a:r>
             <a:r>
-              <a:rPr lang="ja-JP" altLang="en-US" smtClean="0"/>
+              <a:rPr lang="ja-JP" altLang="en-US"/>
               <a:t>　　</a:t>
             </a:r>
             <a:r>
-              <a:rPr lang="en-US" altLang="ja-JP" smtClean="0"/>
+              <a:rPr lang="en-US" altLang="ja-JP"/>
               <a:t>DDMMYY</a:t>
             </a:r>
             <a:endParaRPr lang="ja-JP" altLang="en-US" dirty="0"/>
@@ -8504,7 +8491,7 @@
                       <m:funcPr>
                         <m:ctrlPr>
                           <a:rPr lang="en-US" sz="2800" i="1">
-                            <a:latin typeface="Cambria Math" charset="0"/>
+                            <a:latin typeface="Cambria Math" panose="02040503050406030204" pitchFamily="18" charset="0"/>
                           </a:rPr>
                         </m:ctrlPr>
                       </m:funcPr>
@@ -8513,7 +8500,7 @@
                           <m:limLowPr>
                             <m:ctrlPr>
                               <a:rPr lang="en-US" sz="2800" i="1">
-                                <a:latin typeface="Cambria Math" charset="0"/>
+                                <a:latin typeface="Cambria Math" panose="02040503050406030204" pitchFamily="18" charset="0"/>
                               </a:rPr>
                             </m:ctrlPr>
                           </m:limLowPr>
@@ -8548,7 +8535,7 @@
                             <m:endChr m:val="]"/>
                             <m:ctrlPr>
                               <a:rPr lang="en-US" sz="2800" i="1">
-                                <a:latin typeface="Cambria Math" charset="0"/>
+                                <a:latin typeface="Cambria Math" panose="02040503050406030204" pitchFamily="18" charset="0"/>
                               </a:rPr>
                             </m:ctrlPr>
                           </m:dPr>
@@ -8557,7 +8544,7 @@
                               <m:sSubSupPr>
                                 <m:ctrlPr>
                                   <a:rPr lang="en-US" sz="2800" i="1">
-                                    <a:latin typeface="Cambria Math" charset="0"/>
+                                    <a:latin typeface="Cambria Math" panose="02040503050406030204" pitchFamily="18" charset="0"/>
                                   </a:rPr>
                                 </m:ctrlPr>
                               </m:sSubSupPr>
@@ -8568,7 +8555,7 @@
                                     <m:endChr m:val="‖"/>
                                     <m:ctrlPr>
                                       <a:rPr lang="en-US" sz="2800" i="1">
-                                        <a:latin typeface="Cambria Math" charset="0"/>
+                                        <a:latin typeface="Cambria Math" panose="02040503050406030204" pitchFamily="18" charset="0"/>
                                       </a:rPr>
                                     </m:ctrlPr>
                                   </m:dPr>
@@ -8595,7 +8582,7 @@
                                       <m:dPr>
                                         <m:ctrlPr>
                                           <a:rPr lang="en-US" sz="2800" i="1">
-                                            <a:latin typeface="Cambria Math" charset="0"/>
+                                            <a:latin typeface="Cambria Math" panose="02040503050406030204" pitchFamily="18" charset="0"/>
                                           </a:rPr>
                                         </m:ctrlPr>
                                       </m:dPr>
@@ -8716,7 +8703,7 @@
                               <m:dPr>
                                 <m:ctrlPr>
                                   <a:rPr lang="en-US" sz="2800" i="1">
-                                    <a:latin typeface="Cambria Math" charset="0"/>
+                                    <a:latin typeface="Cambria Math" panose="02040503050406030204" pitchFamily="18" charset="0"/>
                                   </a:rPr>
                                 </m:ctrlPr>
                               </m:dPr>
@@ -8728,7 +8715,7 @@
                                     <m:supHide m:val="on"/>
                                     <m:ctrlPr>
                                       <a:rPr lang="en-US" sz="2800" i="1">
-                                        <a:latin typeface="Cambria Math" charset="0"/>
+                                        <a:latin typeface="Cambria Math" panose="02040503050406030204" pitchFamily="18" charset="0"/>
                                       </a:rPr>
                                     </m:ctrlPr>
                                   </m:naryPr>
@@ -8739,7 +8726,7 @@
                                       <m:sSubPr>
                                         <m:ctrlPr>
                                           <a:rPr lang="en-US" sz="2800" i="1">
-                                            <a:latin typeface="Cambria Math" charset="0"/>
+                                            <a:latin typeface="Cambria Math" panose="02040503050406030204" pitchFamily="18" charset="0"/>
                                           </a:rPr>
                                         </m:ctrlPr>
                                       </m:sSubPr>
@@ -8765,7 +8752,7 @@
                                       <m:sSubPr>
                                         <m:ctrlPr>
                                           <a:rPr lang="en-US" sz="2800" i="1">
-                                            <a:latin typeface="Cambria Math" charset="0"/>
+                                            <a:latin typeface="Cambria Math" panose="02040503050406030204" pitchFamily="18" charset="0"/>
                                           </a:rPr>
                                         </m:ctrlPr>
                                       </m:sSubPr>
@@ -8776,7 +8763,7 @@
                                             <m:endChr m:val="|"/>
                                             <m:ctrlPr>
                                               <a:rPr lang="en-US" sz="2800" i="1">
-                                                <a:latin typeface="Cambria Math" charset="0"/>
+                                                <a:latin typeface="Cambria Math" panose="02040503050406030204" pitchFamily="18" charset="0"/>
                                               </a:rPr>
                                             </m:ctrlPr>
                                           </m:dPr>
@@ -8785,7 +8772,7 @@
                                               <m:sSubPr>
                                                 <m:ctrlPr>
                                                   <a:rPr lang="en-US" sz="2800" i="1">
-                                                    <a:latin typeface="Cambria Math" charset="0"/>
+                                                    <a:latin typeface="Cambria Math" panose="02040503050406030204" pitchFamily="18" charset="0"/>
                                                   </a:rPr>
                                                 </m:ctrlPr>
                                               </m:sSubPr>
@@ -8833,7 +8820,7 @@
                                     <m:supHide m:val="on"/>
                                     <m:ctrlPr>
                                       <a:rPr lang="en-US" sz="2800" i="1">
-                                        <a:latin typeface="Cambria Math" charset="0"/>
+                                        <a:latin typeface="Cambria Math" panose="02040503050406030204" pitchFamily="18" charset="0"/>
                                       </a:rPr>
                                     </m:ctrlPr>
                                   </m:naryPr>
@@ -8851,7 +8838,7 @@
                                       <m:sSubPr>
                                         <m:ctrlPr>
                                           <a:rPr lang="en-US" sz="2800" i="1">
-                                            <a:latin typeface="Cambria Math" charset="0"/>
+                                            <a:latin typeface="Cambria Math" panose="02040503050406030204" pitchFamily="18" charset="0"/>
                                           </a:rPr>
                                         </m:ctrlPr>
                                       </m:sSubPr>
@@ -8877,7 +8864,7 @@
                                         <m:degHide m:val="on"/>
                                         <m:ctrlPr>
                                           <a:rPr lang="en-US" sz="2800" i="1">
-                                            <a:latin typeface="Cambria Math" charset="0"/>
+                                            <a:latin typeface="Cambria Math" panose="02040503050406030204" pitchFamily="18" charset="0"/>
                                           </a:rPr>
                                         </m:ctrlPr>
                                       </m:radPr>
@@ -8887,7 +8874,7 @@
                                           <m:sSubSupPr>
                                             <m:ctrlPr>
                                               <a:rPr lang="en-US" sz="2800" i="1">
-                                                <a:latin typeface="Cambria Math" charset="0"/>
+                                                <a:latin typeface="Cambria Math" panose="02040503050406030204" pitchFamily="18" charset="0"/>
                                               </a:rPr>
                                             </m:ctrlPr>
                                           </m:sSubSupPr>
@@ -8926,7 +8913,7 @@
                                           <m:sSubSupPr>
                                             <m:ctrlPr>
                                               <a:rPr lang="en-US" sz="2800" i="1">
-                                                <a:latin typeface="Cambria Math" charset="0"/>
+                                                <a:latin typeface="Cambria Math" panose="02040503050406030204" pitchFamily="18" charset="0"/>
                                               </a:rPr>
                                             </m:ctrlPr>
                                           </m:sSubSupPr>
@@ -8989,7 +8976,7 @@
                       <m:sSubSupPr>
                         <m:ctrlPr>
                           <a:rPr lang="en-US" sz="2800" i="1">
-                            <a:latin typeface="Cambria Math" charset="0"/>
+                            <a:latin typeface="Cambria Math" panose="02040503050406030204" pitchFamily="18" charset="0"/>
                             <a:ea typeface="Cambria Math" panose="02040503050406030204" pitchFamily="18" charset="0"/>
                           </a:rPr>
                         </m:ctrlPr>
@@ -9001,7 +8988,7 @@
                             <m:endChr m:val="‖"/>
                             <m:ctrlPr>
                               <a:rPr lang="en-US" sz="2800" i="1">
-                                <a:latin typeface="Cambria Math" charset="0"/>
+                                <a:latin typeface="Cambria Math" panose="02040503050406030204" pitchFamily="18" charset="0"/>
                                 <a:ea typeface="Cambria Math" panose="02040503050406030204" pitchFamily="18" charset="0"/>
                               </a:rPr>
                             </m:ctrlPr>
@@ -9047,7 +9034,7 @@
                       <m:sSubSupPr>
                         <m:ctrlPr>
                           <a:rPr lang="en-US" sz="2800" i="1">
-                            <a:latin typeface="Cambria Math" charset="0"/>
+                            <a:latin typeface="Cambria Math" panose="02040503050406030204" pitchFamily="18" charset="0"/>
                             <a:ea typeface="Cambria Math" panose="02040503050406030204" pitchFamily="18" charset="0"/>
                           </a:rPr>
                         </m:ctrlPr>
@@ -9059,7 +9046,7 @@
                             <m:endChr m:val="‖"/>
                             <m:ctrlPr>
                               <a:rPr lang="en-US" sz="2800" i="1">
-                                <a:latin typeface="Cambria Math" charset="0"/>
+                                <a:latin typeface="Cambria Math" panose="02040503050406030204" pitchFamily="18" charset="0"/>
                                 <a:ea typeface="Cambria Math" panose="02040503050406030204" pitchFamily="18" charset="0"/>
                               </a:rPr>
                             </m:ctrlPr>
@@ -9224,7 +9211,7 @@
           <p:cNvPr id="2" name="TextBox 1">
             <a:extLst>
               <a:ext uri="{FF2B5EF4-FFF2-40B4-BE49-F238E27FC236}">
-                <a16:creationId xmlns:a16="http://schemas.microsoft.com/office/drawing/2014/main" xmlns="" id="{4F37C1BB-ADD6-4827-BCCA-474AF8E1CCB0}"/>
+                <a16:creationId xmlns:a16="http://schemas.microsoft.com/office/drawing/2014/main" id="{4F37C1BB-ADD6-4827-BCCA-474AF8E1CCB0}"/>
               </a:ext>
             </a:extLst>
           </p:cNvPr>
@@ -9259,7 +9246,7 @@
           <p:cNvPr id="3" name="TextBox 2">
             <a:extLst>
               <a:ext uri="{FF2B5EF4-FFF2-40B4-BE49-F238E27FC236}">
-                <a16:creationId xmlns:a16="http://schemas.microsoft.com/office/drawing/2014/main" xmlns="" id="{DBFBAB13-F33F-40C2-822E-2E2A3001BEB8}"/>
+                <a16:creationId xmlns:a16="http://schemas.microsoft.com/office/drawing/2014/main" id="{DBFBAB13-F33F-40C2-822E-2E2A3001BEB8}"/>
               </a:ext>
             </a:extLst>
           </p:cNvPr>
@@ -9294,7 +9281,7 @@
           <p:cNvPr id="4" name="TextBox 3">
             <a:extLst>
               <a:ext uri="{FF2B5EF4-FFF2-40B4-BE49-F238E27FC236}">
-                <a16:creationId xmlns:a16="http://schemas.microsoft.com/office/drawing/2014/main" xmlns="" id="{57929A0A-6701-41FD-807C-4ED34EC09A8B}"/>
+                <a16:creationId xmlns:a16="http://schemas.microsoft.com/office/drawing/2014/main" id="{57929A0A-6701-41FD-807C-4ED34EC09A8B}"/>
               </a:ext>
             </a:extLst>
           </p:cNvPr>
@@ -9329,7 +9316,7 @@
           <p:cNvPr id="6" name="Straight Arrow Connector 5">
             <a:extLst>
               <a:ext uri="{FF2B5EF4-FFF2-40B4-BE49-F238E27FC236}">
-                <a16:creationId xmlns:a16="http://schemas.microsoft.com/office/drawing/2014/main" xmlns="" id="{6AF0C559-879D-48B9-A709-31A9BC3E6F01}"/>
+                <a16:creationId xmlns:a16="http://schemas.microsoft.com/office/drawing/2014/main" id="{6AF0C559-879D-48B9-A709-31A9BC3E6F01}"/>
               </a:ext>
             </a:extLst>
           </p:cNvPr>
@@ -9368,7 +9355,7 @@
           <p:cNvPr id="12" name="Straight Arrow Connector 11">
             <a:extLst>
               <a:ext uri="{FF2B5EF4-FFF2-40B4-BE49-F238E27FC236}">
-                <a16:creationId xmlns:a16="http://schemas.microsoft.com/office/drawing/2014/main" xmlns="" id="{56443464-6231-4560-8B67-E49692B1C7C1}"/>
+                <a16:creationId xmlns:a16="http://schemas.microsoft.com/office/drawing/2014/main" id="{56443464-6231-4560-8B67-E49692B1C7C1}"/>
               </a:ext>
             </a:extLst>
           </p:cNvPr>
@@ -9407,7 +9394,7 @@
           <p:cNvPr id="16" name="Straight Arrow Connector 15">
             <a:extLst>
               <a:ext uri="{FF2B5EF4-FFF2-40B4-BE49-F238E27FC236}">
-                <a16:creationId xmlns:a16="http://schemas.microsoft.com/office/drawing/2014/main" xmlns="" id="{412A1E93-B7E1-48EE-BBAA-0E5D31BF7C97}"/>
+                <a16:creationId xmlns:a16="http://schemas.microsoft.com/office/drawing/2014/main" id="{412A1E93-B7E1-48EE-BBAA-0E5D31BF7C97}"/>
               </a:ext>
             </a:extLst>
           </p:cNvPr>
@@ -9446,7 +9433,7 @@
           <p:cNvPr id="18" name="Straight Arrow Connector 17">
             <a:extLst>
               <a:ext uri="{FF2B5EF4-FFF2-40B4-BE49-F238E27FC236}">
-                <a16:creationId xmlns:a16="http://schemas.microsoft.com/office/drawing/2014/main" xmlns="" id="{67D22360-F7EA-4E7B-B750-38A7B85FD096}"/>
+                <a16:creationId xmlns:a16="http://schemas.microsoft.com/office/drawing/2014/main" id="{67D22360-F7EA-4E7B-B750-38A7B85FD096}"/>
               </a:ext>
             </a:extLst>
           </p:cNvPr>
@@ -9515,7 +9502,7 @@
           <p:cNvPr id="2" name="Title 1">
             <a:extLst>
               <a:ext uri="{FF2B5EF4-FFF2-40B4-BE49-F238E27FC236}">
-                <a16:creationId xmlns:a16="http://schemas.microsoft.com/office/drawing/2014/main" xmlns="" id="{C7D675AA-6913-48BC-85A2-5C1947B70467}"/>
+                <a16:creationId xmlns:a16="http://schemas.microsoft.com/office/drawing/2014/main" id="{C7D675AA-6913-48BC-85A2-5C1947B70467}"/>
               </a:ext>
             </a:extLst>
           </p:cNvPr>
@@ -9545,7 +9532,7 @@
               <p:cNvPr id="3" name="Content Placeholder 2">
                 <a:extLst>
                   <a:ext uri="{FF2B5EF4-FFF2-40B4-BE49-F238E27FC236}">
-                    <a16:creationId xmlns:a16="http://schemas.microsoft.com/office/drawing/2014/main" xmlns="" id="{F79FB236-54CE-4723-A388-7B2C26E5DA92}"/>
+                    <a16:creationId xmlns:a16="http://schemas.microsoft.com/office/drawing/2014/main" id="{F79FB236-54CE-4723-A388-7B2C26E5DA92}"/>
                   </a:ext>
                 </a:extLst>
               </p:cNvPr>
@@ -9559,12 +9546,12 @@
             <p:spPr/>
             <p:txBody>
               <a:bodyPr>
-                <a:normAutofit/>
+                <a:normAutofit lnSpcReduction="10000"/>
               </a:bodyPr>
               <a:lstStyle/>
               <a:p>
                 <a:r>
-                  <a:rPr lang="en-US" dirty="0" smtClean="0"/>
+                  <a:rPr lang="en-US" dirty="0"/>
                   <a:t>N=100</a:t>
                 </a:r>
               </a:p>
@@ -9574,7 +9561,7 @@
                   <a:t>Dimensions for baseline variables = </a:t>
                 </a:r>
                 <a:r>
-                  <a:rPr lang="en-US" altLang="zh-CN" dirty="0" smtClean="0"/>
+                  <a:rPr lang="en-US" altLang="zh-CN" dirty="0"/>
                   <a:t>5 (</a:t>
                 </a:r>
                 <a:r>
@@ -9582,7 +9569,7 @@
                   <a:t>Standard Normal Distribution</a:t>
                 </a:r>
                 <a:r>
-                  <a:rPr lang="en-US" altLang="zh-CN" dirty="0" smtClean="0"/>
+                  <a:rPr lang="en-US" altLang="zh-CN" dirty="0"/>
                   <a:t>)</a:t>
                 </a:r>
                 <a:endParaRPr lang="en-US" dirty="0"/>
@@ -9599,80 +9586,53 @@
                   <a:t>Dimensions for Genes = </a:t>
                 </a:r>
                 <a:r>
-                  <a:rPr lang="en-US" altLang="zh-CN" dirty="0" smtClean="0"/>
+                  <a:rPr lang="en-US" altLang="zh-CN" dirty="0"/>
                   <a:t>5</a:t>
                 </a:r>
                 <a:r>
-                  <a:rPr lang="en-US" dirty="0" smtClean="0"/>
-                  <a:t>0</a:t>
+                  <a:rPr lang="en-US" dirty="0"/>
+                  <a:t>0, 100</a:t>
+                </a:r>
+                <a:r>
+                  <a:rPr lang="zh-CN" altLang="en-US" dirty="0"/>
+                  <a:t>，</a:t>
+                </a:r>
+                <a:r>
+                  <a:rPr lang="en-US" altLang="zh-CN" dirty="0"/>
+                  <a:t>200 (</a:t>
                 </a:r>
                 <a:r>
                   <a:rPr lang="en-US" dirty="0"/>
-                  <a:t>, </a:t>
-                </a:r>
-                <a:r>
-                  <a:rPr lang="en-US" dirty="0" smtClean="0"/>
-                  <a:t>100</a:t>
-                </a:r>
-                <a:r>
-                  <a:rPr lang="zh-CN" altLang="en-US" dirty="0" smtClean="0"/>
-                  <a:t>，</a:t>
-                </a:r>
-                <a:r>
-                  <a:rPr lang="en-US" altLang="zh-CN" dirty="0" smtClean="0"/>
-                  <a:t>200 (</a:t>
-                </a:r>
-                <a:r>
-                  <a:rPr lang="en-US" dirty="0" smtClean="0"/>
-                  <a:t>Standard </a:t>
-                </a:r>
-                <a:r>
-                  <a:rPr lang="en-US" dirty="0"/>
-                  <a:t>Normal </a:t>
-                </a:r>
-                <a:r>
-                  <a:rPr lang="en-US" dirty="0" smtClean="0"/>
-                  <a:t>Distribution/Binomial Distribution)</a:t>
-                </a:r>
-                <a:endParaRPr lang="en-US" altLang="zh-CN" dirty="0" smtClean="0"/>
-              </a:p>
-              <a:p>
-                <a:r>
-                  <a:rPr lang="en-US" dirty="0"/>
-                  <a:t>5</a:t>
-                </a:r>
-                <a:r>
-                  <a:rPr lang="en-US" dirty="0" smtClean="0"/>
-                  <a:t>%, 10%, 15%, 20% </a:t>
-                </a:r>
-                <a:r>
-                  <a:rPr lang="en-US" dirty="0"/>
-                  <a:t>of hierarchical interaction effects are non-zero randomly</a:t>
+                  <a:t>Standard Normal Distribution/Binomial Distribution)</a:t>
                 </a:r>
               </a:p>
               <a:p>
                 <a:r>
-                  <a:rPr lang="en-US" dirty="0" smtClean="0"/>
-                  <a:t>10%, 20%, 30%, 40% of </a:t>
-                </a:r>
-                <a:r>
-                  <a:rPr lang="en-US" dirty="0"/>
-                  <a:t>gene main effects are non-zero</a:t>
+                  <a:rPr lang="en-US" altLang="zh-CN" dirty="0"/>
+                  <a:t>Coefficients=+3,-3,+5,-5</a:t>
                 </a:r>
               </a:p>
               <a:p>
                 <a:r>
                   <a:rPr lang="en-US" dirty="0"/>
-                  <a:t>Iterations: </a:t>
-                </a:r>
-                <a:r>
-                  <a:rPr lang="en-US" dirty="0" smtClean="0"/>
-                  <a:t>100</a:t>
+                  <a:t>5%, 10%, 15%, 20% of hierarchical interaction effects are non-zero randomly</a:t>
                 </a:r>
               </a:p>
               <a:p>
                 <a:r>
-                  <a:rPr lang="en-US" dirty="0" smtClean="0"/>
+                  <a:rPr lang="en-US" dirty="0"/>
+                  <a:t>10%, 20%, 30%, 40% of gene main effects are non-zero</a:t>
+                </a:r>
+              </a:p>
+              <a:p>
+                <a:r>
+                  <a:rPr lang="en-US" dirty="0"/>
+                  <a:t>Iterations: 100</a:t>
+                </a:r>
+              </a:p>
+              <a:p>
+                <a:r>
+                  <a:rPr lang="en-US" dirty="0"/>
                   <a:t>Correlation: Block Autocorrelation Matrix with </a:t>
                 </a:r>
                 <a14:m>
@@ -9681,7 +9641,7 @@
                       <m:sSubPr>
                         <m:ctrlPr>
                           <a:rPr lang="en-US" b="0" i="1" smtClean="0">
-                            <a:latin typeface="Cambria Math" charset="0"/>
+                            <a:latin typeface="Cambria Math" panose="02040503050406030204" pitchFamily="18" charset="0"/>
                           </a:rPr>
                         </m:ctrlPr>
                       </m:sSubPr>
@@ -9724,7 +9684,7 @@
                       <m:sSupPr>
                         <m:ctrlPr>
                           <a:rPr lang="en-US" b="0" i="1" smtClean="0">
-                            <a:latin typeface="Cambria Math" charset="0"/>
+                            <a:latin typeface="Cambria Math" panose="02040503050406030204" pitchFamily="18" charset="0"/>
                           </a:rPr>
                         </m:ctrlPr>
                       </m:sSupPr>
@@ -9743,7 +9703,7 @@
                             <m:endChr m:val="|"/>
                             <m:ctrlPr>
                               <a:rPr lang="en-US" b="0" i="1" smtClean="0">
-                                <a:latin typeface="Cambria Math" charset="0"/>
+                                <a:latin typeface="Cambria Math" panose="02040503050406030204" pitchFamily="18" charset="0"/>
                               </a:rPr>
                             </m:ctrlPr>
                           </m:dPr>
@@ -9773,10 +9733,9 @@
                   </m:oMath>
                 </a14:m>
                 <a:r>
-                  <a:rPr lang="en-US" dirty="0" smtClean="0"/>
+                  <a:rPr lang="en-US" dirty="0"/>
                   <a:t> inside blocks.</a:t>
                 </a:r>
-                <a:endParaRPr lang="en-US" dirty="0"/>
               </a:p>
               <a:p>
                 <a:endParaRPr lang="en-US" dirty="0"/>
@@ -9790,7 +9749,7 @@
               <p:cNvPr id="3" name="Content Placeholder 2">
                 <a:extLst>
                   <a:ext uri="{FF2B5EF4-FFF2-40B4-BE49-F238E27FC236}">
-                    <a16:creationId xmlns:a16="http://schemas.microsoft.com/office/drawing/2014/main" xmlns="" id="{F79FB236-54CE-4723-A388-7B2C26E5DA92}"/>
+                    <a16:creationId xmlns:a16="http://schemas.microsoft.com/office/drawing/2014/main" id="{F79FB236-54CE-4723-A388-7B2C26E5DA92}"/>
                   </a:ext>
                 </a:extLst>
               </p:cNvPr>
@@ -9802,10 +9761,10 @@
               </p:nvPr>
             </p:nvSpPr>
             <p:spPr>
-              <a:blipFill rotWithShape="0">
+              <a:blipFill>
                 <a:blip r:embed="rId2"/>
                 <a:stretch>
-                  <a:fillRect l="-1766" t="-831" b="-1329"/>
+                  <a:fillRect l="-1766" t="-1661" r="-736"/>
                 </a:stretch>
               </a:blipFill>
             </p:spPr>
@@ -9829,7 +9788,7 @@
           <p:cNvPr id="4" name="Footer Placeholder 3">
             <a:extLst>
               <a:ext uri="{FF2B5EF4-FFF2-40B4-BE49-F238E27FC236}">
-                <a16:creationId xmlns:a16="http://schemas.microsoft.com/office/drawing/2014/main" xmlns="" id="{BDDDA0BE-FB94-44D9-8026-4299635DFDB4}"/>
+                <a16:creationId xmlns:a16="http://schemas.microsoft.com/office/drawing/2014/main" id="{BDDDA0BE-FB94-44D9-8026-4299635DFDB4}"/>
               </a:ext>
             </a:extLst>
           </p:cNvPr>
@@ -9878,7 +9837,7 @@
           <p:cNvPr id="5" name="Slide Number Placeholder 4">
             <a:extLst>
               <a:ext uri="{FF2B5EF4-FFF2-40B4-BE49-F238E27FC236}">
-                <a16:creationId xmlns:a16="http://schemas.microsoft.com/office/drawing/2014/main" xmlns="" id="{89272EAA-7658-4CAB-B263-CD4B022CF97A}"/>
+                <a16:creationId xmlns:a16="http://schemas.microsoft.com/office/drawing/2014/main" id="{89272EAA-7658-4CAB-B263-CD4B022CF97A}"/>
               </a:ext>
             </a:extLst>
           </p:cNvPr>
@@ -9938,7 +9897,7 @@
           <p:cNvPr id="2" name="Title 1">
             <a:extLst>
               <a:ext uri="{FF2B5EF4-FFF2-40B4-BE49-F238E27FC236}">
-                <a16:creationId xmlns:a16="http://schemas.microsoft.com/office/drawing/2014/main" xmlns="" id="{A55E3E7C-7A88-4C8B-A31F-9219AB09B092}"/>
+                <a16:creationId xmlns:a16="http://schemas.microsoft.com/office/drawing/2014/main" id="{A55E3E7C-7A88-4C8B-A31F-9219AB09B092}"/>
               </a:ext>
             </a:extLst>
           </p:cNvPr>
@@ -9961,14 +9920,14 @@
           </a:p>
         </p:txBody>
       </p:sp>
-      <mc:AlternateContent xmlns:mc="http://schemas.openxmlformats.org/markup-compatibility/2006">
-        <mc:Choice xmlns:a14="http://schemas.microsoft.com/office/drawing/2010/main" Requires="a14">
+      <mc:AlternateContent xmlns:mc="http://schemas.openxmlformats.org/markup-compatibility/2006" xmlns:a14="http://schemas.microsoft.com/office/drawing/2010/main">
+        <mc:Choice Requires="a14">
           <p:sp>
             <p:nvSpPr>
               <p:cNvPr id="3" name="Content Placeholder 2">
                 <a:extLst>
                   <a:ext uri="{FF2B5EF4-FFF2-40B4-BE49-F238E27FC236}">
-                    <a16:creationId xmlns:a16="http://schemas.microsoft.com/office/drawing/2014/main" xmlns="" id="{CB1BED14-16C4-4C60-B13C-6FAE776570E9}"/>
+                    <a16:creationId xmlns:a16="http://schemas.microsoft.com/office/drawing/2014/main" id="{CB1BED14-16C4-4C60-B13C-6FAE776570E9}"/>
                   </a:ext>
                 </a:extLst>
               </p:cNvPr>
@@ -9985,20 +9944,8 @@
               <a:lstStyle/>
               <a:p>
                 <a:r>
-                  <a:rPr lang="en-US" dirty="0" smtClean="0"/>
-                  <a:t>For </a:t>
-                </a:r>
-                <a:r>
                   <a:rPr lang="en-US" dirty="0"/>
-                  <a:t>100 genes: 1, </a:t>
-                </a:r>
-                <a:r>
-                  <a:rPr lang="en-US" dirty="0" smtClean="0"/>
-                  <a:t>5, 10</a:t>
-                </a:r>
-                <a:r>
-                  <a:rPr lang="en-US" dirty="0"/>
-                  <a:t>, 100.</a:t>
+                  <a:t>For 100 genes: 1, 5, 10, 100.</a:t>
                 </a:r>
               </a:p>
               <a:p>
@@ -10023,7 +9970,7 @@
                       <m:fPr>
                         <m:ctrlPr>
                           <a:rPr lang="en-US" b="0" i="1" smtClean="0">
-                            <a:latin typeface="Cambria Math" charset="0"/>
+                            <a:latin typeface="Cambria Math" panose="02040503050406030204" pitchFamily="18" charset="0"/>
                           </a:rPr>
                         </m:ctrlPr>
                       </m:fPr>
@@ -10044,7 +9991,7 @@
                           <m:sSubPr>
                             <m:ctrlPr>
                               <a:rPr lang="en-US" b="0" i="1" smtClean="0">
-                                <a:latin typeface="Cambria Math" charset="0"/>
+                                <a:latin typeface="Cambria Math" panose="02040503050406030204" pitchFamily="18" charset="0"/>
                               </a:rPr>
                             </m:ctrlPr>
                           </m:sSubPr>
@@ -10124,7 +10071,7 @@
                       <m:sSubPr>
                         <m:ctrlPr>
                           <a:rPr lang="en-US" b="0" i="1" smtClean="0">
-                            <a:latin typeface="Cambria Math" charset="0"/>
+                            <a:latin typeface="Cambria Math" panose="02040503050406030204" pitchFamily="18" charset="0"/>
                           </a:rPr>
                         </m:ctrlPr>
                       </m:sSubPr>
@@ -10165,7 +10112,7 @@
             </p:txBody>
           </p:sp>
         </mc:Choice>
-        <mc:Fallback>
+        <mc:Fallback xmlns="">
           <p:sp>
             <p:nvSpPr>
               <p:cNvPr id="3" name="Content Placeholder 2">
@@ -10210,7 +10157,7 @@
           <p:cNvPr id="4" name="Footer Placeholder 3">
             <a:extLst>
               <a:ext uri="{FF2B5EF4-FFF2-40B4-BE49-F238E27FC236}">
-                <a16:creationId xmlns:a16="http://schemas.microsoft.com/office/drawing/2014/main" xmlns="" id="{896D4A9B-31AF-4EC2-9F47-5F2F9B70E61B}"/>
+                <a16:creationId xmlns:a16="http://schemas.microsoft.com/office/drawing/2014/main" id="{896D4A9B-31AF-4EC2-9F47-5F2F9B70E61B}"/>
               </a:ext>
             </a:extLst>
           </p:cNvPr>
@@ -10259,7 +10206,7 @@
           <p:cNvPr id="5" name="Slide Number Placeholder 4">
             <a:extLst>
               <a:ext uri="{FF2B5EF4-FFF2-40B4-BE49-F238E27FC236}">
-                <a16:creationId xmlns:a16="http://schemas.microsoft.com/office/drawing/2014/main" xmlns="" id="{D87DD39C-DFBD-411D-A2CD-463D3D2CDC47}"/>
+                <a16:creationId xmlns:a16="http://schemas.microsoft.com/office/drawing/2014/main" id="{D87DD39C-DFBD-411D-A2CD-463D3D2CDC47}"/>
               </a:ext>
             </a:extLst>
           </p:cNvPr>
@@ -10330,10 +10277,9 @@
           <a:lstStyle/>
           <a:p>
             <a:r>
-              <a:rPr lang="en-US" dirty="0" smtClean="0"/>
+              <a:rPr lang="en-US" dirty="0"/>
               <a:t>Other methods</a:t>
             </a:r>
-            <a:endParaRPr lang="en-US" dirty="0"/>
           </a:p>
         </p:txBody>
       </p:sp>
@@ -10353,36 +10299,35 @@
           <a:lstStyle/>
           <a:p>
             <a:r>
-              <a:rPr lang="en-US" dirty="0" smtClean="0"/>
+              <a:rPr lang="en-US" dirty="0"/>
               <a:t>General Lasso without penalizing baseline and </a:t>
             </a:r>
             <a:r>
-              <a:rPr lang="en-US" smtClean="0"/>
+              <a:rPr lang="en-US"/>
               <a:t>treatment variables (Lasso)</a:t>
             </a:r>
-            <a:endParaRPr lang="en-US" dirty="0" smtClean="0"/>
-          </a:p>
-          <a:p>
             <a:endParaRPr lang="en-US" dirty="0"/>
           </a:p>
           <a:p>
-            <a:r>
-              <a:rPr lang="en-US" dirty="0" smtClean="0"/>
+            <a:endParaRPr lang="en-US" dirty="0"/>
+          </a:p>
+          <a:p>
+            <a:r>
+              <a:rPr lang="en-US" dirty="0"/>
               <a:t>Bayesian Model Averaging (BMA)</a:t>
             </a:r>
           </a:p>
           <a:p>
             <a:r>
-              <a:rPr lang="en-US" dirty="0" smtClean="0"/>
+              <a:rPr lang="en-US" dirty="0"/>
               <a:t>Stepwise Variable Selection by likelihood (step)</a:t>
             </a:r>
           </a:p>
           <a:p>
             <a:r>
-              <a:rPr lang="en-US" dirty="0" smtClean="0"/>
+              <a:rPr lang="en-US" dirty="0"/>
               <a:t>Iterative Sure Independent Screening (SIS)</a:t>
             </a:r>
-            <a:endParaRPr lang="en-US" dirty="0"/>
           </a:p>
         </p:txBody>
       </p:sp>
@@ -10402,27 +10347,27 @@
           <a:lstStyle/>
           <a:p>
             <a:r>
-              <a:rPr lang="ja-JP" altLang="en-US" smtClean="0"/>
+              <a:rPr lang="ja-JP" altLang="en-US"/>
               <a:t>｜</a:t>
             </a:r>
             <a:r>
-              <a:rPr lang="en-US" altLang="ja-JP" smtClean="0"/>
+              <a:rPr lang="en-US" altLang="ja-JP"/>
               <a:t>0000</a:t>
             </a:r>
             <a:r>
-              <a:rPr lang="ja-JP" altLang="en-US" smtClean="0"/>
+              <a:rPr lang="ja-JP" altLang="en-US"/>
               <a:t>　</a:t>
             </a:r>
             <a:r>
-              <a:rPr lang="en-US" altLang="ja-JP" smtClean="0"/>
+              <a:rPr lang="en-US" altLang="ja-JP"/>
               <a:t>|</a:t>
             </a:r>
             <a:r>
-              <a:rPr lang="ja-JP" altLang="en-US" smtClean="0"/>
+              <a:rPr lang="ja-JP" altLang="en-US"/>
               <a:t>　　</a:t>
             </a:r>
             <a:r>
-              <a:rPr lang="en-US" altLang="ja-JP" smtClean="0"/>
+              <a:rPr lang="en-US" altLang="ja-JP"/>
               <a:t>DDMMYY</a:t>
             </a:r>
             <a:endParaRPr lang="ja-JP" altLang="en-US" dirty="0"/>
@@ -10499,10 +10444,9 @@
           <a:lstStyle/>
           <a:p>
             <a:r>
-              <a:rPr lang="en-US" dirty="0" smtClean="0"/>
+              <a:rPr lang="en-US" dirty="0"/>
               <a:t>Proportion of nonzero interactions</a:t>
             </a:r>
-            <a:endParaRPr lang="en-US" dirty="0"/>
           </a:p>
         </p:txBody>
       </p:sp>
@@ -10552,10 +10496,9 @@
           <a:lstStyle/>
           <a:p>
             <a:r>
-              <a:rPr lang="en-US" dirty="0" smtClean="0"/>
+              <a:rPr lang="en-US" dirty="0"/>
               <a:t>Nonzero Interaction Effects Proportion=0.05</a:t>
             </a:r>
-            <a:endParaRPr lang="en-US" dirty="0"/>
           </a:p>
         </p:txBody>
       </p:sp>
@@ -10575,27 +10518,27 @@
           <a:lstStyle/>
           <a:p>
             <a:r>
-              <a:rPr lang="ja-JP" altLang="en-US" smtClean="0"/>
+              <a:rPr lang="ja-JP" altLang="en-US"/>
               <a:t>｜</a:t>
             </a:r>
             <a:r>
-              <a:rPr lang="en-US" altLang="ja-JP" smtClean="0"/>
+              <a:rPr lang="en-US" altLang="ja-JP"/>
               <a:t>0000</a:t>
             </a:r>
             <a:r>
-              <a:rPr lang="ja-JP" altLang="en-US" smtClean="0"/>
+              <a:rPr lang="ja-JP" altLang="en-US"/>
               <a:t>　</a:t>
             </a:r>
             <a:r>
-              <a:rPr lang="en-US" altLang="ja-JP" smtClean="0"/>
+              <a:rPr lang="en-US" altLang="ja-JP"/>
               <a:t>|</a:t>
             </a:r>
             <a:r>
-              <a:rPr lang="ja-JP" altLang="en-US" smtClean="0"/>
+              <a:rPr lang="ja-JP" altLang="en-US"/>
               <a:t>　　</a:t>
             </a:r>
             <a:r>
-              <a:rPr lang="en-US" altLang="ja-JP" smtClean="0"/>
+              <a:rPr lang="en-US" altLang="ja-JP"/>
               <a:t>DDMMYY</a:t>
             </a:r>
             <a:endParaRPr lang="ja-JP" altLang="en-US" dirty="0"/>
@@ -10701,10 +10644,9 @@
           <a:lstStyle/>
           <a:p>
             <a:r>
-              <a:rPr lang="en-US" dirty="0" smtClean="0"/>
+              <a:rPr lang="en-US" dirty="0"/>
               <a:t>Nonzero Interaction Effects Proportion=0.1</a:t>
             </a:r>
-            <a:endParaRPr lang="en-US" dirty="0"/>
           </a:p>
         </p:txBody>
       </p:sp>
@@ -10724,27 +10666,27 @@
           <a:lstStyle/>
           <a:p>
             <a:r>
-              <a:rPr lang="ja-JP" altLang="en-US" smtClean="0"/>
+              <a:rPr lang="ja-JP" altLang="en-US"/>
               <a:t>｜</a:t>
             </a:r>
             <a:r>
-              <a:rPr lang="en-US" altLang="ja-JP" smtClean="0"/>
+              <a:rPr lang="en-US" altLang="ja-JP"/>
               <a:t>0000</a:t>
             </a:r>
             <a:r>
-              <a:rPr lang="ja-JP" altLang="en-US" smtClean="0"/>
+              <a:rPr lang="ja-JP" altLang="en-US"/>
               <a:t>　</a:t>
             </a:r>
             <a:r>
-              <a:rPr lang="en-US" altLang="ja-JP" smtClean="0"/>
+              <a:rPr lang="en-US" altLang="ja-JP"/>
               <a:t>|</a:t>
             </a:r>
             <a:r>
-              <a:rPr lang="ja-JP" altLang="en-US" smtClean="0"/>
+              <a:rPr lang="ja-JP" altLang="en-US"/>
               <a:t>　　</a:t>
             </a:r>
             <a:r>
-              <a:rPr lang="en-US" altLang="ja-JP" smtClean="0"/>
+              <a:rPr lang="en-US" altLang="ja-JP"/>
               <a:t>DDMMYY</a:t>
             </a:r>
             <a:endParaRPr lang="ja-JP" altLang="en-US" dirty="0"/>
@@ -10850,10 +10792,9 @@
           <a:lstStyle/>
           <a:p>
             <a:r>
-              <a:rPr lang="en-US" dirty="0" smtClean="0"/>
+              <a:rPr lang="en-US" dirty="0"/>
               <a:t>Nonzero Interaction Effects Proportion=0.15</a:t>
             </a:r>
-            <a:endParaRPr lang="en-US" dirty="0"/>
           </a:p>
         </p:txBody>
       </p:sp>
@@ -10873,27 +10814,27 @@
           <a:lstStyle/>
           <a:p>
             <a:r>
-              <a:rPr lang="ja-JP" altLang="en-US" smtClean="0"/>
+              <a:rPr lang="ja-JP" altLang="en-US"/>
               <a:t>｜</a:t>
             </a:r>
             <a:r>
-              <a:rPr lang="en-US" altLang="ja-JP" smtClean="0"/>
+              <a:rPr lang="en-US" altLang="ja-JP"/>
               <a:t>0000</a:t>
             </a:r>
             <a:r>
-              <a:rPr lang="ja-JP" altLang="en-US" smtClean="0"/>
+              <a:rPr lang="ja-JP" altLang="en-US"/>
               <a:t>　</a:t>
             </a:r>
             <a:r>
-              <a:rPr lang="en-US" altLang="ja-JP" smtClean="0"/>
+              <a:rPr lang="en-US" altLang="ja-JP"/>
               <a:t>|</a:t>
             </a:r>
             <a:r>
-              <a:rPr lang="ja-JP" altLang="en-US" smtClean="0"/>
+              <a:rPr lang="ja-JP" altLang="en-US"/>
               <a:t>　　</a:t>
             </a:r>
             <a:r>
-              <a:rPr lang="en-US" altLang="ja-JP" smtClean="0"/>
+              <a:rPr lang="en-US" altLang="ja-JP"/>
               <a:t>DDMMYY</a:t>
             </a:r>
             <a:endParaRPr lang="ja-JP" altLang="en-US" dirty="0"/>
